--- a/docs/Data Warehouse.pptx
+++ b/docs/Data Warehouse.pptx
@@ -6,19 +6,19 @@
     <p:sldMasterId id="2147483677" r:id="rId2"/>
   </p:sldMasterIdLst>
   <p:notesMasterIdLst>
-    <p:notesMasterId r:id="rId45"/>
+    <p:notesMasterId r:id="rId44"/>
   </p:notesMasterIdLst>
   <p:sldIdLst>
     <p:sldId id="260" r:id="rId3"/>
     <p:sldId id="296" r:id="rId4"/>
     <p:sldId id="310" r:id="rId5"/>
     <p:sldId id="311" r:id="rId6"/>
-    <p:sldId id="312" r:id="rId7"/>
-    <p:sldId id="313" r:id="rId8"/>
-    <p:sldId id="314" r:id="rId9"/>
-    <p:sldId id="315" r:id="rId10"/>
-    <p:sldId id="327" r:id="rId11"/>
-    <p:sldId id="316" r:id="rId12"/>
+    <p:sldId id="327" r:id="rId7"/>
+    <p:sldId id="316" r:id="rId8"/>
+    <p:sldId id="312" r:id="rId9"/>
+    <p:sldId id="313" r:id="rId10"/>
+    <p:sldId id="314" r:id="rId11"/>
+    <p:sldId id="315" r:id="rId12"/>
     <p:sldId id="317" r:id="rId13"/>
     <p:sldId id="318" r:id="rId14"/>
     <p:sldId id="319" r:id="rId15"/>
@@ -49,8 +49,7 @@
     <p:sldId id="347" r:id="rId40"/>
     <p:sldId id="343" r:id="rId41"/>
     <p:sldId id="332" r:id="rId42"/>
-    <p:sldId id="308" r:id="rId43"/>
-    <p:sldId id="309" r:id="rId44"/>
+    <p:sldId id="309" r:id="rId43"/>
   </p:sldIdLst>
   <p:sldSz cx="16256000" cy="13004800"/>
   <p:notesSz cx="6858000" cy="9144000"/>
@@ -273,7 +272,7 @@
           <a:p>
             <a:fld id="{7D187D85-1DED-4CE8-A2CE-81B44B779688}" type="datetimeFigureOut">
               <a:rPr lang="en-CA" smtClean="0"/>
-              <a:t>18/11/2014</a:t>
+              <a:t>19/11/2014</a:t>
             </a:fld>
             <a:endParaRPr lang="en-CA"/>
           </a:p>
@@ -3751,7 +3750,7 @@
               </a14:hiddenEffects>
             </a:ext>
             <a:ext uri="{FAA26D3D-D897-4be2-8F04-BA451C77F1D7}">
-              <ma14:placeholderFlag xmlns="" xmlns:ma14="http://schemas.microsoft.com/office/mac/drawingml/2011/main" val="1"/>
+              <ma14:placeholderFlag xmlns:ma14="http://schemas.microsoft.com/office/mac/drawingml/2011/main" xmlns="" val="1"/>
             </a:ext>
           </a:extLst>
         </p:spPr>
@@ -4389,7 +4388,7 @@
               </a14:hiddenEffects>
             </a:ext>
             <a:ext uri="{FAA26D3D-D897-4be2-8F04-BA451C77F1D7}">
-              <ma14:placeholderFlag xmlns="" xmlns:ma14="http://schemas.microsoft.com/office/mac/drawingml/2011/main" val="1"/>
+              <ma14:placeholderFlag xmlns:ma14="http://schemas.microsoft.com/office/mac/drawingml/2011/main" xmlns="" val="1"/>
             </a:ext>
           </a:extLst>
         </p:spPr>
@@ -5028,14 +5027,51 @@
               <a:t>Lahnakoski</a:t>
             </a:r>
             <a:r>
-              <a:rPr lang="en-CA" sz="3200" smtClean="0"/>
-              <a:t>, November </a:t>
-            </a:r>
-            <a:r>
               <a:rPr lang="en-CA" sz="3200" dirty="0" smtClean="0"/>
-              <a:t>2014 </a:t>
+              <a:t>, November 2014 </a:t>
             </a:r>
             <a:endParaRPr lang="en-CA" sz="3200" dirty="0"/>
+          </a:p>
+        </p:txBody>
+      </p:sp>
+      <p:sp>
+        <p:nvSpPr>
+          <p:cNvPr id="5" name="TextBox 4"/>
+          <p:cNvSpPr txBox="1"/>
+          <p:nvPr/>
+        </p:nvSpPr>
+        <p:spPr>
+          <a:xfrm>
+            <a:off x="1750472" y="11836400"/>
+            <a:ext cx="12604220" cy="954107"/>
+          </a:xfrm>
+          <a:prstGeom prst="rect">
+            <a:avLst/>
+          </a:prstGeom>
+          <a:noFill/>
+        </p:spPr>
+        <p:txBody>
+          <a:bodyPr wrap="none" rtlCol="0">
+            <a:spAutoFit/>
+          </a:bodyPr>
+          <a:lstStyle/>
+          <a:p>
+            <a:r>
+              <a:rPr lang="en-CA" sz="2800" dirty="0">
+                <a:hlinkClick r:id="rId2"/>
+              </a:rPr>
+              <a:t>https://</a:t>
+            </a:r>
+            <a:r>
+              <a:rPr lang="en-CA" sz="2800" dirty="0" smtClean="0">
+                <a:hlinkClick r:id="rId2"/>
+              </a:rPr>
+              <a:t>github.com/klahnakoski/Qb/blob/master/docs/Data%20Warehouse.pptx</a:t>
+            </a:r>
+            <a:endParaRPr lang="en-CA" sz="2800" dirty="0" smtClean="0"/>
+          </a:p>
+          <a:p>
+            <a:endParaRPr lang="en-CA" sz="2800" dirty="0"/>
           </a:p>
         </p:txBody>
       </p:sp>
@@ -5072,35 +5108,9 @@
           <a:chExt cx="0" cy="0"/>
         </a:xfrm>
       </p:grpSpPr>
-      <p:sp>
-        <p:nvSpPr>
-          <p:cNvPr id="3" name="Title 2"/>
-          <p:cNvSpPr>
-            <a:spLocks noGrp="1"/>
-          </p:cNvSpPr>
-          <p:nvPr>
-            <p:ph type="title"/>
-          </p:nvPr>
-        </p:nvSpPr>
-        <p:spPr/>
-        <p:txBody>
-          <a:bodyPr/>
-          <a:lstStyle/>
-          <a:p>
-            <a:pPr>
-              <a:defRPr/>
-            </a:pPr>
-            <a:r>
-              <a:rPr lang="en-US" dirty="0" smtClean="0"/>
-              <a:t>Nomenclature</a:t>
-            </a:r>
-            <a:endParaRPr lang="en-US" dirty="0"/>
-          </a:p>
-        </p:txBody>
-      </p:sp>
       <p:pic>
         <p:nvPicPr>
-          <p:cNvPr id="1026" name="Picture 2"/>
+          <p:cNvPr id="1028" name="Picture 4"/>
           <p:cNvPicPr>
             <a:picLocks noChangeAspect="1" noChangeArrowheads="1"/>
           </p:cNvPicPr>
@@ -5121,8 +5131,8 @@
         </p:blipFill>
         <p:spPr bwMode="auto">
           <a:xfrm>
-            <a:off x="1270000" y="6273800"/>
-            <a:ext cx="6238875" cy="4638675"/>
+            <a:off x="9652000" y="7286335"/>
+            <a:ext cx="5019675" cy="1971675"/>
           </a:xfrm>
           <a:prstGeom prst="rect">
             <a:avLst/>
@@ -5152,183 +5162,86 @@
           </a:extLst>
         </p:spPr>
       </p:pic>
-      <p:grpSp>
-        <p:nvGrpSpPr>
-          <p:cNvPr id="4" name="Group 3"/>
-          <p:cNvGrpSpPr/>
-          <p:nvPr/>
-        </p:nvGrpSpPr>
-        <p:grpSpPr>
-          <a:xfrm>
-            <a:off x="9652000" y="7286335"/>
-            <a:ext cx="5324475" cy="2276475"/>
-            <a:chOff x="9956800" y="7607299"/>
-            <a:chExt cx="5324475" cy="2276475"/>
-          </a:xfrm>
-        </p:grpSpPr>
-        <p:pic>
-          <p:nvPicPr>
-            <p:cNvPr id="1028" name="Picture 4"/>
-            <p:cNvPicPr>
-              <a:picLocks noChangeAspect="1" noChangeArrowheads="1"/>
-            </p:cNvPicPr>
-            <p:nvPr/>
-          </p:nvPicPr>
-          <p:blipFill>
-            <a:blip r:embed="rId3">
-              <a:extLst>
-                <a:ext uri="{28A0092B-C50C-407E-A947-70E740481C1C}">
-                  <a14:useLocalDpi xmlns:a14="http://schemas.microsoft.com/office/drawing/2010/main" val="0"/>
-                </a:ext>
-              </a:extLst>
-            </a:blip>
-            <a:srcRect/>
-            <a:stretch>
-              <a:fillRect/>
-            </a:stretch>
-          </p:blipFill>
-          <p:spPr bwMode="auto">
-            <a:xfrm>
-              <a:off x="9956800" y="7607299"/>
-              <a:ext cx="5019675" cy="1971675"/>
-            </a:xfrm>
-            <a:prstGeom prst="rect">
-              <a:avLst/>
-            </a:prstGeom>
-            <a:noFill/>
-            <a:ln>
-              <a:noFill/>
-            </a:ln>
+      <p:sp>
+        <p:nvSpPr>
+          <p:cNvPr id="3" name="Title 2"/>
+          <p:cNvSpPr>
+            <a:spLocks noGrp="1"/>
+          </p:cNvSpPr>
+          <p:nvPr>
+            <p:ph type="title"/>
+          </p:nvPr>
+        </p:nvSpPr>
+        <p:spPr/>
+        <p:txBody>
+          <a:bodyPr/>
+          <a:lstStyle/>
+          <a:p>
+            <a:pPr>
+              <a:defRPr/>
+            </a:pPr>
+            <a:r>
+              <a:rPr lang="en-US" dirty="0" smtClean="0"/>
+              <a:t>Nomenclature</a:t>
+            </a:r>
+            <a:endParaRPr lang="en-US" dirty="0"/>
+          </a:p>
+        </p:txBody>
+      </p:sp>
+      <p:pic>
+        <p:nvPicPr>
+          <p:cNvPr id="1026" name="Picture 2"/>
+          <p:cNvPicPr>
+            <a:picLocks noChangeAspect="1" noChangeArrowheads="1"/>
+          </p:cNvPicPr>
+          <p:nvPr/>
+        </p:nvPicPr>
+        <p:blipFill>
+          <a:blip r:embed="rId3">
             <a:extLst>
-              <a:ext uri="{909E8E84-426E-40DD-AFC4-6F175D3DCCD1}">
-                <a14:hiddenFill xmlns:a14="http://schemas.microsoft.com/office/drawing/2010/main">
-                  <a:solidFill>
-                    <a:schemeClr val="accent1"/>
-                  </a:solidFill>
-                </a14:hiddenFill>
-              </a:ext>
-              <a:ext uri="{91240B29-F687-4F45-9708-019B960494DF}">
-                <a14:hiddenLine xmlns:a14="http://schemas.microsoft.com/office/drawing/2010/main" w="9525">
-                  <a:solidFill>
-                    <a:schemeClr val="tx1"/>
-                  </a:solidFill>
-                  <a:miter lim="800000"/>
-                  <a:headEnd/>
-                  <a:tailEnd/>
-                </a14:hiddenLine>
+              <a:ext uri="{28A0092B-C50C-407E-A947-70E740481C1C}">
+                <a14:useLocalDpi xmlns:a14="http://schemas.microsoft.com/office/drawing/2010/main" val="0"/>
               </a:ext>
             </a:extLst>
-          </p:spPr>
-        </p:pic>
-        <p:pic>
-          <p:nvPicPr>
-            <p:cNvPr id="8" name="Picture 4"/>
-            <p:cNvPicPr>
-              <a:picLocks noChangeAspect="1" noChangeArrowheads="1"/>
-            </p:cNvPicPr>
-            <p:nvPr/>
-          </p:nvPicPr>
-          <p:blipFill>
-            <a:blip r:embed="rId3">
-              <a:extLst>
-                <a:ext uri="{28A0092B-C50C-407E-A947-70E740481C1C}">
-                  <a14:useLocalDpi xmlns:a14="http://schemas.microsoft.com/office/drawing/2010/main" val="0"/>
-                </a:ext>
-              </a:extLst>
-            </a:blip>
-            <a:srcRect/>
-            <a:stretch>
-              <a:fillRect/>
-            </a:stretch>
-          </p:blipFill>
-          <p:spPr bwMode="auto">
-            <a:xfrm>
-              <a:off x="10109200" y="7759699"/>
-              <a:ext cx="5019675" cy="1971675"/>
-            </a:xfrm>
-            <a:prstGeom prst="rect">
-              <a:avLst/>
-            </a:prstGeom>
+          </a:blip>
+          <a:srcRect/>
+          <a:stretch>
+            <a:fillRect/>
+          </a:stretch>
+        </p:blipFill>
+        <p:spPr bwMode="auto">
+          <a:xfrm>
+            <a:off x="1270000" y="6273800"/>
+            <a:ext cx="6238875" cy="4638675"/>
+          </a:xfrm>
+          <a:prstGeom prst="rect">
+            <a:avLst/>
+          </a:prstGeom>
+          <a:noFill/>
+          <a:ln>
             <a:noFill/>
-            <a:ln>
-              <a:noFill/>
-            </a:ln>
-            <a:extLst>
-              <a:ext uri="{909E8E84-426E-40DD-AFC4-6F175D3DCCD1}">
-                <a14:hiddenFill xmlns:a14="http://schemas.microsoft.com/office/drawing/2010/main">
-                  <a:solidFill>
-                    <a:schemeClr val="accent1"/>
-                  </a:solidFill>
-                </a14:hiddenFill>
-              </a:ext>
-              <a:ext uri="{91240B29-F687-4F45-9708-019B960494DF}">
-                <a14:hiddenLine xmlns:a14="http://schemas.microsoft.com/office/drawing/2010/main" w="9525">
-                  <a:solidFill>
-                    <a:schemeClr val="tx1"/>
-                  </a:solidFill>
-                  <a:miter lim="800000"/>
-                  <a:headEnd/>
-                  <a:tailEnd/>
-                </a14:hiddenLine>
-              </a:ext>
-            </a:extLst>
-          </p:spPr>
-        </p:pic>
-        <p:pic>
-          <p:nvPicPr>
-            <p:cNvPr id="9" name="Picture 4"/>
-            <p:cNvPicPr>
-              <a:picLocks noChangeAspect="1" noChangeArrowheads="1"/>
-            </p:cNvPicPr>
-            <p:nvPr/>
-          </p:nvPicPr>
-          <p:blipFill>
-            <a:blip r:embed="rId3">
-              <a:extLst>
-                <a:ext uri="{28A0092B-C50C-407E-A947-70E740481C1C}">
-                  <a14:useLocalDpi xmlns:a14="http://schemas.microsoft.com/office/drawing/2010/main" val="0"/>
-                </a:ext>
-              </a:extLst>
-            </a:blip>
-            <a:srcRect/>
-            <a:stretch>
-              <a:fillRect/>
-            </a:stretch>
-          </p:blipFill>
-          <p:spPr bwMode="auto">
-            <a:xfrm>
-              <a:off x="10261600" y="7912099"/>
-              <a:ext cx="5019675" cy="1971675"/>
-            </a:xfrm>
-            <a:prstGeom prst="rect">
-              <a:avLst/>
-            </a:prstGeom>
-            <a:noFill/>
-            <a:ln>
-              <a:noFill/>
-            </a:ln>
-            <a:extLst>
-              <a:ext uri="{909E8E84-426E-40DD-AFC4-6F175D3DCCD1}">
-                <a14:hiddenFill xmlns:a14="http://schemas.microsoft.com/office/drawing/2010/main">
-                  <a:solidFill>
-                    <a:schemeClr val="accent1"/>
-                  </a:solidFill>
-                </a14:hiddenFill>
-              </a:ext>
-              <a:ext uri="{91240B29-F687-4F45-9708-019B960494DF}">
-                <a14:hiddenLine xmlns:a14="http://schemas.microsoft.com/office/drawing/2010/main" w="9525">
-                  <a:solidFill>
-                    <a:schemeClr val="tx1"/>
-                  </a:solidFill>
-                  <a:miter lim="800000"/>
-                  <a:headEnd/>
-                  <a:tailEnd/>
-                </a14:hiddenLine>
-              </a:ext>
-            </a:extLst>
-          </p:spPr>
-        </p:pic>
-      </p:grpSp>
+          </a:ln>
+          <a:extLst>
+            <a:ext uri="{909E8E84-426E-40DD-AFC4-6F175D3DCCD1}">
+              <a14:hiddenFill xmlns:a14="http://schemas.microsoft.com/office/drawing/2010/main">
+                <a:solidFill>
+                  <a:schemeClr val="accent1"/>
+                </a:solidFill>
+              </a14:hiddenFill>
+            </a:ext>
+            <a:ext uri="{91240B29-F687-4F45-9708-019B960494DF}">
+              <a14:hiddenLine xmlns:a14="http://schemas.microsoft.com/office/drawing/2010/main" w="9525">
+                <a:solidFill>
+                  <a:schemeClr val="tx1"/>
+                </a:solidFill>
+                <a:miter lim="800000"/>
+                <a:headEnd/>
+                <a:tailEnd/>
+              </a14:hiddenLine>
+            </a:ext>
+          </a:extLst>
+        </p:spPr>
+      </p:pic>
       <p:sp>
         <p:nvSpPr>
           <p:cNvPr id="5" name="TextBox 4"/>
@@ -5337,8 +5250,8 @@
         </p:nvSpPr>
         <p:spPr>
           <a:xfrm>
-            <a:off x="4356258" y="2840634"/>
-            <a:ext cx="1968424" cy="954107"/>
+            <a:off x="4176719" y="2840634"/>
+            <a:ext cx="2327497" cy="954107"/>
           </a:xfrm>
           <a:prstGeom prst="rect">
             <a:avLst/>
@@ -5353,9 +5266,8 @@
           <a:p>
             <a:r>
               <a:rPr lang="en-CA" dirty="0" smtClean="0"/>
-              <a:t>Value</a:t>
-            </a:r>
-            <a:endParaRPr lang="en-CA" sz="3600" dirty="0" smtClean="0"/>
+              <a:t>Values</a:t>
+            </a:r>
           </a:p>
         </p:txBody>
       </p:sp>
@@ -5367,8 +5279,8 @@
         </p:nvSpPr>
         <p:spPr>
           <a:xfrm>
-            <a:off x="10193588" y="2840634"/>
-            <a:ext cx="1580881" cy="954107"/>
+            <a:off x="9495480" y="2840634"/>
+            <a:ext cx="2977097" cy="954107"/>
           </a:xfrm>
           <a:prstGeom prst="rect">
             <a:avLst/>
@@ -5383,7 +5295,7 @@
           <a:p>
             <a:r>
               <a:rPr lang="en-CA" dirty="0" smtClean="0"/>
-              <a:t>Fact</a:t>
+              <a:t>Measure</a:t>
             </a:r>
             <a:endParaRPr lang="en-CA" dirty="0"/>
           </a:p>
@@ -5397,8 +5309,8 @@
         </p:nvSpPr>
         <p:spPr bwMode="auto">
           <a:xfrm>
-            <a:off x="3708400" y="7721600"/>
-            <a:ext cx="1447800" cy="550572"/>
+            <a:off x="6146800" y="6197600"/>
+            <a:ext cx="1447800" cy="4800600"/>
           </a:xfrm>
           <a:prstGeom prst="rect">
             <a:avLst/>
@@ -5456,15 +5368,15 @@
         <p:nvCxnSpPr>
           <p:cNvPr id="11" name="Straight Arrow Connector 10"/>
           <p:cNvCxnSpPr>
-            <a:stCxn id="5" idx="2"/>
+            <a:stCxn id="14" idx="1"/>
             <a:endCxn id="7" idx="0"/>
           </p:cNvCxnSpPr>
           <p:nvPr/>
         </p:nvCxnSpPr>
         <p:spPr bwMode="auto">
           <a:xfrm flipH="1">
-            <a:off x="4432300" y="3794741"/>
-            <a:ext cx="908170" cy="3926859"/>
+            <a:off x="6870700" y="5303054"/>
+            <a:ext cx="3900324" cy="894546"/>
           </a:xfrm>
           <a:prstGeom prst="straightConnector1">
             <a:avLst/>
@@ -5505,8 +5417,8 @@
         </p:nvSpPr>
         <p:spPr bwMode="auto">
           <a:xfrm>
-            <a:off x="11176000" y="8272171"/>
-            <a:ext cx="1447800" cy="592429"/>
+            <a:off x="9571037" y="7205372"/>
+            <a:ext cx="5181600" cy="2133599"/>
           </a:xfrm>
           <a:prstGeom prst="rect">
             <a:avLst/>
@@ -5564,15 +5476,15 @@
         <p:nvCxnSpPr>
           <p:cNvPr id="19" name="Straight Arrow Connector 18"/>
           <p:cNvCxnSpPr>
-            <a:stCxn id="6" idx="2"/>
+            <a:stCxn id="14" idx="2"/>
             <a:endCxn id="17" idx="0"/>
           </p:cNvCxnSpPr>
           <p:nvPr/>
         </p:nvCxnSpPr>
         <p:spPr bwMode="auto">
-          <a:xfrm>
-            <a:off x="10984029" y="3794741"/>
-            <a:ext cx="915871" cy="4477430"/>
+          <a:xfrm flipH="1">
+            <a:off x="12161837" y="5780107"/>
+            <a:ext cx="91933" cy="1425265"/>
           </a:xfrm>
           <a:prstGeom prst="straightConnector1">
             <a:avLst/>
@@ -5605,10 +5517,148 @@
           </a:extLst>
         </p:spPr>
       </p:cxnSp>
+      <p:sp>
+        <p:nvSpPr>
+          <p:cNvPr id="14" name="TextBox 13"/>
+          <p:cNvSpPr txBox="1"/>
+          <p:nvPr/>
+        </p:nvSpPr>
+        <p:spPr>
+          <a:xfrm>
+            <a:off x="10771024" y="4826000"/>
+            <a:ext cx="2965491" cy="954107"/>
+          </a:xfrm>
+          <a:prstGeom prst="rect">
+            <a:avLst/>
+          </a:prstGeom>
+          <a:noFill/>
+        </p:spPr>
+        <p:txBody>
+          <a:bodyPr wrap="none" rtlCol="0">
+            <a:spAutoFit/>
+          </a:bodyPr>
+          <a:lstStyle/>
+          <a:p>
+            <a:r>
+              <a:rPr lang="en-CA" dirty="0" smtClean="0"/>
+              <a:t>Variance</a:t>
+            </a:r>
+            <a:endParaRPr lang="en-CA" dirty="0"/>
+          </a:p>
+        </p:txBody>
+      </p:sp>
+      <p:pic>
+        <p:nvPicPr>
+          <p:cNvPr id="8" name="Picture 4"/>
+          <p:cNvPicPr>
+            <a:picLocks noChangeAspect="1" noChangeArrowheads="1"/>
+          </p:cNvPicPr>
+          <p:nvPr/>
+        </p:nvPicPr>
+        <p:blipFill>
+          <a:blip r:embed="rId2">
+            <a:extLst>
+              <a:ext uri="{28A0092B-C50C-407E-A947-70E740481C1C}">
+                <a14:useLocalDpi xmlns:a14="http://schemas.microsoft.com/office/drawing/2010/main" val="0"/>
+              </a:ext>
+            </a:extLst>
+          </a:blip>
+          <a:srcRect/>
+          <a:stretch>
+            <a:fillRect/>
+          </a:stretch>
+        </p:blipFill>
+        <p:spPr bwMode="auto">
+          <a:xfrm>
+            <a:off x="9804400" y="7438735"/>
+            <a:ext cx="5019675" cy="1971675"/>
+          </a:xfrm>
+          <a:prstGeom prst="rect">
+            <a:avLst/>
+          </a:prstGeom>
+          <a:noFill/>
+          <a:ln>
+            <a:noFill/>
+          </a:ln>
+          <a:extLst>
+            <a:ext uri="{909E8E84-426E-40DD-AFC4-6F175D3DCCD1}">
+              <a14:hiddenFill xmlns:a14="http://schemas.microsoft.com/office/drawing/2010/main">
+                <a:solidFill>
+                  <a:schemeClr val="accent1"/>
+                </a:solidFill>
+              </a14:hiddenFill>
+            </a:ext>
+            <a:ext uri="{91240B29-F687-4F45-9708-019B960494DF}">
+              <a14:hiddenLine xmlns:a14="http://schemas.microsoft.com/office/drawing/2010/main" w="9525">
+                <a:solidFill>
+                  <a:schemeClr val="tx1"/>
+                </a:solidFill>
+                <a:miter lim="800000"/>
+                <a:headEnd/>
+                <a:tailEnd/>
+              </a14:hiddenLine>
+            </a:ext>
+          </a:extLst>
+        </p:spPr>
+      </p:pic>
+      <p:pic>
+        <p:nvPicPr>
+          <p:cNvPr id="9" name="Picture 4"/>
+          <p:cNvPicPr>
+            <a:picLocks noChangeAspect="1" noChangeArrowheads="1"/>
+          </p:cNvPicPr>
+          <p:nvPr/>
+        </p:nvPicPr>
+        <p:blipFill>
+          <a:blip r:embed="rId2">
+            <a:extLst>
+              <a:ext uri="{28A0092B-C50C-407E-A947-70E740481C1C}">
+                <a14:useLocalDpi xmlns:a14="http://schemas.microsoft.com/office/drawing/2010/main" val="0"/>
+              </a:ext>
+            </a:extLst>
+          </a:blip>
+          <a:srcRect/>
+          <a:stretch>
+            <a:fillRect/>
+          </a:stretch>
+        </p:blipFill>
+        <p:spPr bwMode="auto">
+          <a:xfrm>
+            <a:off x="9956800" y="7591135"/>
+            <a:ext cx="5019675" cy="1971675"/>
+          </a:xfrm>
+          <a:prstGeom prst="rect">
+            <a:avLst/>
+          </a:prstGeom>
+          <a:noFill/>
+          <a:ln>
+            <a:noFill/>
+          </a:ln>
+          <a:extLst>
+            <a:ext uri="{909E8E84-426E-40DD-AFC4-6F175D3DCCD1}">
+              <a14:hiddenFill xmlns:a14="http://schemas.microsoft.com/office/drawing/2010/main">
+                <a:solidFill>
+                  <a:schemeClr val="accent1"/>
+                </a:solidFill>
+              </a14:hiddenFill>
+            </a:ext>
+            <a:ext uri="{91240B29-F687-4F45-9708-019B960494DF}">
+              <a14:hiddenLine xmlns:a14="http://schemas.microsoft.com/office/drawing/2010/main" w="9525">
+                <a:solidFill>
+                  <a:schemeClr val="tx1"/>
+                </a:solidFill>
+                <a:miter lim="800000"/>
+                <a:headEnd/>
+                <a:tailEnd/>
+              </a14:hiddenLine>
+            </a:ext>
+          </a:extLst>
+        </p:spPr>
+      </p:pic>
     </p:spTree>
     <p:extLst>
       <p:ext uri="{BB962C8B-B14F-4D97-AF65-F5344CB8AC3E}">
-        <p14:creationId xmlns:p14="http://schemas.microsoft.com/office/powerpoint/2010/main" val="842691852"/>
+        <p14:creationId xmlns:p14="http://schemas.microsoft.com/office/powerpoint/2010/main" val="3785237298"/>
       </p:ext>
     </p:extLst>
   </p:cSld>
@@ -5663,7 +5713,7 @@
             </a:pPr>
             <a:r>
               <a:rPr lang="en-US" dirty="0" smtClean="0"/>
-              <a:t>Benefits Summary</a:t>
+              <a:t>Distinctive Features of DW</a:t>
             </a:r>
             <a:endParaRPr lang="en-US" dirty="0"/>
           </a:p>
@@ -5678,7 +5728,7 @@
         <p:spPr>
           <a:xfrm>
             <a:off x="1041400" y="2311400"/>
-            <a:ext cx="14097000" cy="5262979"/>
+            <a:ext cx="14097000" cy="6001643"/>
           </a:xfrm>
           <a:prstGeom prst="rect">
             <a:avLst/>
@@ -5751,7 +5801,7 @@
             </a:pPr>
             <a:r>
               <a:rPr lang="en-CA" sz="4800" dirty="0" smtClean="0"/>
-              <a:t>Clean, Cartesian space of values</a:t>
+              <a:t>Uniform, Cartesian space of values</a:t>
             </a:r>
             <a:endParaRPr lang="en-CA" sz="4800" dirty="0"/>
           </a:p>
@@ -5777,6 +5827,16 @@
             <a:r>
               <a:rPr lang="en-CA" sz="4800" dirty="0" smtClean="0"/>
               <a:t>Defines a standard for ETL</a:t>
+            </a:r>
+          </a:p>
+          <a:p>
+            <a:pPr marL="685800" lvl="0" indent="-685800" algn="l">
+              <a:buFont typeface="Arial" panose="020B0604020202020204" pitchFamily="34" charset="0"/>
+              <a:buChar char="•"/>
+            </a:pPr>
+            <a:r>
+              <a:rPr lang="en-CA" sz="4800" dirty="0" smtClean="0"/>
+              <a:t>Has a security model</a:t>
             </a:r>
             <a:endParaRPr lang="en-CA" sz="4800" dirty="0"/>
           </a:p>
@@ -5870,7 +5930,7 @@
             </a:pPr>
             <a:r>
               <a:rPr lang="en-US" dirty="0" smtClean="0"/>
-              <a:t>Benefits</a:t>
+              <a:t>Distinctive Features</a:t>
             </a:r>
             <a:endParaRPr lang="en-US" dirty="0"/>
           </a:p>
@@ -5958,37 +6018,21 @@
                   <a:schemeClr val="tx1"/>
                 </a:solidFill>
               </a:rPr>
-              <a:t>Creates </a:t>
-            </a:r>
+              <a:t>Creates and manages multiple indexes across many dimensions for fast slicing</a:t>
+            </a:r>
+          </a:p>
+          <a:p>
+            <a:pPr marL="685800" lvl="0" indent="-685800" algn="l">
+              <a:buFont typeface="Arial" panose="020B0604020202020204" pitchFamily="34" charset="0"/>
+              <a:buChar char="•"/>
+            </a:pPr>
             <a:r>
               <a:rPr lang="en-CA" sz="4800" dirty="0" smtClean="0">
                 <a:solidFill>
                   <a:schemeClr val="tx1"/>
                 </a:solidFill>
               </a:rPr>
-              <a:t>and manages multiple indexes across many dimensions for fast slicing</a:t>
-            </a:r>
-          </a:p>
-          <a:p>
-            <a:pPr marL="685800" lvl="0" indent="-685800" algn="l">
-              <a:buFont typeface="Arial" panose="020B0604020202020204" pitchFamily="34" charset="0"/>
-              <a:buChar char="•"/>
-            </a:pPr>
-            <a:r>
-              <a:rPr lang="en-CA" sz="4800" dirty="0" smtClean="0">
-                <a:solidFill>
-                  <a:schemeClr val="tx1"/>
-                </a:solidFill>
-              </a:rPr>
-              <a:t>Manages </a:t>
-            </a:r>
-            <a:r>
-              <a:rPr lang="en-CA" sz="4800" dirty="0" smtClean="0">
-                <a:solidFill>
-                  <a:schemeClr val="tx1"/>
-                </a:solidFill>
-              </a:rPr>
-              <a:t>materialized views (pre-aggregated data) for fast aggregates</a:t>
+              <a:t>Manages materialized views (pre-aggregated data) for fast aggregates</a:t>
             </a:r>
             <a:endParaRPr lang="en-CA" sz="4800" dirty="0">
               <a:solidFill>
@@ -6055,9 +6099,10 @@
               <a:defRPr/>
             </a:pPr>
             <a:r>
-              <a:rPr lang="en-US" dirty="0"/>
-              <a:t>Benefits</a:t>
-            </a:r>
+              <a:rPr lang="en-US" dirty="0" smtClean="0"/>
+              <a:t>Distinctive Features</a:t>
+            </a:r>
+            <a:endParaRPr lang="en-US" dirty="0"/>
           </a:p>
         </p:txBody>
       </p:sp>
@@ -6439,9 +6484,10 @@
               <a:defRPr/>
             </a:pPr>
             <a:r>
-              <a:rPr lang="en-US" dirty="0"/>
-              <a:t>Benefits</a:t>
-            </a:r>
+              <a:rPr lang="en-US" dirty="0" smtClean="0"/>
+              <a:t>Distinctive Features</a:t>
+            </a:r>
+            <a:endParaRPr lang="en-US" dirty="0"/>
           </a:p>
         </p:txBody>
       </p:sp>
@@ -6705,9 +6751,10 @@
               <a:defRPr/>
             </a:pPr>
             <a:r>
-              <a:rPr lang="en-US" dirty="0"/>
-              <a:t>Benefits</a:t>
-            </a:r>
+              <a:rPr lang="en-US" dirty="0" smtClean="0"/>
+              <a:t>Distinctive Features</a:t>
+            </a:r>
+            <a:endParaRPr lang="en-US" dirty="0"/>
           </a:p>
         </p:txBody>
       </p:sp>
@@ -7261,9 +7308,10 @@
               <a:defRPr/>
             </a:pPr>
             <a:r>
-              <a:rPr lang="en-US" dirty="0"/>
-              <a:t>Benefits</a:t>
-            </a:r>
+              <a:rPr lang="en-US" dirty="0" smtClean="0"/>
+              <a:t>Distinctive Features</a:t>
+            </a:r>
+            <a:endParaRPr lang="en-US" dirty="0"/>
           </a:p>
         </p:txBody>
       </p:sp>
@@ -8068,9 +8116,10 @@
               <a:defRPr/>
             </a:pPr>
             <a:r>
-              <a:rPr lang="en-US" dirty="0"/>
-              <a:t>Benefits</a:t>
-            </a:r>
+              <a:rPr lang="en-US" dirty="0" smtClean="0"/>
+              <a:t>Distinctive Features</a:t>
+            </a:r>
+            <a:endParaRPr lang="en-US" dirty="0"/>
           </a:p>
         </p:txBody>
       </p:sp>
@@ -8608,9 +8657,10 @@
               <a:defRPr/>
             </a:pPr>
             <a:r>
-              <a:rPr lang="en-US" dirty="0"/>
-              <a:t>Benefits</a:t>
-            </a:r>
+              <a:rPr lang="en-US" dirty="0" smtClean="0"/>
+              <a:t>Distinctive Features</a:t>
+            </a:r>
+            <a:endParaRPr lang="en-US" dirty="0"/>
           </a:p>
         </p:txBody>
       </p:sp>
@@ -8806,9 +8856,10 @@
               <a:defRPr/>
             </a:pPr>
             <a:r>
-              <a:rPr lang="en-US" dirty="0"/>
-              <a:t>Benefits</a:t>
-            </a:r>
+              <a:rPr lang="en-US" dirty="0" smtClean="0"/>
+              <a:t>Distinctive Features</a:t>
+            </a:r>
+            <a:endParaRPr lang="en-US" dirty="0"/>
           </a:p>
         </p:txBody>
       </p:sp>
@@ -9011,15 +9062,7 @@
                   <a:schemeClr val="tx1"/>
                 </a:solidFill>
               </a:rPr>
-              <a:t>Only filter and </a:t>
-            </a:r>
-            <a:r>
-              <a:rPr lang="en-CA" sz="4800" dirty="0" smtClean="0">
-                <a:solidFill>
-                  <a:schemeClr val="tx1"/>
-                </a:solidFill>
-              </a:rPr>
-              <a:t>aggregates</a:t>
+              <a:t>Only filter and aggregates</a:t>
             </a:r>
           </a:p>
           <a:p>
@@ -9669,9 +9712,10 @@
               <a:defRPr/>
             </a:pPr>
             <a:r>
-              <a:rPr lang="en-US" dirty="0"/>
-              <a:t>Benefits</a:t>
-            </a:r>
+              <a:rPr lang="en-US" dirty="0" smtClean="0"/>
+              <a:t>Distinctive Features</a:t>
+            </a:r>
+            <a:endParaRPr lang="en-US" dirty="0"/>
           </a:p>
         </p:txBody>
       </p:sp>
@@ -10976,9 +11020,10 @@
               <a:defRPr/>
             </a:pPr>
             <a:r>
-              <a:rPr lang="en-US" dirty="0"/>
-              <a:t>Benefits</a:t>
-            </a:r>
+              <a:rPr lang="en-US" dirty="0" smtClean="0"/>
+              <a:t>Distinctive Features</a:t>
+            </a:r>
+            <a:endParaRPr lang="en-US" dirty="0"/>
           </a:p>
         </p:txBody>
       </p:sp>
@@ -11264,9 +11309,10 @@
               <a:defRPr/>
             </a:pPr>
             <a:r>
-              <a:rPr lang="en-US" dirty="0"/>
-              <a:t>Benefits</a:t>
-            </a:r>
+              <a:rPr lang="en-US" dirty="0" smtClean="0"/>
+              <a:t>Distinctive Features</a:t>
+            </a:r>
+            <a:endParaRPr lang="en-US" dirty="0"/>
           </a:p>
         </p:txBody>
       </p:sp>
@@ -11329,7 +11375,11 @@
             </a:pPr>
             <a:r>
               <a:rPr lang="en-CA" sz="4800" dirty="0"/>
-              <a:t>Dimension members are represented once</a:t>
+              <a:t>Dimension members are represented </a:t>
+            </a:r>
+            <a:r>
+              <a:rPr lang="en-CA" sz="4800" dirty="0" smtClean="0"/>
+              <a:t>once</a:t>
             </a:r>
           </a:p>
           <a:p>
@@ -11752,9 +11802,10 @@
               <a:defRPr/>
             </a:pPr>
             <a:r>
-              <a:rPr lang="en-US" dirty="0"/>
-              <a:t>Benefits</a:t>
-            </a:r>
+              <a:rPr lang="en-US" dirty="0" smtClean="0"/>
+              <a:t>Distinctive Features</a:t>
+            </a:r>
+            <a:endParaRPr lang="en-US" dirty="0"/>
           </a:p>
         </p:txBody>
       </p:sp>
@@ -12383,9 +12434,10 @@
               <a:defRPr/>
             </a:pPr>
             <a:r>
-              <a:rPr lang="en-US" dirty="0"/>
-              <a:t>Benefits</a:t>
-            </a:r>
+              <a:rPr lang="en-US" dirty="0" smtClean="0"/>
+              <a:t>Distinctive Features</a:t>
+            </a:r>
+            <a:endParaRPr lang="en-US" dirty="0"/>
           </a:p>
         </p:txBody>
       </p:sp>
@@ -13014,9 +13066,10 @@
               <a:defRPr/>
             </a:pPr>
             <a:r>
-              <a:rPr lang="en-US" dirty="0"/>
-              <a:t>Benefits</a:t>
-            </a:r>
+              <a:rPr lang="en-US" dirty="0" smtClean="0"/>
+              <a:t>Distinctive Features</a:t>
+            </a:r>
+            <a:endParaRPr lang="en-US" dirty="0"/>
           </a:p>
         </p:txBody>
       </p:sp>
@@ -13060,7 +13113,7 @@
         <p:spPr>
           <a:xfrm>
             <a:off x="1035049" y="2844000"/>
-            <a:ext cx="14027149" cy="3046988"/>
+            <a:ext cx="14027149" cy="4524315"/>
           </a:xfrm>
           <a:prstGeom prst="rect">
             <a:avLst/>
@@ -13116,6 +13169,36 @@
                 </a:solidFill>
               </a:rPr>
               <a:t>Dimensions are orthogonal (no functional dependencies) </a:t>
+            </a:r>
+          </a:p>
+          <a:p>
+            <a:pPr marL="685800" lvl="0" indent="-685800" algn="l">
+              <a:buFont typeface="Arial" panose="020B0604020202020204" pitchFamily="34" charset="0"/>
+              <a:buChar char="•"/>
+            </a:pPr>
+            <a:r>
+              <a:rPr lang="en-CA" sz="4800" dirty="0" smtClean="0">
+                <a:solidFill>
+                  <a:schemeClr val="tx1"/>
+                </a:solidFill>
+              </a:rPr>
+              <a:t>Important for </a:t>
+            </a:r>
+            <a:r>
+              <a:rPr lang="en-CA" sz="4800" dirty="0" err="1" smtClean="0">
+                <a:solidFill>
+                  <a:schemeClr val="tx1"/>
+                </a:solidFill>
+              </a:rPr>
+              <a:t>SciPy</a:t>
+            </a:r>
+            <a:r>
+              <a:rPr lang="en-CA" sz="4800" dirty="0" smtClean="0">
+                <a:solidFill>
+                  <a:schemeClr val="tx1"/>
+                </a:solidFill>
+              </a:rPr>
+              <a:t>, Pandas, R which operate on multidimensional arrays of data.</a:t>
             </a:r>
             <a:endParaRPr lang="en-CA" sz="4800" dirty="0">
               <a:solidFill>
@@ -13182,9 +13265,10 @@
               <a:defRPr/>
             </a:pPr>
             <a:r>
-              <a:rPr lang="en-US" dirty="0"/>
-              <a:t>Benefits</a:t>
-            </a:r>
+              <a:rPr lang="en-US" dirty="0" smtClean="0"/>
+              <a:t>Distinctive Features</a:t>
+            </a:r>
+            <a:endParaRPr lang="en-US" dirty="0"/>
           </a:p>
         </p:txBody>
       </p:sp>
@@ -13440,7 +13524,7 @@
             </a:pPr>
             <a:r>
               <a:rPr lang="en-US" dirty="0" smtClean="0"/>
-              <a:t>Benefits</a:t>
+              <a:t>Distinctive Features</a:t>
             </a:r>
             <a:endParaRPr lang="en-US" dirty="0"/>
           </a:p>
@@ -13665,7 +13749,7 @@
             </a:pPr>
             <a:r>
               <a:rPr lang="en-US" dirty="0" smtClean="0"/>
-              <a:t>Benefits</a:t>
+              <a:t>Distinctive Features</a:t>
             </a:r>
             <a:endParaRPr lang="en-US" dirty="0"/>
           </a:p>
@@ -13872,7 +13956,7 @@
             </a:pPr>
             <a:r>
               <a:rPr lang="en-US" dirty="0" smtClean="0"/>
-              <a:t>Benefits</a:t>
+              <a:t>Distinctive Features</a:t>
             </a:r>
             <a:endParaRPr lang="en-US" dirty="0"/>
           </a:p>
@@ -14645,7 +14729,7 @@
             </a:pPr>
             <a:r>
               <a:rPr lang="en-US" dirty="0" smtClean="0"/>
-              <a:t>Benefits</a:t>
+              <a:t>Distinctive Features</a:t>
             </a:r>
             <a:endParaRPr lang="en-US" dirty="0"/>
           </a:p>
@@ -14747,7 +14831,7 @@
             </a:pPr>
             <a:r>
               <a:rPr lang="en-US" dirty="0" smtClean="0"/>
-              <a:t>Benefits</a:t>
+              <a:t>Distinctive Features</a:t>
             </a:r>
             <a:endParaRPr lang="en-US" dirty="0"/>
           </a:p>
@@ -16189,7 +16273,7 @@
             <a:pPr lvl="0"/>
             <a:r>
               <a:rPr lang="en-CA" sz="4800" b="1" dirty="0" smtClean="0"/>
-              <a:t>No  Existing Solutions?</a:t>
+              <a:t>No Existing Solutions!?</a:t>
             </a:r>
             <a:endParaRPr lang="en-CA" sz="4800" b="1" dirty="0"/>
           </a:p>
@@ -16241,7 +16325,7 @@
                   <a:schemeClr val="tx1"/>
                 </a:solidFill>
               </a:rPr>
-              <a:t>BI is a means to an ends – We may be the first truly open company with BI needs</a:t>
+              <a:t>BI is a means to an ends – We may be the first </a:t>
             </a:r>
             <a:r>
               <a:rPr lang="en-CA" sz="4800" dirty="0" smtClean="0">
@@ -16249,6 +16333,22 @@
                   <a:schemeClr val="tx1"/>
                 </a:solidFill>
               </a:rPr>
+              <a:t>large and truly </a:t>
+            </a:r>
+            <a:r>
+              <a:rPr lang="en-CA" sz="4800" dirty="0">
+                <a:solidFill>
+                  <a:schemeClr val="tx1"/>
+                </a:solidFill>
+              </a:rPr>
+              <a:t>open company with BI needs</a:t>
+            </a:r>
+            <a:r>
+              <a:rPr lang="en-CA" sz="4800" dirty="0" smtClean="0">
+                <a:solidFill>
+                  <a:schemeClr val="tx1"/>
+                </a:solidFill>
+              </a:rPr>
               <a:t>.</a:t>
             </a:r>
           </a:p>
@@ -16272,7 +16372,7 @@
               <a:buChar char="•"/>
             </a:pPr>
             <a:r>
-              <a:rPr lang="en-CA" sz="4800" dirty="0">
+              <a:rPr lang="en-CA" sz="4800" strike="sngStrike" dirty="0">
                 <a:solidFill>
                   <a:schemeClr val="tx1"/>
                 </a:solidFill>
@@ -16286,7 +16386,7 @@
               <a:buChar char="•"/>
             </a:pPr>
             <a:r>
-              <a:rPr lang="en-CA" sz="4800" dirty="0" smtClean="0">
+              <a:rPr lang="en-CA" sz="4800" strike="sngStrike" dirty="0" smtClean="0">
                 <a:solidFill>
                   <a:schemeClr val="tx1"/>
                 </a:solidFill>
@@ -16294,7 +16394,7 @@
               <a:t>With standards, we can </a:t>
             </a:r>
             <a:r>
-              <a:rPr lang="en-CA" sz="4800" dirty="0">
+              <a:rPr lang="en-CA" sz="4800" strike="sngStrike" dirty="0">
                 <a:solidFill>
                   <a:schemeClr val="tx1"/>
                 </a:solidFill>
@@ -16302,7 +16402,7 @@
               <a:t>work with </a:t>
             </a:r>
             <a:r>
-              <a:rPr lang="en-CA" sz="4800" dirty="0" smtClean="0">
+              <a:rPr lang="en-CA" sz="4800" strike="sngStrike" dirty="0" smtClean="0">
                 <a:solidFill>
                   <a:schemeClr val="tx1"/>
                 </a:solidFill>
@@ -16678,11 +16778,6 @@
               </a:rPr>
               <a:t>Security model</a:t>
             </a:r>
-            <a:endParaRPr lang="en-CA" sz="4800" dirty="0" smtClean="0">
-              <a:solidFill>
-                <a:schemeClr val="tx1"/>
-              </a:solidFill>
-            </a:endParaRPr>
           </a:p>
         </p:txBody>
       </p:sp>
@@ -16726,29 +16821,88 @@
       </p:grpSpPr>
       <p:sp>
         <p:nvSpPr>
-          <p:cNvPr id="7" name="Rounded Rectangle 6"/>
+          <p:cNvPr id="3" name="Title 2"/>
+          <p:cNvSpPr>
+            <a:spLocks noGrp="1"/>
+          </p:cNvSpPr>
+          <p:nvPr>
+            <p:ph type="title"/>
+          </p:nvPr>
+        </p:nvSpPr>
+        <p:spPr/>
+        <p:txBody>
+          <a:bodyPr/>
+          <a:lstStyle/>
+          <a:p>
+            <a:pPr>
+              <a:defRPr/>
+            </a:pPr>
+            <a:r>
+              <a:rPr lang="en-US" dirty="0" smtClean="0"/>
+              <a:t>Data Warehouse?</a:t>
+            </a:r>
+            <a:endParaRPr lang="en-US" dirty="0"/>
+          </a:p>
+        </p:txBody>
+      </p:sp>
+      <p:sp>
+        <p:nvSpPr>
+          <p:cNvPr id="2" name="TextBox 1"/>
+          <p:cNvSpPr txBox="1"/>
+          <p:nvPr/>
+        </p:nvSpPr>
+        <p:spPr>
+          <a:xfrm>
+            <a:off x="0" y="1778000"/>
+            <a:ext cx="16255999" cy="830997"/>
+          </a:xfrm>
+          <a:prstGeom prst="rect">
+            <a:avLst/>
+          </a:prstGeom>
+          <a:noFill/>
+        </p:spPr>
+        <p:txBody>
+          <a:bodyPr wrap="square" rtlCol="0">
+            <a:spAutoFit/>
+          </a:bodyPr>
+          <a:lstStyle/>
+          <a:p>
+            <a:pPr lvl="0"/>
+            <a:r>
+              <a:rPr lang="en-CA" sz="4800" b="1" dirty="0" smtClean="0"/>
+              <a:t>Existing Stack</a:t>
+            </a:r>
+            <a:endParaRPr lang="en-CA" sz="4800" b="1" dirty="0"/>
+          </a:p>
+        </p:txBody>
+      </p:sp>
+      <p:sp>
+        <p:nvSpPr>
+          <p:cNvPr id="4" name="Rounded Rectangle 3"/>
           <p:cNvSpPr/>
           <p:nvPr/>
         </p:nvSpPr>
         <p:spPr bwMode="auto">
           <a:xfrm>
-            <a:off x="3937000" y="8331200"/>
+            <a:off x="8928573" y="7721601"/>
             <a:ext cx="2419252" cy="928707"/>
           </a:xfrm>
           <a:prstGeom prst="roundRect">
             <a:avLst/>
           </a:prstGeom>
-          <a:noFill/>
+          <a:solidFill>
+            <a:srgbClr val="3A75A6"/>
+          </a:solidFill>
           <a:ln w="88900">
             <a:solidFill>
-              <a:srgbClr val="FFDC52"/>
+              <a:srgbClr val="3A75A6"/>
             </a:solidFill>
           </a:ln>
           <a:effectLst/>
           <a:extLst/>
         </p:spPr>
         <p:txBody>
-          <a:bodyPr vert="horz" wrap="square" lIns="91440" tIns="45720" rIns="91440" bIns="45720" numCol="1" rtlCol="0" anchor="t" anchorCtr="0" compatLnSpc="1">
+          <a:bodyPr vert="horz" wrap="square" lIns="91440" tIns="45720" rIns="91440" bIns="45720" numCol="1" rtlCol="0" anchor="b" anchorCtr="0" compatLnSpc="1">
             <a:prstTxWarp prst="textNoShape">
               <a:avLst/>
             </a:prstTxWarp>
@@ -16771,12 +16925,22 @@
               <a:buNone/>
               <a:tabLst/>
             </a:pPr>
-            <a:endParaRPr kumimoji="0" lang="en-CA" sz="5600" b="0" i="0" u="none" strike="noStrike" cap="none" normalizeH="0" baseline="0">
+            <a:r>
+              <a:rPr lang="en-CA" sz="5400" dirty="0" smtClean="0">
+                <a:solidFill>
+                  <a:srgbClr val="FFDC52"/>
+                </a:solidFill>
+                <a:ea typeface="ヒラギノ角ゴ ProN W3" charset="0"/>
+                <a:cs typeface="ヒラギノ角ゴ ProN W3" charset="0"/>
+              </a:rPr>
+              <a:t>Q.py</a:t>
+            </a:r>
+            <a:endParaRPr kumimoji="0" lang="en-CA" sz="5400" b="0" i="0" u="none" strike="noStrike" cap="none" normalizeH="0" baseline="0" dirty="0">
               <a:ln>
                 <a:noFill/>
               </a:ln>
               <a:solidFill>
-                <a:srgbClr val="414141"/>
+                <a:srgbClr val="FFDC52"/>
               </a:solidFill>
               <a:effectLst/>
               <a:latin typeface="Open Sans" charset="0"/>
@@ -16789,86 +16953,31 @@
       </p:sp>
       <p:sp>
         <p:nvSpPr>
-          <p:cNvPr id="3" name="Title 2"/>
-          <p:cNvSpPr>
-            <a:spLocks noGrp="1"/>
-          </p:cNvSpPr>
-          <p:nvPr>
-            <p:ph type="title"/>
-          </p:nvPr>
-        </p:nvSpPr>
-        <p:spPr/>
-        <p:txBody>
-          <a:bodyPr/>
-          <a:lstStyle/>
-          <a:p>
-            <a:pPr>
-              <a:defRPr/>
-            </a:pPr>
-            <a:r>
-              <a:rPr lang="en-US" dirty="0" smtClean="0"/>
-              <a:t>Data Warehouse?</a:t>
-            </a:r>
-            <a:endParaRPr lang="en-US" dirty="0"/>
-          </a:p>
-        </p:txBody>
-      </p:sp>
-      <p:sp>
-        <p:nvSpPr>
-          <p:cNvPr id="2" name="TextBox 1"/>
-          <p:cNvSpPr txBox="1"/>
-          <p:nvPr/>
-        </p:nvSpPr>
-        <p:spPr>
-          <a:xfrm>
-            <a:off x="0" y="1778000"/>
-            <a:ext cx="16255999" cy="830997"/>
-          </a:xfrm>
-          <a:prstGeom prst="rect">
-            <a:avLst/>
-          </a:prstGeom>
-          <a:noFill/>
-        </p:spPr>
-        <p:txBody>
-          <a:bodyPr wrap="square" rtlCol="0">
-            <a:spAutoFit/>
-          </a:bodyPr>
-          <a:lstStyle/>
-          <a:p>
-            <a:pPr lvl="0"/>
-            <a:r>
-              <a:rPr lang="en-CA" sz="4800" b="1" dirty="0" smtClean="0"/>
-              <a:t>Example</a:t>
-            </a:r>
-            <a:endParaRPr lang="en-CA" sz="4800" b="1" dirty="0"/>
-          </a:p>
-        </p:txBody>
-      </p:sp>
-      <p:sp>
-        <p:nvSpPr>
-          <p:cNvPr id="4" name="Rounded Rectangle 3"/>
+          <p:cNvPr id="12" name="Rounded Rectangle 11"/>
           <p:cNvSpPr/>
           <p:nvPr/>
         </p:nvSpPr>
         <p:spPr bwMode="auto">
           <a:xfrm>
-            <a:off x="3794174" y="8185150"/>
-            <a:ext cx="2419252" cy="928707"/>
+            <a:off x="3371174" y="8916463"/>
+            <a:ext cx="3836556" cy="928707"/>
           </a:xfrm>
           <a:prstGeom prst="roundRect">
             <a:avLst/>
           </a:prstGeom>
-          <a:noFill/>
+          <a:solidFill>
+            <a:srgbClr val="007C85"/>
+          </a:solidFill>
           <a:ln w="88900">
             <a:solidFill>
-              <a:srgbClr val="3A75A6"/>
+              <a:srgbClr val="007C85"/>
             </a:solidFill>
           </a:ln>
           <a:effectLst/>
           <a:extLst/>
         </p:spPr>
         <p:txBody>
-          <a:bodyPr vert="horz" wrap="square" lIns="91440" tIns="45720" rIns="91440" bIns="45720" numCol="1" rtlCol="0" anchor="t" anchorCtr="0" compatLnSpc="1">
+          <a:bodyPr vert="horz" wrap="square" lIns="91440" tIns="45720" rIns="91440" bIns="45720" numCol="1" rtlCol="0" anchor="b" anchorCtr="0" compatLnSpc="1">
             <a:prstTxWarp prst="textNoShape">
               <a:avLst/>
             </a:prstTxWarp>
@@ -16891,12 +17000,28 @@
               <a:buNone/>
               <a:tabLst/>
             </a:pPr>
-            <a:endParaRPr kumimoji="0" lang="en-CA" sz="5600" b="0" i="0" u="none" strike="noStrike" cap="none" normalizeH="0" baseline="0">
+            <a:r>
+              <a:rPr kumimoji="0" lang="en-CA" sz="5400" b="0" i="0" u="none" strike="noStrike" cap="none" normalizeH="0" baseline="0" dirty="0" smtClean="0">
+                <a:ln>
+                  <a:noFill/>
+                </a:ln>
+                <a:solidFill>
+                  <a:schemeClr val="bg1"/>
+                </a:solidFill>
+                <a:effectLst/>
+                <a:latin typeface="Open Sans" charset="0"/>
+                <a:ea typeface="ヒラギノ角ゴ ProN W3" charset="0"/>
+                <a:cs typeface="ヒラギノ角ゴ ProN W3" charset="0"/>
+                <a:sym typeface="Open Sans" charset="0"/>
+              </a:rPr>
+              <a:t>ESQuery.js</a:t>
+            </a:r>
+            <a:endParaRPr kumimoji="0" lang="en-CA" sz="5400" b="0" i="0" u="none" strike="noStrike" cap="none" normalizeH="0" baseline="0" dirty="0">
               <a:ln>
                 <a:noFill/>
               </a:ln>
               <a:solidFill>
-                <a:srgbClr val="414141"/>
+                <a:schemeClr val="bg1"/>
               </a:solidFill>
               <a:effectLst/>
               <a:latin typeface="Open Sans" charset="0"/>
@@ -16909,89 +17034,33 @@
       </p:sp>
       <p:sp>
         <p:nvSpPr>
-          <p:cNvPr id="6" name="TextBox 5"/>
-          <p:cNvSpPr txBox="1"/>
-          <p:nvPr/>
-        </p:nvSpPr>
-        <p:spPr>
-          <a:xfrm>
-            <a:off x="3794174" y="8185150"/>
-            <a:ext cx="2419252" cy="954107"/>
-          </a:xfrm>
-          <a:prstGeom prst="rect">
-            <a:avLst/>
-          </a:prstGeom>
-          <a:noFill/>
-        </p:spPr>
-        <p:txBody>
-          <a:bodyPr wrap="none" rtlCol="0">
-            <a:spAutoFit/>
-          </a:bodyPr>
-          <a:lstStyle/>
-          <a:p>
-            <a:r>
-              <a:rPr lang="en-CA" dirty="0" smtClean="0"/>
-              <a:t>Python</a:t>
-            </a:r>
-            <a:endParaRPr lang="en-CA" dirty="0"/>
-          </a:p>
-        </p:txBody>
-      </p:sp>
-      <p:sp>
-        <p:nvSpPr>
-          <p:cNvPr id="10" name="TextBox 9"/>
-          <p:cNvSpPr txBox="1"/>
-          <p:nvPr/>
-        </p:nvSpPr>
-        <p:spPr>
-          <a:xfrm>
-            <a:off x="3168650" y="9855200"/>
-            <a:ext cx="10932066" cy="954107"/>
-          </a:xfrm>
-          <a:prstGeom prst="rect">
-            <a:avLst/>
-          </a:prstGeom>
-          <a:noFill/>
-        </p:spPr>
-        <p:txBody>
-          <a:bodyPr wrap="square" rtlCol="0">
-            <a:spAutoFit/>
-          </a:bodyPr>
-          <a:lstStyle/>
-          <a:p>
-            <a:r>
-              <a:rPr lang="en-CA" dirty="0" err="1" smtClean="0"/>
-              <a:t>Elasticsearch</a:t>
-            </a:r>
-            <a:endParaRPr lang="en-CA" dirty="0"/>
-          </a:p>
-        </p:txBody>
-      </p:sp>
-      <p:sp>
-        <p:nvSpPr>
-          <p:cNvPr id="12" name="Rounded Rectangle 11"/>
+          <p:cNvPr id="9" name="Rounded Rectangle 8"/>
           <p:cNvSpPr/>
           <p:nvPr/>
         </p:nvSpPr>
         <p:spPr bwMode="auto">
           <a:xfrm>
-            <a:off x="9652000" y="7466171"/>
-            <a:ext cx="4455066" cy="954107"/>
+            <a:off x="1117601" y="10845800"/>
+            <a:ext cx="6705600" cy="1447800"/>
           </a:xfrm>
           <a:prstGeom prst="roundRect">
-            <a:avLst/>
-          </a:prstGeom>
-          <a:noFill/>
+            <a:avLst>
+              <a:gd name="adj" fmla="val 13614"/>
+            </a:avLst>
+          </a:prstGeom>
+          <a:solidFill>
+            <a:srgbClr val="74B73F"/>
+          </a:solidFill>
           <a:ln w="88900">
             <a:solidFill>
-              <a:srgbClr val="007C85"/>
+              <a:srgbClr val="74B73F"/>
             </a:solidFill>
           </a:ln>
           <a:effectLst/>
           <a:extLst/>
         </p:spPr>
         <p:txBody>
-          <a:bodyPr vert="horz" wrap="square" lIns="91440" tIns="45720" rIns="91440" bIns="45720" numCol="1" rtlCol="0" anchor="t" anchorCtr="0" compatLnSpc="1">
+          <a:bodyPr vert="horz" wrap="square" lIns="91440" tIns="45720" rIns="91440" bIns="45720" numCol="1" rtlCol="0" anchor="ctr" anchorCtr="0" compatLnSpc="1">
             <a:prstTxWarp prst="textNoShape">
               <a:avLst/>
             </a:prstTxWarp>
@@ -17014,12 +17083,28 @@
               <a:buNone/>
               <a:tabLst/>
             </a:pPr>
-            <a:endParaRPr kumimoji="0" lang="en-CA" sz="5600" b="0" i="0" u="none" strike="noStrike" cap="none" normalizeH="0" baseline="0">
+            <a:r>
+              <a:rPr kumimoji="0" lang="en-CA" sz="5600" b="0" i="0" u="none" strike="noStrike" cap="none" normalizeH="0" baseline="0" dirty="0" err="1" smtClean="0">
+                <a:ln>
+                  <a:noFill/>
+                </a:ln>
+                <a:solidFill>
+                  <a:schemeClr val="bg1"/>
+                </a:solidFill>
+                <a:effectLst/>
+                <a:latin typeface="Open Sans" charset="0"/>
+                <a:ea typeface="ヒラギノ角ゴ ProN W3" charset="0"/>
+                <a:cs typeface="ヒラギノ角ゴ ProN W3" charset="0"/>
+                <a:sym typeface="Open Sans" charset="0"/>
+              </a:rPr>
+              <a:t>ElasticSearch</a:t>
+            </a:r>
+            <a:endParaRPr kumimoji="0" lang="en-CA" sz="5600" b="0" i="0" u="none" strike="noStrike" cap="none" normalizeH="0" baseline="0" dirty="0">
               <a:ln>
                 <a:noFill/>
               </a:ln>
               <a:solidFill>
-                <a:srgbClr val="414141"/>
+                <a:schemeClr val="bg1"/>
               </a:solidFill>
               <a:effectLst/>
               <a:latin typeface="Open Sans" charset="0"/>
@@ -17032,72 +17117,31 @@
       </p:sp>
       <p:sp>
         <p:nvSpPr>
-          <p:cNvPr id="13" name="TextBox 12"/>
-          <p:cNvSpPr txBox="1"/>
-          <p:nvPr/>
-        </p:nvSpPr>
-        <p:spPr>
-          <a:xfrm>
-            <a:off x="12319000" y="8189445"/>
-            <a:ext cx="1571263" cy="461665"/>
-          </a:xfrm>
-          <a:prstGeom prst="rect">
-            <a:avLst/>
-          </a:prstGeom>
-          <a:solidFill>
-            <a:srgbClr val="007C85"/>
-          </a:solidFill>
-          <a:ln>
-            <a:noFill/>
-          </a:ln>
-        </p:spPr>
-        <p:txBody>
-          <a:bodyPr wrap="none" rtlCol="0">
-            <a:spAutoFit/>
-          </a:bodyPr>
-          <a:lstStyle/>
-          <a:p>
-            <a:r>
-              <a:rPr lang="en-CA" sz="2400" dirty="0" err="1" smtClean="0">
-                <a:solidFill>
-                  <a:schemeClr val="bg1"/>
-                </a:solidFill>
-              </a:rPr>
-              <a:t>Javascript</a:t>
-            </a:r>
-            <a:endParaRPr lang="en-CA" sz="2400" dirty="0">
-              <a:solidFill>
-                <a:schemeClr val="bg1"/>
-              </a:solidFill>
-            </a:endParaRPr>
-          </a:p>
-        </p:txBody>
-      </p:sp>
-      <p:sp>
-        <p:nvSpPr>
-          <p:cNvPr id="9" name="Rounded Rectangle 8"/>
+          <p:cNvPr id="16" name="Rounded Rectangle 15"/>
           <p:cNvSpPr/>
           <p:nvPr/>
         </p:nvSpPr>
         <p:spPr bwMode="auto">
           <a:xfrm>
-            <a:off x="3175000" y="9855200"/>
-            <a:ext cx="10932066" cy="954107"/>
+            <a:off x="1117600" y="7721600"/>
+            <a:ext cx="4171852" cy="928707"/>
           </a:xfrm>
           <a:prstGeom prst="roundRect">
             <a:avLst/>
           </a:prstGeom>
-          <a:noFill/>
+          <a:solidFill>
+            <a:srgbClr val="3A75A6"/>
+          </a:solidFill>
           <a:ln w="88900">
             <a:solidFill>
-              <a:srgbClr val="74B73F"/>
+              <a:srgbClr val="3A75A6"/>
             </a:solidFill>
           </a:ln>
           <a:effectLst/>
           <a:extLst/>
         </p:spPr>
         <p:txBody>
-          <a:bodyPr vert="horz" wrap="square" lIns="91440" tIns="45720" rIns="91440" bIns="45720" numCol="1" rtlCol="0" anchor="t" anchorCtr="0" compatLnSpc="1">
+          <a:bodyPr vert="horz" wrap="square" lIns="91440" tIns="45720" rIns="91440" bIns="45720" numCol="1" rtlCol="0" anchor="b" anchorCtr="0" compatLnSpc="1">
             <a:prstTxWarp prst="textNoShape">
               <a:avLst/>
             </a:prstTxWarp>
@@ -17120,7 +17164,96 @@
               <a:buNone/>
               <a:tabLst/>
             </a:pPr>
-            <a:endParaRPr kumimoji="0" lang="en-CA" sz="5600" b="0" i="0" u="none" strike="noStrike" cap="none" normalizeH="0" baseline="0">
+            <a:r>
+              <a:rPr lang="en-CA" sz="5400" dirty="0" smtClean="0">
+                <a:solidFill>
+                  <a:srgbClr val="FFDC52"/>
+                </a:solidFill>
+                <a:ea typeface="ヒラギノ角ゴ ProN W3" charset="0"/>
+                <a:cs typeface="ヒラギノ角ゴ ProN W3" charset="0"/>
+              </a:rPr>
+              <a:t>ESQuery.py</a:t>
+            </a:r>
+            <a:endParaRPr kumimoji="0" lang="en-CA" sz="5400" b="0" i="0" u="none" strike="noStrike" cap="none" normalizeH="0" baseline="0" dirty="0">
+              <a:ln>
+                <a:noFill/>
+              </a:ln>
+              <a:solidFill>
+                <a:srgbClr val="FFDC52"/>
+              </a:solidFill>
+              <a:effectLst/>
+              <a:latin typeface="Open Sans" charset="0"/>
+              <a:ea typeface="ヒラギノ角ゴ ProN W3" charset="0"/>
+              <a:cs typeface="ヒラギノ角ゴ ProN W3" charset="0"/>
+              <a:sym typeface="Open Sans" charset="0"/>
+            </a:endParaRPr>
+          </a:p>
+        </p:txBody>
+      </p:sp>
+      <p:sp>
+        <p:nvSpPr>
+          <p:cNvPr id="11" name="Rounded Rectangle 10"/>
+          <p:cNvSpPr/>
+          <p:nvPr/>
+        </p:nvSpPr>
+        <p:spPr bwMode="auto">
+          <a:xfrm>
+            <a:off x="11934038" y="7721602"/>
+            <a:ext cx="3276600" cy="2123568"/>
+          </a:xfrm>
+          <a:prstGeom prst="roundRect">
+            <a:avLst/>
+          </a:prstGeom>
+          <a:noFill/>
+          <a:ln w="88900">
+            <a:solidFill>
+              <a:schemeClr val="tx1"/>
+            </a:solidFill>
+          </a:ln>
+          <a:effectLst/>
+          <a:extLst/>
+        </p:spPr>
+        <p:txBody>
+          <a:bodyPr vert="horz" wrap="square" lIns="91440" tIns="45720" rIns="91440" bIns="45720" numCol="1" rtlCol="0" anchor="t" anchorCtr="0" compatLnSpc="1">
+            <a:prstTxWarp prst="textNoShape">
+              <a:avLst/>
+            </a:prstTxWarp>
+          </a:bodyPr>
+          <a:lstStyle/>
+          <a:p>
+            <a:pPr marL="0" marR="0" indent="0" algn="ctr" defTabSz="914400" rtl="0" eaLnBrk="1" fontAlgn="base" latinLnBrk="0" hangingPunct="1">
+              <a:lnSpc>
+                <a:spcPct val="100000"/>
+              </a:lnSpc>
+              <a:spcBef>
+                <a:spcPct val="0"/>
+              </a:spcBef>
+              <a:spcAft>
+                <a:spcPct val="0"/>
+              </a:spcAft>
+              <a:buClrTx/>
+              <a:buSzTx/>
+              <a:buFontTx/>
+              <a:buNone/>
+              <a:tabLst/>
+            </a:pPr>
+            <a:r>
+              <a:rPr kumimoji="0" lang="en-CA" sz="5400" b="0" i="0" u="none" strike="noStrike" cap="none" normalizeH="0" baseline="0" dirty="0" smtClean="0">
+                <a:ln>
+                  <a:noFill/>
+                </a:ln>
+                <a:solidFill>
+                  <a:srgbClr val="414141"/>
+                </a:solidFill>
+                <a:effectLst/>
+                <a:latin typeface="Open Sans" charset="0"/>
+                <a:ea typeface="ヒラギノ角ゴ ProN W3" charset="0"/>
+                <a:cs typeface="ヒラギノ角ゴ ProN W3" charset="0"/>
+                <a:sym typeface="Open Sans" charset="0"/>
+              </a:rPr>
+              <a:t>Local Memory</a:t>
+            </a:r>
+            <a:endParaRPr kumimoji="0" lang="en-CA" sz="5400" b="0" i="0" u="none" strike="noStrike" cap="none" normalizeH="0" baseline="0" dirty="0">
               <a:ln>
                 <a:noFill/>
               </a:ln>
@@ -17133,6 +17266,591 @@
               <a:cs typeface="ヒラギノ角ゴ ProN W3" charset="0"/>
               <a:sym typeface="Open Sans" charset="0"/>
             </a:endParaRPr>
+          </a:p>
+        </p:txBody>
+      </p:sp>
+      <p:sp>
+        <p:nvSpPr>
+          <p:cNvPr id="17" name="Rounded Rectangle 16"/>
+          <p:cNvSpPr/>
+          <p:nvPr/>
+        </p:nvSpPr>
+        <p:spPr bwMode="auto">
+          <a:xfrm>
+            <a:off x="7487789" y="8916462"/>
+            <a:ext cx="2419252" cy="928707"/>
+          </a:xfrm>
+          <a:prstGeom prst="roundRect">
+            <a:avLst/>
+          </a:prstGeom>
+          <a:solidFill>
+            <a:srgbClr val="007C85"/>
+          </a:solidFill>
+          <a:ln w="88900">
+            <a:solidFill>
+              <a:srgbClr val="007C85"/>
+            </a:solidFill>
+          </a:ln>
+          <a:effectLst/>
+          <a:extLst/>
+        </p:spPr>
+        <p:txBody>
+          <a:bodyPr vert="horz" wrap="square" lIns="91440" tIns="45720" rIns="91440" bIns="45720" numCol="1" rtlCol="0" anchor="b" anchorCtr="0" compatLnSpc="1">
+            <a:prstTxWarp prst="textNoShape">
+              <a:avLst/>
+            </a:prstTxWarp>
+          </a:bodyPr>
+          <a:lstStyle/>
+          <a:p>
+            <a:pPr marL="0" marR="0" indent="0" algn="ctr" defTabSz="914400" rtl="0" eaLnBrk="1" fontAlgn="base" latinLnBrk="0" hangingPunct="1">
+              <a:lnSpc>
+                <a:spcPct val="100000"/>
+              </a:lnSpc>
+              <a:spcBef>
+                <a:spcPct val="0"/>
+              </a:spcBef>
+              <a:spcAft>
+                <a:spcPct val="0"/>
+              </a:spcAft>
+              <a:buClrTx/>
+              <a:buSzTx/>
+              <a:buFontTx/>
+              <a:buNone/>
+              <a:tabLst/>
+            </a:pPr>
+            <a:r>
+              <a:rPr lang="en-CA" sz="5400" dirty="0" smtClean="0">
+                <a:solidFill>
+                  <a:schemeClr val="bg1"/>
+                </a:solidFill>
+                <a:ea typeface="ヒラギノ角ゴ ProN W3" charset="0"/>
+                <a:cs typeface="ヒラギノ角ゴ ProN W3" charset="0"/>
+              </a:rPr>
+              <a:t>Qb</a:t>
+            </a:r>
+            <a:r>
+              <a:rPr kumimoji="0" lang="en-CA" sz="5400" b="0" i="0" u="none" strike="noStrike" cap="none" normalizeH="0" baseline="0" dirty="0" smtClean="0">
+                <a:ln>
+                  <a:noFill/>
+                </a:ln>
+                <a:solidFill>
+                  <a:schemeClr val="bg1"/>
+                </a:solidFill>
+                <a:effectLst/>
+                <a:latin typeface="Open Sans" charset="0"/>
+                <a:ea typeface="ヒラギノ角ゴ ProN W3" charset="0"/>
+                <a:cs typeface="ヒラギノ角ゴ ProN W3" charset="0"/>
+                <a:sym typeface="Open Sans" charset="0"/>
+              </a:rPr>
+              <a:t>.js</a:t>
+            </a:r>
+            <a:endParaRPr kumimoji="0" lang="en-CA" sz="5400" b="0" i="0" u="none" strike="noStrike" cap="none" normalizeH="0" baseline="0" dirty="0">
+              <a:ln>
+                <a:noFill/>
+              </a:ln>
+              <a:solidFill>
+                <a:schemeClr val="bg1"/>
+              </a:solidFill>
+              <a:effectLst/>
+              <a:latin typeface="Open Sans" charset="0"/>
+              <a:ea typeface="ヒラギノ角ゴ ProN W3" charset="0"/>
+              <a:cs typeface="ヒラギノ角ゴ ProN W3" charset="0"/>
+              <a:sym typeface="Open Sans" charset="0"/>
+            </a:endParaRPr>
+          </a:p>
+        </p:txBody>
+      </p:sp>
+      <p:cxnSp>
+        <p:nvCxnSpPr>
+          <p:cNvPr id="20" name="Straight Arrow Connector 19"/>
+          <p:cNvCxnSpPr>
+            <a:stCxn id="12" idx="2"/>
+          </p:cNvCxnSpPr>
+          <p:nvPr/>
+        </p:nvCxnSpPr>
+        <p:spPr bwMode="auto">
+          <a:xfrm>
+            <a:off x="5289452" y="9845170"/>
+            <a:ext cx="0" cy="1000630"/>
+          </a:xfrm>
+          <a:prstGeom prst="straightConnector1">
+            <a:avLst/>
+          </a:prstGeom>
+          <a:solidFill>
+            <a:srgbClr val="6C7472"/>
+          </a:solidFill>
+          <a:ln w="88900" cap="flat" cmpd="sng" algn="ctr">
+            <a:solidFill>
+              <a:srgbClr val="000000"/>
+            </a:solidFill>
+            <a:prstDash val="solid"/>
+            <a:round/>
+            <a:headEnd type="none" w="med" len="med"/>
+            <a:tailEnd type="arrow" w="med" len="med"/>
+          </a:ln>
+          <a:effectLst/>
+          <a:extLst>
+            <a:ext uri="{AF507438-7753-43E0-B8FC-AC1667EBCBE1}">
+              <a14:hiddenEffects xmlns:a14="http://schemas.microsoft.com/office/drawing/2010/main">
+                <a:effectLst>
+                  <a:outerShdw blurRad="63500" dist="38099" dir="2700000" algn="ctr" rotWithShape="0">
+                    <a:schemeClr val="bg2">
+                      <a:alpha val="74998"/>
+                    </a:schemeClr>
+                  </a:outerShdw>
+                </a:effectLst>
+              </a14:hiddenEffects>
+            </a:ext>
+          </a:extLst>
+        </p:spPr>
+      </p:cxnSp>
+      <p:cxnSp>
+        <p:nvCxnSpPr>
+          <p:cNvPr id="24" name="Straight Arrow Connector 23"/>
+          <p:cNvCxnSpPr/>
+          <p:nvPr/>
+        </p:nvCxnSpPr>
+        <p:spPr bwMode="auto">
+          <a:xfrm>
+            <a:off x="2489200" y="8650308"/>
+            <a:ext cx="0" cy="2195492"/>
+          </a:xfrm>
+          <a:prstGeom prst="straightConnector1">
+            <a:avLst/>
+          </a:prstGeom>
+          <a:solidFill>
+            <a:srgbClr val="6C7472"/>
+          </a:solidFill>
+          <a:ln w="88900" cap="flat" cmpd="sng" algn="ctr">
+            <a:solidFill>
+              <a:srgbClr val="000000"/>
+            </a:solidFill>
+            <a:prstDash val="solid"/>
+            <a:round/>
+            <a:headEnd type="none" w="med" len="med"/>
+            <a:tailEnd type="arrow" w="med" len="med"/>
+          </a:ln>
+          <a:effectLst/>
+          <a:extLst>
+            <a:ext uri="{AF507438-7753-43E0-B8FC-AC1667EBCBE1}">
+              <a14:hiddenEffects xmlns:a14="http://schemas.microsoft.com/office/drawing/2010/main">
+                <a:effectLst>
+                  <a:outerShdw blurRad="63500" dist="38099" dir="2700000" algn="ctr" rotWithShape="0">
+                    <a:schemeClr val="bg2">
+                      <a:alpha val="74998"/>
+                    </a:schemeClr>
+                  </a:outerShdw>
+                </a:effectLst>
+              </a14:hiddenEffects>
+            </a:ext>
+          </a:extLst>
+        </p:spPr>
+      </p:cxnSp>
+      <p:cxnSp>
+        <p:nvCxnSpPr>
+          <p:cNvPr id="27" name="Straight Arrow Connector 26"/>
+          <p:cNvCxnSpPr>
+            <a:stCxn id="4" idx="3"/>
+          </p:cNvCxnSpPr>
+          <p:nvPr/>
+        </p:nvCxnSpPr>
+        <p:spPr bwMode="auto">
+          <a:xfrm>
+            <a:off x="11347825" y="8185955"/>
+            <a:ext cx="586213" cy="0"/>
+          </a:xfrm>
+          <a:prstGeom prst="straightConnector1">
+            <a:avLst/>
+          </a:prstGeom>
+          <a:solidFill>
+            <a:srgbClr val="6C7472"/>
+          </a:solidFill>
+          <a:ln w="88900" cap="flat" cmpd="sng" algn="ctr">
+            <a:solidFill>
+              <a:srgbClr val="000000"/>
+            </a:solidFill>
+            <a:prstDash val="solid"/>
+            <a:round/>
+            <a:headEnd type="none" w="med" len="med"/>
+            <a:tailEnd type="arrow" w="med" len="med"/>
+          </a:ln>
+          <a:effectLst/>
+          <a:extLst>
+            <a:ext uri="{AF507438-7753-43E0-B8FC-AC1667EBCBE1}">
+              <a14:hiddenEffects xmlns:a14="http://schemas.microsoft.com/office/drawing/2010/main">
+                <a:effectLst>
+                  <a:outerShdw blurRad="63500" dist="38099" dir="2700000" algn="ctr" rotWithShape="0">
+                    <a:schemeClr val="bg2">
+                      <a:alpha val="74998"/>
+                    </a:schemeClr>
+                  </a:outerShdw>
+                </a:effectLst>
+              </a14:hiddenEffects>
+            </a:ext>
+          </a:extLst>
+        </p:spPr>
+      </p:cxnSp>
+      <p:cxnSp>
+        <p:nvCxnSpPr>
+          <p:cNvPr id="30" name="Straight Arrow Connector 29"/>
+          <p:cNvCxnSpPr>
+            <a:stCxn id="17" idx="3"/>
+          </p:cNvCxnSpPr>
+          <p:nvPr/>
+        </p:nvCxnSpPr>
+        <p:spPr bwMode="auto">
+          <a:xfrm>
+            <a:off x="9907041" y="9380816"/>
+            <a:ext cx="2026997" cy="0"/>
+          </a:xfrm>
+          <a:prstGeom prst="straightConnector1">
+            <a:avLst/>
+          </a:prstGeom>
+          <a:solidFill>
+            <a:srgbClr val="6C7472"/>
+          </a:solidFill>
+          <a:ln w="88900" cap="flat" cmpd="sng" algn="ctr">
+            <a:solidFill>
+              <a:srgbClr val="000000"/>
+            </a:solidFill>
+            <a:prstDash val="solid"/>
+            <a:round/>
+            <a:headEnd type="none" w="med" len="med"/>
+            <a:tailEnd type="arrow" w="med" len="med"/>
+          </a:ln>
+          <a:effectLst/>
+          <a:extLst>
+            <a:ext uri="{AF507438-7753-43E0-B8FC-AC1667EBCBE1}">
+              <a14:hiddenEffects xmlns:a14="http://schemas.microsoft.com/office/drawing/2010/main">
+                <a:effectLst>
+                  <a:outerShdw blurRad="63500" dist="38099" dir="2700000" algn="ctr" rotWithShape="0">
+                    <a:schemeClr val="bg2">
+                      <a:alpha val="74998"/>
+                    </a:schemeClr>
+                  </a:outerShdw>
+                </a:effectLst>
+              </a14:hiddenEffects>
+            </a:ext>
+          </a:extLst>
+        </p:spPr>
+      </p:cxnSp>
+      <p:cxnSp>
+        <p:nvCxnSpPr>
+          <p:cNvPr id="33" name="Straight Arrow Connector 32"/>
+          <p:cNvCxnSpPr>
+            <a:endCxn id="54" idx="1"/>
+          </p:cNvCxnSpPr>
+          <p:nvPr/>
+        </p:nvCxnSpPr>
+        <p:spPr bwMode="auto">
+          <a:xfrm>
+            <a:off x="1117600" y="6350000"/>
+            <a:ext cx="12951379" cy="0"/>
+          </a:xfrm>
+          <a:prstGeom prst="straightConnector1">
+            <a:avLst/>
+          </a:prstGeom>
+          <a:solidFill>
+            <a:srgbClr val="6C7472"/>
+          </a:solidFill>
+          <a:ln w="88900" cap="flat" cmpd="sng" algn="ctr">
+            <a:solidFill>
+              <a:srgbClr val="000000"/>
+            </a:solidFill>
+            <a:prstDash val="solid"/>
+            <a:round/>
+            <a:headEnd type="none" w="med" len="med"/>
+            <a:tailEnd type="none" w="med" len="med"/>
+          </a:ln>
+          <a:effectLst/>
+          <a:extLst>
+            <a:ext uri="{AF507438-7753-43E0-B8FC-AC1667EBCBE1}">
+              <a14:hiddenEffects xmlns:a14="http://schemas.microsoft.com/office/drawing/2010/main">
+                <a:effectLst>
+                  <a:outerShdw blurRad="63500" dist="38099" dir="2700000" algn="ctr" rotWithShape="0">
+                    <a:schemeClr val="bg2">
+                      <a:alpha val="74998"/>
+                    </a:schemeClr>
+                  </a:outerShdw>
+                </a:effectLst>
+              </a14:hiddenEffects>
+            </a:ext>
+          </a:extLst>
+        </p:spPr>
+      </p:cxnSp>
+      <p:cxnSp>
+        <p:nvCxnSpPr>
+          <p:cNvPr id="42" name="Straight Arrow Connector 41"/>
+          <p:cNvCxnSpPr/>
+          <p:nvPr/>
+        </p:nvCxnSpPr>
+        <p:spPr bwMode="auto">
+          <a:xfrm>
+            <a:off x="6299200" y="6350000"/>
+            <a:ext cx="0" cy="2566462"/>
+          </a:xfrm>
+          <a:prstGeom prst="straightConnector1">
+            <a:avLst/>
+          </a:prstGeom>
+          <a:solidFill>
+            <a:srgbClr val="6C7472"/>
+          </a:solidFill>
+          <a:ln w="88900" cap="flat" cmpd="sng" algn="ctr">
+            <a:solidFill>
+              <a:srgbClr val="000000"/>
+            </a:solidFill>
+            <a:prstDash val="solid"/>
+            <a:round/>
+            <a:headEnd type="none" w="med" len="med"/>
+            <a:tailEnd type="arrow" w="med" len="med"/>
+          </a:ln>
+          <a:effectLst/>
+          <a:extLst>
+            <a:ext uri="{AF507438-7753-43E0-B8FC-AC1667EBCBE1}">
+              <a14:hiddenEffects xmlns:a14="http://schemas.microsoft.com/office/drawing/2010/main">
+                <a:effectLst>
+                  <a:outerShdw blurRad="63500" dist="38099" dir="2700000" algn="ctr" rotWithShape="0">
+                    <a:schemeClr val="bg2">
+                      <a:alpha val="74998"/>
+                    </a:schemeClr>
+                  </a:outerShdw>
+                </a:effectLst>
+              </a14:hiddenEffects>
+            </a:ext>
+          </a:extLst>
+        </p:spPr>
+      </p:cxnSp>
+      <p:cxnSp>
+        <p:nvCxnSpPr>
+          <p:cNvPr id="45" name="Straight Arrow Connector 44"/>
+          <p:cNvCxnSpPr>
+            <a:endCxn id="16" idx="0"/>
+          </p:cNvCxnSpPr>
+          <p:nvPr/>
+        </p:nvCxnSpPr>
+        <p:spPr bwMode="auto">
+          <a:xfrm>
+            <a:off x="3203526" y="6350000"/>
+            <a:ext cx="0" cy="1371600"/>
+          </a:xfrm>
+          <a:prstGeom prst="straightConnector1">
+            <a:avLst/>
+          </a:prstGeom>
+          <a:solidFill>
+            <a:srgbClr val="6C7472"/>
+          </a:solidFill>
+          <a:ln w="88900" cap="flat" cmpd="sng" algn="ctr">
+            <a:solidFill>
+              <a:srgbClr val="000000"/>
+            </a:solidFill>
+            <a:prstDash val="solid"/>
+            <a:round/>
+            <a:headEnd type="none" w="med" len="med"/>
+            <a:tailEnd type="arrow" w="med" len="med"/>
+          </a:ln>
+          <a:effectLst/>
+          <a:extLst>
+            <a:ext uri="{AF507438-7753-43E0-B8FC-AC1667EBCBE1}">
+              <a14:hiddenEffects xmlns:a14="http://schemas.microsoft.com/office/drawing/2010/main">
+                <a:effectLst>
+                  <a:outerShdw blurRad="63500" dist="38099" dir="2700000" algn="ctr" rotWithShape="0">
+                    <a:schemeClr val="bg2">
+                      <a:alpha val="74998"/>
+                    </a:schemeClr>
+                  </a:outerShdw>
+                </a:effectLst>
+              </a14:hiddenEffects>
+            </a:ext>
+          </a:extLst>
+        </p:spPr>
+      </p:cxnSp>
+      <p:cxnSp>
+        <p:nvCxnSpPr>
+          <p:cNvPr id="48" name="Straight Arrow Connector 47"/>
+          <p:cNvCxnSpPr/>
+          <p:nvPr/>
+        </p:nvCxnSpPr>
+        <p:spPr bwMode="auto">
+          <a:xfrm flipH="1">
+            <a:off x="8164119" y="6350000"/>
+            <a:ext cx="1" cy="2566463"/>
+          </a:xfrm>
+          <a:prstGeom prst="straightConnector1">
+            <a:avLst/>
+          </a:prstGeom>
+          <a:solidFill>
+            <a:srgbClr val="6C7472"/>
+          </a:solidFill>
+          <a:ln w="88900" cap="flat" cmpd="sng" algn="ctr">
+            <a:solidFill>
+              <a:srgbClr val="000000"/>
+            </a:solidFill>
+            <a:prstDash val="solid"/>
+            <a:round/>
+            <a:headEnd type="none" w="med" len="med"/>
+            <a:tailEnd type="arrow" w="med" len="med"/>
+          </a:ln>
+          <a:effectLst/>
+          <a:extLst>
+            <a:ext uri="{AF507438-7753-43E0-B8FC-AC1667EBCBE1}">
+              <a14:hiddenEffects xmlns:a14="http://schemas.microsoft.com/office/drawing/2010/main">
+                <a:effectLst>
+                  <a:outerShdw blurRad="63500" dist="38099" dir="2700000" algn="ctr" rotWithShape="0">
+                    <a:schemeClr val="bg2">
+                      <a:alpha val="74998"/>
+                    </a:schemeClr>
+                  </a:outerShdw>
+                </a:effectLst>
+              </a14:hiddenEffects>
+            </a:ext>
+          </a:extLst>
+        </p:spPr>
+      </p:cxnSp>
+      <p:cxnSp>
+        <p:nvCxnSpPr>
+          <p:cNvPr id="51" name="Straight Arrow Connector 50"/>
+          <p:cNvCxnSpPr>
+            <a:endCxn id="4" idx="0"/>
+          </p:cNvCxnSpPr>
+          <p:nvPr/>
+        </p:nvCxnSpPr>
+        <p:spPr bwMode="auto">
+          <a:xfrm flipH="1">
+            <a:off x="10138199" y="6350000"/>
+            <a:ext cx="1" cy="1371601"/>
+          </a:xfrm>
+          <a:prstGeom prst="straightConnector1">
+            <a:avLst/>
+          </a:prstGeom>
+          <a:solidFill>
+            <a:srgbClr val="6C7472"/>
+          </a:solidFill>
+          <a:ln w="88900" cap="flat" cmpd="sng" algn="ctr">
+            <a:solidFill>
+              <a:srgbClr val="000000"/>
+            </a:solidFill>
+            <a:prstDash val="solid"/>
+            <a:round/>
+            <a:headEnd type="none" w="med" len="med"/>
+            <a:tailEnd type="arrow" w="med" len="med"/>
+          </a:ln>
+          <a:effectLst/>
+          <a:extLst>
+            <a:ext uri="{AF507438-7753-43E0-B8FC-AC1667EBCBE1}">
+              <a14:hiddenEffects xmlns:a14="http://schemas.microsoft.com/office/drawing/2010/main">
+                <a:effectLst>
+                  <a:outerShdw blurRad="63500" dist="38099" dir="2700000" algn="ctr" rotWithShape="0">
+                    <a:schemeClr val="bg2">
+                      <a:alpha val="74998"/>
+                    </a:schemeClr>
+                  </a:outerShdw>
+                </a:effectLst>
+              </a14:hiddenEffects>
+            </a:ext>
+          </a:extLst>
+        </p:spPr>
+      </p:cxnSp>
+      <p:sp>
+        <p:nvSpPr>
+          <p:cNvPr id="54" name="TextBox 53"/>
+          <p:cNvSpPr txBox="1"/>
+          <p:nvPr/>
+        </p:nvSpPr>
+        <p:spPr>
+          <a:xfrm>
+            <a:off x="14068979" y="5872946"/>
+            <a:ext cx="1141659" cy="954107"/>
+          </a:xfrm>
+          <a:prstGeom prst="rect">
+            <a:avLst/>
+          </a:prstGeom>
+          <a:noFill/>
+        </p:spPr>
+        <p:txBody>
+          <a:bodyPr wrap="none" rtlCol="0">
+            <a:spAutoFit/>
+          </a:bodyPr>
+          <a:lstStyle/>
+          <a:p>
+            <a:r>
+              <a:rPr lang="en-CA" dirty="0" err="1" smtClean="0"/>
+              <a:t>Qb</a:t>
+            </a:r>
+            <a:endParaRPr lang="en-CA" dirty="0"/>
+          </a:p>
+        </p:txBody>
+      </p:sp>
+      <p:cxnSp>
+        <p:nvCxnSpPr>
+          <p:cNvPr id="56" name="Straight Arrow Connector 55"/>
+          <p:cNvCxnSpPr>
+            <a:endCxn id="57" idx="1"/>
+          </p:cNvCxnSpPr>
+          <p:nvPr/>
+        </p:nvCxnSpPr>
+        <p:spPr bwMode="auto">
+          <a:xfrm>
+            <a:off x="1117600" y="4426560"/>
+            <a:ext cx="11035791" cy="1"/>
+          </a:xfrm>
+          <a:prstGeom prst="straightConnector1">
+            <a:avLst/>
+          </a:prstGeom>
+          <a:solidFill>
+            <a:srgbClr val="6C7472"/>
+          </a:solidFill>
+          <a:ln w="88900" cap="flat" cmpd="sng" algn="ctr">
+            <a:solidFill>
+              <a:srgbClr val="000000"/>
+            </a:solidFill>
+            <a:prstDash val="solid"/>
+            <a:round/>
+            <a:headEnd type="none" w="med" len="med"/>
+            <a:tailEnd type="none" w="med" len="med"/>
+          </a:ln>
+          <a:effectLst/>
+          <a:extLst>
+            <a:ext uri="{AF507438-7753-43E0-B8FC-AC1667EBCBE1}">
+              <a14:hiddenEffects xmlns:a14="http://schemas.microsoft.com/office/drawing/2010/main">
+                <a:effectLst>
+                  <a:outerShdw blurRad="63500" dist="38099" dir="2700000" algn="ctr" rotWithShape="0">
+                    <a:schemeClr val="bg2">
+                      <a:alpha val="74998"/>
+                    </a:schemeClr>
+                  </a:outerShdw>
+                </a:effectLst>
+              </a14:hiddenEffects>
+            </a:ext>
+          </a:extLst>
+        </p:spPr>
+      </p:cxnSp>
+      <p:sp>
+        <p:nvSpPr>
+          <p:cNvPr id="57" name="TextBox 56"/>
+          <p:cNvSpPr txBox="1"/>
+          <p:nvPr/>
+        </p:nvSpPr>
+        <p:spPr>
+          <a:xfrm>
+            <a:off x="12153391" y="3949507"/>
+            <a:ext cx="3057247" cy="954107"/>
+          </a:xfrm>
+          <a:prstGeom prst="rect">
+            <a:avLst/>
+          </a:prstGeom>
+          <a:noFill/>
+        </p:spPr>
+        <p:txBody>
+          <a:bodyPr wrap="none" rtlCol="0">
+            <a:spAutoFit/>
+          </a:bodyPr>
+          <a:lstStyle/>
+          <a:p>
+            <a:r>
+              <a:rPr lang="en-CA" dirty="0" smtClean="0"/>
+              <a:t>aChart.js</a:t>
+            </a:r>
+            <a:endParaRPr lang="en-CA" dirty="0"/>
           </a:p>
         </p:txBody>
       </p:sp>
@@ -18248,669 +18966,6 @@
             </a:pPr>
             <a:r>
               <a:rPr lang="en-US" dirty="0" smtClean="0"/>
-              <a:t>Architecture</a:t>
-            </a:r>
-            <a:endParaRPr lang="en-US" dirty="0"/>
-          </a:p>
-        </p:txBody>
-      </p:sp>
-      <p:grpSp>
-        <p:nvGrpSpPr>
-          <p:cNvPr id="86" name="Group 85"/>
-          <p:cNvGrpSpPr/>
-          <p:nvPr/>
-        </p:nvGrpSpPr>
-        <p:grpSpPr>
-          <a:xfrm>
-            <a:off x="5689600" y="7396164"/>
-            <a:ext cx="2718881" cy="2765920"/>
-            <a:chOff x="6146792" y="4861077"/>
-            <a:chExt cx="2718881" cy="2765920"/>
-          </a:xfrm>
-        </p:grpSpPr>
-        <p:grpSp>
-          <p:nvGrpSpPr>
-            <p:cNvPr id="40" name="Group 39"/>
-            <p:cNvGrpSpPr>
-              <a:grpSpLocks noChangeAspect="1"/>
-            </p:cNvGrpSpPr>
-            <p:nvPr/>
-          </p:nvGrpSpPr>
-          <p:grpSpPr>
-            <a:xfrm>
-              <a:off x="6146792" y="4861077"/>
-              <a:ext cx="2718881" cy="2304255"/>
-              <a:chOff x="1944668" y="1262408"/>
-              <a:chExt cx="875038" cy="670402"/>
-            </a:xfrm>
-          </p:grpSpPr>
-          <p:pic>
-            <p:nvPicPr>
-              <p:cNvPr id="41" name="Picture 40"/>
-              <p:cNvPicPr>
-                <a:picLocks noChangeAspect="1"/>
-              </p:cNvPicPr>
-              <p:nvPr/>
-            </p:nvPicPr>
-            <p:blipFill>
-              <a:blip r:embed="rId2" cstate="print">
-                <a:extLst>
-                  <a:ext uri="{28A0092B-C50C-407E-A947-70E740481C1C}">
-                    <a14:useLocalDpi xmlns:a14="http://schemas.microsoft.com/office/drawing/2010/main" val="0"/>
-                  </a:ext>
-                </a:extLst>
-              </a:blip>
-              <a:stretch>
-                <a:fillRect/>
-              </a:stretch>
-            </p:blipFill>
-            <p:spPr>
-              <a:xfrm>
-                <a:off x="1944668" y="1262408"/>
-                <a:ext cx="446935" cy="446935"/>
-              </a:xfrm>
-              <a:prstGeom prst="rect">
-                <a:avLst/>
-              </a:prstGeom>
-            </p:spPr>
-          </p:pic>
-          <p:pic>
-            <p:nvPicPr>
-              <p:cNvPr id="42" name="Picture 41"/>
-              <p:cNvPicPr>
-                <a:picLocks noChangeAspect="1"/>
-              </p:cNvPicPr>
-              <p:nvPr/>
-            </p:nvPicPr>
-            <p:blipFill>
-              <a:blip r:embed="rId2" cstate="print">
-                <a:extLst>
-                  <a:ext uri="{28A0092B-C50C-407E-A947-70E740481C1C}">
-                    <a14:useLocalDpi xmlns:a14="http://schemas.microsoft.com/office/drawing/2010/main" val="0"/>
-                  </a:ext>
-                </a:extLst>
-              </a:blip>
-              <a:stretch>
-                <a:fillRect/>
-              </a:stretch>
-            </p:blipFill>
-            <p:spPr>
-              <a:xfrm>
-                <a:off x="2372771" y="1268760"/>
-                <a:ext cx="446935" cy="446935"/>
-              </a:xfrm>
-              <a:prstGeom prst="rect">
-                <a:avLst/>
-              </a:prstGeom>
-            </p:spPr>
-          </p:pic>
-          <p:pic>
-            <p:nvPicPr>
-              <p:cNvPr id="43" name="Picture 42"/>
-              <p:cNvPicPr>
-                <a:picLocks noChangeAspect="1"/>
-              </p:cNvPicPr>
-              <p:nvPr/>
-            </p:nvPicPr>
-            <p:blipFill>
-              <a:blip r:embed="rId2" cstate="print">
-                <a:extLst>
-                  <a:ext uri="{28A0092B-C50C-407E-A947-70E740481C1C}">
-                    <a14:useLocalDpi xmlns:a14="http://schemas.microsoft.com/office/drawing/2010/main" val="0"/>
-                  </a:ext>
-                </a:extLst>
-              </a:blip>
-              <a:stretch>
-                <a:fillRect/>
-              </a:stretch>
-            </p:blipFill>
-            <p:spPr>
-              <a:xfrm>
-                <a:off x="2168135" y="1485875"/>
-                <a:ext cx="446935" cy="446935"/>
-              </a:xfrm>
-              <a:prstGeom prst="rect">
-                <a:avLst/>
-              </a:prstGeom>
-            </p:spPr>
-          </p:pic>
-        </p:grpSp>
-        <p:sp>
-          <p:nvSpPr>
-            <p:cNvPr id="47" name="TextBox 46"/>
-            <p:cNvSpPr txBox="1">
-              <a:spLocks noChangeAspect="1"/>
-            </p:cNvSpPr>
-            <p:nvPr/>
-          </p:nvSpPr>
-          <p:spPr>
-            <a:xfrm>
-              <a:off x="6450095" y="7165332"/>
-              <a:ext cx="2170787" cy="461665"/>
-            </a:xfrm>
-            <a:prstGeom prst="rect">
-              <a:avLst/>
-            </a:prstGeom>
-            <a:noFill/>
-          </p:spPr>
-          <p:txBody>
-            <a:bodyPr wrap="none" rtlCol="0">
-              <a:spAutoFit/>
-            </a:bodyPr>
-            <a:lstStyle/>
-            <a:p>
-              <a:r>
-                <a:rPr lang="en-CA" sz="2400" b="1" dirty="0" err="1" smtClean="0"/>
-                <a:t>Elasticsearch</a:t>
-              </a:r>
-              <a:endParaRPr lang="en-CA" sz="2400" b="1" dirty="0" smtClean="0"/>
-            </a:p>
-          </p:txBody>
-        </p:sp>
-      </p:grpSp>
-      <p:grpSp>
-        <p:nvGrpSpPr>
-          <p:cNvPr id="91" name="Group 90"/>
-          <p:cNvGrpSpPr/>
-          <p:nvPr/>
-        </p:nvGrpSpPr>
-        <p:grpSpPr>
-          <a:xfrm>
-            <a:off x="1212192" y="4698459"/>
-            <a:ext cx="2644447" cy="2697705"/>
-            <a:chOff x="1212192" y="4698459"/>
-            <a:chExt cx="2644447" cy="2697705"/>
-          </a:xfrm>
-        </p:grpSpPr>
-        <p:pic>
-          <p:nvPicPr>
-            <p:cNvPr id="75" name="Picture 2" descr="http://blog.ffextensionguru.com/images/firefox_logo-only_RGB.png"/>
-            <p:cNvPicPr>
-              <a:picLocks noChangeAspect="1" noChangeArrowheads="1"/>
-            </p:cNvPicPr>
-            <p:nvPr/>
-          </p:nvPicPr>
-          <p:blipFill>
-            <a:blip r:embed="rId3">
-              <a:extLst>
-                <a:ext uri="{28A0092B-C50C-407E-A947-70E740481C1C}">
-                  <a14:useLocalDpi xmlns:a14="http://schemas.microsoft.com/office/drawing/2010/main" val="0"/>
-                </a:ext>
-              </a:extLst>
-            </a:blip>
-            <a:srcRect/>
-            <a:stretch>
-              <a:fillRect/>
-            </a:stretch>
-          </p:blipFill>
-          <p:spPr bwMode="auto">
-            <a:xfrm>
-              <a:off x="1212192" y="4698459"/>
-              <a:ext cx="2644447" cy="2537159"/>
-            </a:xfrm>
-            <a:prstGeom prst="rect">
-              <a:avLst/>
-            </a:prstGeom>
-            <a:noFill/>
-            <a:extLst>
-              <a:ext uri="{909E8E84-426E-40DD-AFC4-6F175D3DCCD1}">
-                <a14:hiddenFill xmlns:a14="http://schemas.microsoft.com/office/drawing/2010/main">
-                  <a:solidFill>
-                    <a:srgbClr val="FFFFFF"/>
-                  </a:solidFill>
-                </a14:hiddenFill>
-              </a:ext>
-            </a:extLst>
-          </p:spPr>
-        </p:pic>
-        <p:sp>
-          <p:nvSpPr>
-            <p:cNvPr id="76" name="TextBox 75"/>
-            <p:cNvSpPr txBox="1">
-              <a:spLocks noChangeAspect="1"/>
-            </p:cNvSpPr>
-            <p:nvPr/>
-          </p:nvSpPr>
-          <p:spPr>
-            <a:xfrm>
-              <a:off x="1825727" y="6934499"/>
-              <a:ext cx="1417376" cy="461665"/>
-            </a:xfrm>
-            <a:prstGeom prst="rect">
-              <a:avLst/>
-            </a:prstGeom>
-            <a:noFill/>
-          </p:spPr>
-          <p:txBody>
-            <a:bodyPr wrap="none" rtlCol="0">
-              <a:spAutoFit/>
-            </a:bodyPr>
-            <a:lstStyle/>
-            <a:p>
-              <a:r>
-                <a:rPr lang="en-CA" sz="2400" b="1" dirty="0" smtClean="0"/>
-                <a:t>Browser</a:t>
-              </a:r>
-            </a:p>
-          </p:txBody>
-        </p:sp>
-      </p:grpSp>
-      <p:pic>
-        <p:nvPicPr>
-          <p:cNvPr id="4" name="Picture 3"/>
-          <p:cNvPicPr>
-            <a:picLocks noChangeAspect="1"/>
-          </p:cNvPicPr>
-          <p:nvPr/>
-        </p:nvPicPr>
-        <p:blipFill>
-          <a:blip r:embed="rId4">
-            <a:extLst>
-              <a:ext uri="{28A0092B-C50C-407E-A947-70E740481C1C}">
-                <a14:useLocalDpi xmlns:a14="http://schemas.microsoft.com/office/drawing/2010/main" val="0"/>
-              </a:ext>
-            </a:extLst>
-          </a:blip>
-          <a:stretch>
-            <a:fillRect/>
-          </a:stretch>
-        </p:blipFill>
-        <p:spPr>
-          <a:xfrm>
-            <a:off x="5689600" y="3149600"/>
-            <a:ext cx="2424241" cy="2424241"/>
-          </a:xfrm>
-          <a:prstGeom prst="rect">
-            <a:avLst/>
-          </a:prstGeom>
-        </p:spPr>
-      </p:pic>
-      <p:cxnSp>
-        <p:nvCxnSpPr>
-          <p:cNvPr id="18" name="Straight Connector 17"/>
-          <p:cNvCxnSpPr/>
-          <p:nvPr/>
-        </p:nvCxnSpPr>
-        <p:spPr bwMode="auto">
-          <a:xfrm flipH="1">
-            <a:off x="3403600" y="4140200"/>
-            <a:ext cx="2622972" cy="1219200"/>
-          </a:xfrm>
-          <a:prstGeom prst="line">
-            <a:avLst/>
-          </a:prstGeom>
-          <a:solidFill>
-            <a:srgbClr val="6C7472"/>
-          </a:solidFill>
-          <a:ln w="88900" cap="flat" cmpd="sng" algn="ctr">
-            <a:solidFill>
-              <a:srgbClr val="00B0F0"/>
-            </a:solidFill>
-            <a:prstDash val="solid"/>
-            <a:round/>
-            <a:headEnd type="arrow" w="med" len="med"/>
-            <a:tailEnd type="arrow" w="med" len="med"/>
-          </a:ln>
-          <a:effectLst/>
-          <a:extLst>
-            <a:ext uri="{AF507438-7753-43E0-B8FC-AC1667EBCBE1}">
-              <a14:hiddenEffects xmlns:a14="http://schemas.microsoft.com/office/drawing/2010/main">
-                <a:effectLst>
-                  <a:outerShdw blurRad="63500" dist="38099" dir="2700000" algn="ctr" rotWithShape="0">
-                    <a:schemeClr val="bg2">
-                      <a:alpha val="74998"/>
-                    </a:schemeClr>
-                  </a:outerShdw>
-                </a:effectLst>
-              </a14:hiddenEffects>
-            </a:ext>
-          </a:extLst>
-        </p:spPr>
-      </p:cxnSp>
-      <p:sp>
-        <p:nvSpPr>
-          <p:cNvPr id="21" name="TextBox 20"/>
-          <p:cNvSpPr txBox="1">
-            <a:spLocks noChangeAspect="1"/>
-          </p:cNvSpPr>
-          <p:nvPr/>
-        </p:nvSpPr>
-        <p:spPr>
-          <a:xfrm>
-            <a:off x="5697705" y="5568952"/>
-            <a:ext cx="2408032" cy="461665"/>
-          </a:xfrm>
-          <a:prstGeom prst="rect">
-            <a:avLst/>
-          </a:prstGeom>
-          <a:noFill/>
-        </p:spPr>
-        <p:txBody>
-          <a:bodyPr wrap="none" rtlCol="0">
-            <a:spAutoFit/>
-          </a:bodyPr>
-          <a:lstStyle/>
-          <a:p>
-            <a:r>
-              <a:rPr lang="en-CA" sz="2400" b="1" dirty="0" smtClean="0"/>
-              <a:t>web/file server </a:t>
-            </a:r>
-          </a:p>
-        </p:txBody>
-      </p:sp>
-      <p:grpSp>
-        <p:nvGrpSpPr>
-          <p:cNvPr id="12" name="Group 11"/>
-          <p:cNvGrpSpPr/>
-          <p:nvPr/>
-        </p:nvGrpSpPr>
-        <p:grpSpPr>
-          <a:xfrm rot="1947839">
-            <a:off x="3482271" y="6326341"/>
-            <a:ext cx="2547543" cy="769441"/>
-            <a:chOff x="3243104" y="5799784"/>
-            <a:chExt cx="3140843" cy="769441"/>
-          </a:xfrm>
-        </p:grpSpPr>
-        <p:cxnSp>
-          <p:nvCxnSpPr>
-            <p:cNvPr id="88" name="Straight Connector 87"/>
-            <p:cNvCxnSpPr/>
-            <p:nvPr/>
-          </p:nvCxnSpPr>
-          <p:spPr bwMode="auto">
-            <a:xfrm flipH="1">
-              <a:off x="3243104" y="6502400"/>
-              <a:ext cx="3140843" cy="1"/>
-            </a:xfrm>
-            <a:prstGeom prst="line">
-              <a:avLst/>
-            </a:prstGeom>
-            <a:solidFill>
-              <a:srgbClr val="6C7472"/>
-            </a:solidFill>
-            <a:ln w="88900" cap="flat" cmpd="sng" algn="ctr">
-              <a:solidFill>
-                <a:srgbClr val="00B0F0"/>
-              </a:solidFill>
-              <a:prstDash val="solid"/>
-              <a:round/>
-              <a:headEnd type="none" w="med" len="med"/>
-              <a:tailEnd type="arrow" w="med" len="med"/>
-            </a:ln>
-            <a:effectLst/>
-            <a:extLst>
-              <a:ext uri="{AF507438-7753-43E0-B8FC-AC1667EBCBE1}">
-                <a14:hiddenEffects xmlns:a14="http://schemas.microsoft.com/office/drawing/2010/main">
-                  <a:effectLst>
-                    <a:outerShdw blurRad="63500" dist="38099" dir="2700000" algn="ctr" rotWithShape="0">
-                      <a:schemeClr val="bg2">
-                        <a:alpha val="74998"/>
-                      </a:schemeClr>
-                    </a:outerShdw>
-                  </a:effectLst>
-                </a14:hiddenEffects>
-              </a:ext>
-            </a:extLst>
-          </p:spPr>
-        </p:cxnSp>
-        <p:sp>
-          <p:nvSpPr>
-            <p:cNvPr id="11" name="TextBox 10"/>
-            <p:cNvSpPr txBox="1"/>
-            <p:nvPr/>
-          </p:nvSpPr>
-          <p:spPr>
-            <a:xfrm>
-              <a:off x="4197349" y="5799784"/>
-              <a:ext cx="1220206" cy="769441"/>
-            </a:xfrm>
-            <a:prstGeom prst="rect">
-              <a:avLst/>
-            </a:prstGeom>
-            <a:noFill/>
-          </p:spPr>
-          <p:txBody>
-            <a:bodyPr wrap="none" rtlCol="0">
-              <a:spAutoFit/>
-            </a:bodyPr>
-            <a:lstStyle/>
-            <a:p>
-              <a:r>
-                <a:rPr lang="en-CA" sz="4400" dirty="0" err="1" smtClean="0">
-                  <a:solidFill>
-                    <a:srgbClr val="00B0F0"/>
-                  </a:solidFill>
-                </a:rPr>
-                <a:t>ajax</a:t>
-              </a:r>
-              <a:endParaRPr lang="en-CA" sz="4400" dirty="0">
-                <a:solidFill>
-                  <a:srgbClr val="00B0F0"/>
-                </a:solidFill>
-              </a:endParaRPr>
-            </a:p>
-          </p:txBody>
-        </p:sp>
-      </p:grpSp>
-      <p:grpSp>
-        <p:nvGrpSpPr>
-          <p:cNvPr id="19" name="Group 18"/>
-          <p:cNvGrpSpPr>
-            <a:grpSpLocks noChangeAspect="1"/>
-          </p:cNvGrpSpPr>
-          <p:nvPr/>
-        </p:nvGrpSpPr>
-        <p:grpSpPr>
-          <a:xfrm>
-            <a:off x="11016612" y="7175421"/>
-            <a:ext cx="2126731" cy="2669695"/>
-            <a:chOff x="7740352" y="921525"/>
-            <a:chExt cx="1063365" cy="1334848"/>
-          </a:xfrm>
-        </p:grpSpPr>
-        <p:pic>
-          <p:nvPicPr>
-            <p:cNvPr id="20" name="Picture 19"/>
-            <p:cNvPicPr>
-              <a:picLocks noChangeAspect="1"/>
-            </p:cNvPicPr>
-            <p:nvPr/>
-          </p:nvPicPr>
-          <p:blipFill>
-            <a:blip r:embed="rId5" cstate="print">
-              <a:extLst>
-                <a:ext uri="{28A0092B-C50C-407E-A947-70E740481C1C}">
-                  <a14:useLocalDpi xmlns:a14="http://schemas.microsoft.com/office/drawing/2010/main" val="0"/>
-                </a:ext>
-              </a:extLst>
-            </a:blip>
-            <a:stretch>
-              <a:fillRect/>
-            </a:stretch>
-          </p:blipFill>
-          <p:spPr>
-            <a:xfrm>
-              <a:off x="7740352" y="921525"/>
-              <a:ext cx="1063365" cy="1063365"/>
-            </a:xfrm>
-            <a:prstGeom prst="rect">
-              <a:avLst/>
-            </a:prstGeom>
-          </p:spPr>
-        </p:pic>
-        <p:sp>
-          <p:nvSpPr>
-            <p:cNvPr id="22" name="TextBox 21"/>
-            <p:cNvSpPr txBox="1"/>
-            <p:nvPr/>
-          </p:nvSpPr>
-          <p:spPr>
-            <a:xfrm>
-              <a:off x="7829553" y="2025540"/>
-              <a:ext cx="946733" cy="230833"/>
-            </a:xfrm>
-            <a:prstGeom prst="rect">
-              <a:avLst/>
-            </a:prstGeom>
-            <a:noFill/>
-          </p:spPr>
-          <p:txBody>
-            <a:bodyPr wrap="none" rtlCol="0">
-              <a:spAutoFit/>
-            </a:bodyPr>
-            <a:lstStyle/>
-            <a:p>
-              <a:r>
-                <a:rPr lang="en-CA" sz="2400" b="1" dirty="0" err="1" smtClean="0"/>
-                <a:t>Bugzilla</a:t>
-              </a:r>
-              <a:r>
-                <a:rPr lang="en-CA" sz="2400" b="1" dirty="0" smtClean="0"/>
-                <a:t> DB</a:t>
-              </a:r>
-            </a:p>
-          </p:txBody>
-        </p:sp>
-      </p:grpSp>
-      <p:cxnSp>
-        <p:nvCxnSpPr>
-          <p:cNvPr id="23" name="Straight Connector 22"/>
-          <p:cNvCxnSpPr/>
-          <p:nvPr/>
-        </p:nvCxnSpPr>
-        <p:spPr bwMode="auto">
-          <a:xfrm>
-            <a:off x="8547016" y="8415990"/>
-            <a:ext cx="2298163" cy="0"/>
-          </a:xfrm>
-          <a:prstGeom prst="line">
-            <a:avLst/>
-          </a:prstGeom>
-          <a:solidFill>
-            <a:srgbClr val="6C7472"/>
-          </a:solidFill>
-          <a:ln w="88900" cap="flat" cmpd="sng" algn="ctr">
-            <a:solidFill>
-              <a:srgbClr val="00B0F0"/>
-            </a:solidFill>
-            <a:prstDash val="solid"/>
-            <a:round/>
-            <a:headEnd type="arrow" w="med" len="med"/>
-            <a:tailEnd type="none" w="med" len="med"/>
-          </a:ln>
-          <a:effectLst/>
-          <a:extLst>
-            <a:ext uri="{AF507438-7753-43E0-B8FC-AC1667EBCBE1}">
-              <a14:hiddenEffects xmlns:a14="http://schemas.microsoft.com/office/drawing/2010/main">
-                <a:effectLst>
-                  <a:outerShdw blurRad="63500" dist="38099" dir="2700000" algn="ctr" rotWithShape="0">
-                    <a:schemeClr val="bg2">
-                      <a:alpha val="74998"/>
-                    </a:schemeClr>
-                  </a:outerShdw>
-                </a:effectLst>
-              </a14:hiddenEffects>
-            </a:ext>
-          </a:extLst>
-        </p:spPr>
-      </p:cxnSp>
-      <p:sp>
-        <p:nvSpPr>
-          <p:cNvPr id="24" name="TextBox 23"/>
-          <p:cNvSpPr txBox="1"/>
-          <p:nvPr/>
-        </p:nvSpPr>
-        <p:spPr>
-          <a:xfrm>
-            <a:off x="9349509" y="7645324"/>
-            <a:ext cx="1348446" cy="830997"/>
-          </a:xfrm>
-          <a:prstGeom prst="rect">
-            <a:avLst/>
-          </a:prstGeom>
-          <a:noFill/>
-        </p:spPr>
-        <p:txBody>
-          <a:bodyPr wrap="none" rtlCol="0">
-            <a:spAutoFit/>
-          </a:bodyPr>
-          <a:lstStyle/>
-          <a:p>
-            <a:r>
-              <a:rPr lang="en-CA" sz="4800" b="1" dirty="0" smtClean="0">
-                <a:solidFill>
-                  <a:srgbClr val="00B0F0"/>
-                </a:solidFill>
-              </a:rPr>
-              <a:t>ETL</a:t>
-            </a:r>
-            <a:endParaRPr lang="en-CA" sz="4800" b="1" dirty="0">
-              <a:solidFill>
-                <a:srgbClr val="00B0F0"/>
-              </a:solidFill>
-            </a:endParaRPr>
-          </a:p>
-        </p:txBody>
-      </p:sp>
-    </p:spTree>
-    <p:extLst>
-      <p:ext uri="{BB962C8B-B14F-4D97-AF65-F5344CB8AC3E}">
-        <p14:creationId xmlns:p14="http://schemas.microsoft.com/office/powerpoint/2010/main" val="588255107"/>
-      </p:ext>
-    </p:extLst>
-  </p:cSld>
-  <p:clrMapOvr>
-    <a:masterClrMapping/>
-  </p:clrMapOvr>
-  <p:transition/>
-  <p:timing>
-    <p:tnLst>
-      <p:par>
-        <p:cTn id="1" dur="indefinite" restart="never" nodeType="tmRoot"/>
-      </p:par>
-    </p:tnLst>
-  </p:timing>
-</p:sld>
-</file>
-
-<file path=ppt/slides/slide42.xml><?xml version="1.0" encoding="utf-8"?>
-<p:sld xmlns:a="http://schemas.openxmlformats.org/drawingml/2006/main" xmlns:r="http://schemas.openxmlformats.org/officeDocument/2006/relationships" xmlns:p="http://schemas.openxmlformats.org/presentationml/2006/main">
-  <p:cSld>
-    <p:spTree>
-      <p:nvGrpSpPr>
-        <p:cNvPr id="1" name=""/>
-        <p:cNvGrpSpPr/>
-        <p:nvPr/>
-      </p:nvGrpSpPr>
-      <p:grpSpPr>
-        <a:xfrm>
-          <a:off x="0" y="0"/>
-          <a:ext cx="0" cy="0"/>
-          <a:chOff x="0" y="0"/>
-          <a:chExt cx="0" cy="0"/>
-        </a:xfrm>
-      </p:grpSpPr>
-      <p:sp>
-        <p:nvSpPr>
-          <p:cNvPr id="3" name="Title 2"/>
-          <p:cNvSpPr>
-            <a:spLocks noGrp="1"/>
-          </p:cNvSpPr>
-          <p:nvPr>
-            <p:ph type="title"/>
-          </p:nvPr>
-        </p:nvSpPr>
-        <p:spPr/>
-        <p:txBody>
-          <a:bodyPr/>
-          <a:lstStyle/>
-          <a:p>
-            <a:pPr>
-              <a:defRPr/>
-            </a:pPr>
-            <a:r>
-              <a:rPr lang="en-US" dirty="0" smtClean="0"/>
               <a:t>The End</a:t>
             </a:r>
             <a:endParaRPr lang="en-US" dirty="0"/>
@@ -19220,8 +19275,8 @@
         </p:nvSpPr>
         <p:spPr>
           <a:xfrm>
-            <a:off x="4176719" y="2840634"/>
-            <a:ext cx="2327497" cy="954107"/>
+            <a:off x="2893327" y="2840634"/>
+            <a:ext cx="4894289" cy="954107"/>
           </a:xfrm>
           <a:prstGeom prst="rect">
             <a:avLst/>
@@ -19236,8 +19291,9 @@
           <a:p>
             <a:r>
               <a:rPr lang="en-CA" dirty="0" smtClean="0"/>
-              <a:t>Values</a:t>
-            </a:r>
+              <a:t>Candidate Key</a:t>
+            </a:r>
+            <a:endParaRPr lang="en-CA" sz="3600" dirty="0" smtClean="0"/>
           </a:p>
         </p:txBody>
       </p:sp>
@@ -19249,8 +19305,8 @@
         </p:nvSpPr>
         <p:spPr>
           <a:xfrm>
-            <a:off x="9495480" y="2840634"/>
-            <a:ext cx="2977097" cy="954107"/>
+            <a:off x="8956073" y="2840634"/>
+            <a:ext cx="4055919" cy="954107"/>
           </a:xfrm>
           <a:prstGeom prst="rect">
             <a:avLst/>
@@ -19265,7 +19321,7 @@
           <a:p>
             <a:r>
               <a:rPr lang="en-CA" dirty="0" smtClean="0"/>
-              <a:t>Measure</a:t>
+              <a:t>Coordinates</a:t>
             </a:r>
             <a:endParaRPr lang="en-CA" dirty="0"/>
           </a:p>
@@ -19279,8 +19335,8 @@
         </p:nvSpPr>
         <p:spPr bwMode="auto">
           <a:xfrm>
-            <a:off x="3708400" y="6578600"/>
-            <a:ext cx="1447800" cy="4419600"/>
+            <a:off x="1209736" y="8916254"/>
+            <a:ext cx="2743200" cy="494156"/>
           </a:xfrm>
           <a:prstGeom prst="rect">
             <a:avLst/>
@@ -19345,8 +19401,8 @@
         </p:nvCxnSpPr>
         <p:spPr bwMode="auto">
           <a:xfrm flipH="1">
-            <a:off x="4432300" y="3794741"/>
-            <a:ext cx="908168" cy="2783859"/>
+            <a:off x="2581336" y="3794741"/>
+            <a:ext cx="2759136" cy="5121513"/>
           </a:xfrm>
           <a:prstGeom prst="straightConnector1">
             <a:avLst/>
@@ -19379,16 +19435,61 @@
           </a:extLst>
         </p:spPr>
       </p:cxnSp>
+      <p:cxnSp>
+        <p:nvCxnSpPr>
+          <p:cNvPr id="19" name="Straight Arrow Connector 18"/>
+          <p:cNvCxnSpPr>
+            <a:stCxn id="6" idx="2"/>
+            <a:endCxn id="23" idx="0"/>
+          </p:cNvCxnSpPr>
+          <p:nvPr/>
+        </p:nvCxnSpPr>
+        <p:spPr bwMode="auto">
+          <a:xfrm>
+            <a:off x="10984033" y="3794741"/>
+            <a:ext cx="2135067" cy="3796973"/>
+          </a:xfrm>
+          <a:prstGeom prst="straightConnector1">
+            <a:avLst/>
+          </a:prstGeom>
+          <a:solidFill>
+            <a:srgbClr val="6C7472"/>
+          </a:solidFill>
+          <a:ln w="88900" cap="flat" cmpd="sng" algn="ctr">
+            <a:solidFill>
+              <a:srgbClr val="FF0000"/>
+            </a:solidFill>
+            <a:prstDash val="solid"/>
+            <a:round/>
+            <a:headEnd type="none" w="med" len="med"/>
+            <a:tailEnd type="arrow" w="med" len="med"/>
+          </a:ln>
+          <a:effectLst/>
+          <a:extLst>
+            <a:ext uri="{AF507438-7753-43E0-B8FC-AC1667EBCBE1}">
+              <a14:hiddenEffects xmlns:a14="http://schemas.microsoft.com/office/drawing/2010/main">
+                <a:effectLst>
+                  <a:outerShdw blurRad="63500" dist="38099" dir="2700000" algn="ctr" rotWithShape="0">
+                    <a:schemeClr val="bg2">
+                      <a:alpha val="74998"/>
+                    </a:schemeClr>
+                  </a:outerShdw>
+                </a:effectLst>
+              </a14:hiddenEffects>
+            </a:ext>
+          </a:extLst>
+        </p:spPr>
+      </p:cxnSp>
       <p:sp>
         <p:nvSpPr>
-          <p:cNvPr id="17" name="Rectangle 16"/>
+          <p:cNvPr id="22" name="Rectangle 21"/>
           <p:cNvSpPr/>
           <p:nvPr/>
         </p:nvSpPr>
         <p:spPr bwMode="auto">
           <a:xfrm>
-            <a:off x="11176000" y="7874000"/>
-            <a:ext cx="3886200" cy="1752599"/>
+            <a:off x="9922123" y="8696876"/>
+            <a:ext cx="1447800" cy="494664"/>
           </a:xfrm>
           <a:prstGeom prst="rect">
             <a:avLst/>
@@ -19442,19 +19543,82 @@
           </a:p>
         </p:txBody>
       </p:sp>
+      <p:sp>
+        <p:nvSpPr>
+          <p:cNvPr id="23" name="Rectangle 22"/>
+          <p:cNvSpPr/>
+          <p:nvPr/>
+        </p:nvSpPr>
+        <p:spPr bwMode="auto">
+          <a:xfrm>
+            <a:off x="12395200" y="7591714"/>
+            <a:ext cx="1447800" cy="494664"/>
+          </a:xfrm>
+          <a:prstGeom prst="rect">
+            <a:avLst/>
+          </a:prstGeom>
+          <a:noFill/>
+          <a:ln w="88900">
+            <a:solidFill>
+              <a:srgbClr val="FF0000"/>
+            </a:solidFill>
+          </a:ln>
+          <a:effectLst/>
+          <a:extLst/>
+        </p:spPr>
+        <p:txBody>
+          <a:bodyPr vert="horz" wrap="square" lIns="91440" tIns="45720" rIns="91440" bIns="45720" numCol="1" rtlCol="0" anchor="t" anchorCtr="0" compatLnSpc="1">
+            <a:prstTxWarp prst="textNoShape">
+              <a:avLst/>
+            </a:prstTxWarp>
+          </a:bodyPr>
+          <a:lstStyle/>
+          <a:p>
+            <a:pPr marL="0" marR="0" indent="0" algn="ctr" defTabSz="914400" rtl="0" eaLnBrk="1" fontAlgn="base" latinLnBrk="0" hangingPunct="1">
+              <a:lnSpc>
+                <a:spcPct val="100000"/>
+              </a:lnSpc>
+              <a:spcBef>
+                <a:spcPct val="0"/>
+              </a:spcBef>
+              <a:spcAft>
+                <a:spcPct val="0"/>
+              </a:spcAft>
+              <a:buClrTx/>
+              <a:buSzTx/>
+              <a:buFontTx/>
+              <a:buNone/>
+              <a:tabLst/>
+            </a:pPr>
+            <a:endParaRPr kumimoji="0" lang="en-CA" sz="5600" b="0" i="0" u="none" strike="noStrike" cap="none" normalizeH="0" baseline="0">
+              <a:ln>
+                <a:noFill/>
+              </a:ln>
+              <a:solidFill>
+                <a:srgbClr val="414141"/>
+              </a:solidFill>
+              <a:effectLst/>
+              <a:latin typeface="Open Sans" charset="0"/>
+              <a:ea typeface="ヒラギノ角ゴ ProN W3" charset="0"/>
+              <a:cs typeface="ヒラギノ角ゴ ProN W3" charset="0"/>
+              <a:sym typeface="Open Sans" charset="0"/>
+            </a:endParaRPr>
+          </a:p>
+        </p:txBody>
+      </p:sp>
       <p:cxnSp>
         <p:nvCxnSpPr>
-          <p:cNvPr id="19" name="Straight Arrow Connector 18"/>
+          <p:cNvPr id="25" name="Straight Arrow Connector 24"/>
           <p:cNvCxnSpPr>
             <a:stCxn id="6" idx="2"/>
-            <a:endCxn id="17" idx="0"/>
+            <a:endCxn id="22" idx="0"/>
           </p:cNvCxnSpPr>
           <p:nvPr/>
         </p:nvCxnSpPr>
         <p:spPr bwMode="auto">
-          <a:xfrm>
-            <a:off x="10984029" y="3794741"/>
-            <a:ext cx="2135071" cy="4079259"/>
+          <a:xfrm flipH="1">
+            <a:off x="10646023" y="3794741"/>
+            <a:ext cx="338010" cy="4902135"/>
           </a:xfrm>
           <a:prstGeom prst="straightConnector1">
             <a:avLst/>
@@ -19490,7 +19654,7 @@
     </p:spTree>
     <p:extLst>
       <p:ext uri="{BB962C8B-B14F-4D97-AF65-F5344CB8AC3E}">
-        <p14:creationId xmlns:p14="http://schemas.microsoft.com/office/powerpoint/2010/main" val="3446114637"/>
+        <p14:creationId xmlns:p14="http://schemas.microsoft.com/office/powerpoint/2010/main" val="3500576981"/>
       </p:ext>
     </p:extLst>
   </p:cSld>
@@ -19790,8 +19954,8 @@
         </p:nvSpPr>
         <p:spPr>
           <a:xfrm>
-            <a:off x="4176719" y="2840634"/>
-            <a:ext cx="2327497" cy="954107"/>
+            <a:off x="4356258" y="2840634"/>
+            <a:ext cx="1968424" cy="954107"/>
           </a:xfrm>
           <a:prstGeom prst="rect">
             <a:avLst/>
@@ -19806,8 +19970,9 @@
           <a:p>
             <a:r>
               <a:rPr lang="en-CA" dirty="0" smtClean="0"/>
-              <a:t>Values</a:t>
-            </a:r>
+              <a:t>Value</a:t>
+            </a:r>
+            <a:endParaRPr lang="en-CA" sz="3600" dirty="0" smtClean="0"/>
           </a:p>
         </p:txBody>
       </p:sp>
@@ -19819,8 +19984,8 @@
         </p:nvSpPr>
         <p:spPr>
           <a:xfrm>
-            <a:off x="9495480" y="2840634"/>
-            <a:ext cx="2977097" cy="954107"/>
+            <a:off x="10193588" y="2840634"/>
+            <a:ext cx="1580881" cy="954107"/>
           </a:xfrm>
           <a:prstGeom prst="rect">
             <a:avLst/>
@@ -19835,7 +20000,7 @@
           <a:p>
             <a:r>
               <a:rPr lang="en-CA" dirty="0" smtClean="0"/>
-              <a:t>Measure</a:t>
+              <a:t>Fact</a:t>
             </a:r>
             <a:endParaRPr lang="en-CA" dirty="0"/>
           </a:p>
@@ -19849,8 +20014,8 @@
         </p:nvSpPr>
         <p:spPr bwMode="auto">
           <a:xfrm>
-            <a:off x="3708400" y="6197600"/>
-            <a:ext cx="1447800" cy="4800600"/>
+            <a:off x="3708400" y="7721600"/>
+            <a:ext cx="1447800" cy="550572"/>
           </a:xfrm>
           <a:prstGeom prst="rect">
             <a:avLst/>
@@ -19908,15 +20073,15 @@
         <p:nvCxnSpPr>
           <p:cNvPr id="11" name="Straight Arrow Connector 10"/>
           <p:cNvCxnSpPr>
-            <a:stCxn id="14" idx="1"/>
+            <a:stCxn id="5" idx="2"/>
             <a:endCxn id="7" idx="0"/>
           </p:cNvCxnSpPr>
           <p:nvPr/>
         </p:nvCxnSpPr>
         <p:spPr bwMode="auto">
           <a:xfrm flipH="1">
-            <a:off x="4432300" y="5303054"/>
-            <a:ext cx="6551728" cy="894546"/>
+            <a:off x="4432300" y="3794741"/>
+            <a:ext cx="908170" cy="3926859"/>
           </a:xfrm>
           <a:prstGeom prst="straightConnector1">
             <a:avLst/>
@@ -19957,8 +20122,8 @@
         </p:nvSpPr>
         <p:spPr bwMode="auto">
           <a:xfrm>
-            <a:off x="9880600" y="7493000"/>
-            <a:ext cx="5181600" cy="2133599"/>
+            <a:off x="11176000" y="8272171"/>
+            <a:ext cx="1447800" cy="592429"/>
           </a:xfrm>
           <a:prstGeom prst="rect">
             <a:avLst/>
@@ -20016,15 +20181,15 @@
         <p:nvCxnSpPr>
           <p:cNvPr id="19" name="Straight Arrow Connector 18"/>
           <p:cNvCxnSpPr>
-            <a:stCxn id="14" idx="2"/>
+            <a:stCxn id="6" idx="2"/>
             <a:endCxn id="17" idx="0"/>
           </p:cNvCxnSpPr>
           <p:nvPr/>
         </p:nvCxnSpPr>
         <p:spPr bwMode="auto">
           <a:xfrm>
-            <a:off x="12253767" y="5780107"/>
-            <a:ext cx="217633" cy="1712893"/>
+            <a:off x="10984029" y="3794741"/>
+            <a:ext cx="915871" cy="4477430"/>
           </a:xfrm>
           <a:prstGeom prst="straightConnector1">
             <a:avLst/>
@@ -20057,40 +20222,10 @@
           </a:extLst>
         </p:spPr>
       </p:cxnSp>
-      <p:sp>
-        <p:nvSpPr>
-          <p:cNvPr id="14" name="TextBox 13"/>
-          <p:cNvSpPr txBox="1"/>
-          <p:nvPr/>
-        </p:nvSpPr>
-        <p:spPr>
-          <a:xfrm>
-            <a:off x="10984028" y="4826000"/>
-            <a:ext cx="2539478" cy="954107"/>
-          </a:xfrm>
-          <a:prstGeom prst="rect">
-            <a:avLst/>
-          </a:prstGeom>
-          <a:noFill/>
-        </p:spPr>
-        <p:txBody>
-          <a:bodyPr wrap="none" rtlCol="0">
-            <a:spAutoFit/>
-          </a:bodyPr>
-          <a:lstStyle/>
-          <a:p>
-            <a:r>
-              <a:rPr lang="en-CA" dirty="0" smtClean="0"/>
-              <a:t>Median</a:t>
-            </a:r>
-            <a:endParaRPr lang="en-CA" dirty="0"/>
-          </a:p>
-        </p:txBody>
-      </p:sp>
     </p:spTree>
     <p:extLst>
       <p:ext uri="{BB962C8B-B14F-4D97-AF65-F5344CB8AC3E}">
-        <p14:creationId xmlns:p14="http://schemas.microsoft.com/office/powerpoint/2010/main" val="3820589124"/>
+        <p14:creationId xmlns:p14="http://schemas.microsoft.com/office/powerpoint/2010/main" val="842691852"/>
       </p:ext>
     </p:extLst>
   </p:cSld>
@@ -20109,1176 +20244,6 @@
 </file>
 
 <file path=ppt/slides/slide7.xml><?xml version="1.0" encoding="utf-8"?>
-<p:sld xmlns:a="http://schemas.openxmlformats.org/drawingml/2006/main" xmlns:r="http://schemas.openxmlformats.org/officeDocument/2006/relationships" xmlns:p="http://schemas.openxmlformats.org/presentationml/2006/main">
-  <p:cSld>
-    <p:spTree>
-      <p:nvGrpSpPr>
-        <p:cNvPr id="1" name=""/>
-        <p:cNvGrpSpPr/>
-        <p:nvPr/>
-      </p:nvGrpSpPr>
-      <p:grpSpPr>
-        <a:xfrm>
-          <a:off x="0" y="0"/>
-          <a:ext cx="0" cy="0"/>
-          <a:chOff x="0" y="0"/>
-          <a:chExt cx="0" cy="0"/>
-        </a:xfrm>
-      </p:grpSpPr>
-      <p:pic>
-        <p:nvPicPr>
-          <p:cNvPr id="1028" name="Picture 4"/>
-          <p:cNvPicPr>
-            <a:picLocks noChangeAspect="1" noChangeArrowheads="1"/>
-          </p:cNvPicPr>
-          <p:nvPr/>
-        </p:nvPicPr>
-        <p:blipFill>
-          <a:blip r:embed="rId2">
-            <a:extLst>
-              <a:ext uri="{28A0092B-C50C-407E-A947-70E740481C1C}">
-                <a14:useLocalDpi xmlns:a14="http://schemas.microsoft.com/office/drawing/2010/main" val="0"/>
-              </a:ext>
-            </a:extLst>
-          </a:blip>
-          <a:srcRect/>
-          <a:stretch>
-            <a:fillRect/>
-          </a:stretch>
-        </p:blipFill>
-        <p:spPr bwMode="auto">
-          <a:xfrm>
-            <a:off x="9652000" y="7286335"/>
-            <a:ext cx="5019675" cy="1971675"/>
-          </a:xfrm>
-          <a:prstGeom prst="rect">
-            <a:avLst/>
-          </a:prstGeom>
-          <a:noFill/>
-          <a:ln>
-            <a:noFill/>
-          </a:ln>
-          <a:extLst>
-            <a:ext uri="{909E8E84-426E-40DD-AFC4-6F175D3DCCD1}">
-              <a14:hiddenFill xmlns:a14="http://schemas.microsoft.com/office/drawing/2010/main">
-                <a:solidFill>
-                  <a:schemeClr val="accent1"/>
-                </a:solidFill>
-              </a14:hiddenFill>
-            </a:ext>
-            <a:ext uri="{91240B29-F687-4F45-9708-019B960494DF}">
-              <a14:hiddenLine xmlns:a14="http://schemas.microsoft.com/office/drawing/2010/main" w="9525">
-                <a:solidFill>
-                  <a:schemeClr val="tx1"/>
-                </a:solidFill>
-                <a:miter lim="800000"/>
-                <a:headEnd/>
-                <a:tailEnd/>
-              </a14:hiddenLine>
-            </a:ext>
-          </a:extLst>
-        </p:spPr>
-      </p:pic>
-      <p:pic>
-        <p:nvPicPr>
-          <p:cNvPr id="8" name="Picture 4"/>
-          <p:cNvPicPr>
-            <a:picLocks noChangeAspect="1" noChangeArrowheads="1"/>
-          </p:cNvPicPr>
-          <p:nvPr/>
-        </p:nvPicPr>
-        <p:blipFill>
-          <a:blip r:embed="rId2">
-            <a:extLst>
-              <a:ext uri="{28A0092B-C50C-407E-A947-70E740481C1C}">
-                <a14:useLocalDpi xmlns:a14="http://schemas.microsoft.com/office/drawing/2010/main" val="0"/>
-              </a:ext>
-            </a:extLst>
-          </a:blip>
-          <a:srcRect/>
-          <a:stretch>
-            <a:fillRect/>
-          </a:stretch>
-        </p:blipFill>
-        <p:spPr bwMode="auto">
-          <a:xfrm>
-            <a:off x="9804400" y="7438735"/>
-            <a:ext cx="5019675" cy="1971675"/>
-          </a:xfrm>
-          <a:prstGeom prst="rect">
-            <a:avLst/>
-          </a:prstGeom>
-          <a:noFill/>
-          <a:ln>
-            <a:noFill/>
-          </a:ln>
-          <a:extLst>
-            <a:ext uri="{909E8E84-426E-40DD-AFC4-6F175D3DCCD1}">
-              <a14:hiddenFill xmlns:a14="http://schemas.microsoft.com/office/drawing/2010/main">
-                <a:solidFill>
-                  <a:schemeClr val="accent1"/>
-                </a:solidFill>
-              </a14:hiddenFill>
-            </a:ext>
-            <a:ext uri="{91240B29-F687-4F45-9708-019B960494DF}">
-              <a14:hiddenLine xmlns:a14="http://schemas.microsoft.com/office/drawing/2010/main" w="9525">
-                <a:solidFill>
-                  <a:schemeClr val="tx1"/>
-                </a:solidFill>
-                <a:miter lim="800000"/>
-                <a:headEnd/>
-                <a:tailEnd/>
-              </a14:hiddenLine>
-            </a:ext>
-          </a:extLst>
-        </p:spPr>
-      </p:pic>
-      <p:sp>
-        <p:nvSpPr>
-          <p:cNvPr id="3" name="Title 2"/>
-          <p:cNvSpPr>
-            <a:spLocks noGrp="1"/>
-          </p:cNvSpPr>
-          <p:nvPr>
-            <p:ph type="title"/>
-          </p:nvPr>
-        </p:nvSpPr>
-        <p:spPr/>
-        <p:txBody>
-          <a:bodyPr/>
-          <a:lstStyle/>
-          <a:p>
-            <a:pPr>
-              <a:defRPr/>
-            </a:pPr>
-            <a:r>
-              <a:rPr lang="en-US" dirty="0" smtClean="0"/>
-              <a:t>Nomenclature</a:t>
-            </a:r>
-            <a:endParaRPr lang="en-US" dirty="0"/>
-          </a:p>
-        </p:txBody>
-      </p:sp>
-      <p:pic>
-        <p:nvPicPr>
-          <p:cNvPr id="1026" name="Picture 2"/>
-          <p:cNvPicPr>
-            <a:picLocks noChangeAspect="1" noChangeArrowheads="1"/>
-          </p:cNvPicPr>
-          <p:nvPr/>
-        </p:nvPicPr>
-        <p:blipFill>
-          <a:blip r:embed="rId3">
-            <a:extLst>
-              <a:ext uri="{28A0092B-C50C-407E-A947-70E740481C1C}">
-                <a14:useLocalDpi xmlns:a14="http://schemas.microsoft.com/office/drawing/2010/main" val="0"/>
-              </a:ext>
-            </a:extLst>
-          </a:blip>
-          <a:srcRect/>
-          <a:stretch>
-            <a:fillRect/>
-          </a:stretch>
-        </p:blipFill>
-        <p:spPr bwMode="auto">
-          <a:xfrm>
-            <a:off x="1270000" y="6273800"/>
-            <a:ext cx="6238875" cy="4638675"/>
-          </a:xfrm>
-          <a:prstGeom prst="rect">
-            <a:avLst/>
-          </a:prstGeom>
-          <a:noFill/>
-          <a:ln>
-            <a:noFill/>
-          </a:ln>
-          <a:extLst>
-            <a:ext uri="{909E8E84-426E-40DD-AFC4-6F175D3DCCD1}">
-              <a14:hiddenFill xmlns:a14="http://schemas.microsoft.com/office/drawing/2010/main">
-                <a:solidFill>
-                  <a:schemeClr val="accent1"/>
-                </a:solidFill>
-              </a14:hiddenFill>
-            </a:ext>
-            <a:ext uri="{91240B29-F687-4F45-9708-019B960494DF}">
-              <a14:hiddenLine xmlns:a14="http://schemas.microsoft.com/office/drawing/2010/main" w="9525">
-                <a:solidFill>
-                  <a:schemeClr val="tx1"/>
-                </a:solidFill>
-                <a:miter lim="800000"/>
-                <a:headEnd/>
-                <a:tailEnd/>
-              </a14:hiddenLine>
-            </a:ext>
-          </a:extLst>
-        </p:spPr>
-      </p:pic>
-      <p:sp>
-        <p:nvSpPr>
-          <p:cNvPr id="5" name="TextBox 4"/>
-          <p:cNvSpPr txBox="1"/>
-          <p:nvPr/>
-        </p:nvSpPr>
-        <p:spPr>
-          <a:xfrm>
-            <a:off x="4176719" y="2840634"/>
-            <a:ext cx="2327497" cy="954107"/>
-          </a:xfrm>
-          <a:prstGeom prst="rect">
-            <a:avLst/>
-          </a:prstGeom>
-          <a:noFill/>
-        </p:spPr>
-        <p:txBody>
-          <a:bodyPr wrap="none" rtlCol="0">
-            <a:spAutoFit/>
-          </a:bodyPr>
-          <a:lstStyle/>
-          <a:p>
-            <a:r>
-              <a:rPr lang="en-CA" dirty="0" smtClean="0"/>
-              <a:t>Values</a:t>
-            </a:r>
-          </a:p>
-        </p:txBody>
-      </p:sp>
-      <p:sp>
-        <p:nvSpPr>
-          <p:cNvPr id="6" name="TextBox 5"/>
-          <p:cNvSpPr txBox="1"/>
-          <p:nvPr/>
-        </p:nvSpPr>
-        <p:spPr>
-          <a:xfrm>
-            <a:off x="9495480" y="2840634"/>
-            <a:ext cx="2977097" cy="954107"/>
-          </a:xfrm>
-          <a:prstGeom prst="rect">
-            <a:avLst/>
-          </a:prstGeom>
-          <a:noFill/>
-        </p:spPr>
-        <p:txBody>
-          <a:bodyPr wrap="none" rtlCol="0">
-            <a:spAutoFit/>
-          </a:bodyPr>
-          <a:lstStyle/>
-          <a:p>
-            <a:r>
-              <a:rPr lang="en-CA" dirty="0" smtClean="0"/>
-              <a:t>Measure</a:t>
-            </a:r>
-            <a:endParaRPr lang="en-CA" dirty="0"/>
-          </a:p>
-        </p:txBody>
-      </p:sp>
-      <p:sp>
-        <p:nvSpPr>
-          <p:cNvPr id="7" name="Rectangle 6"/>
-          <p:cNvSpPr/>
-          <p:nvPr/>
-        </p:nvSpPr>
-        <p:spPr bwMode="auto">
-          <a:xfrm>
-            <a:off x="4927600" y="6197600"/>
-            <a:ext cx="1447800" cy="4800600"/>
-          </a:xfrm>
-          <a:prstGeom prst="rect">
-            <a:avLst/>
-          </a:prstGeom>
-          <a:noFill/>
-          <a:ln w="88900">
-            <a:solidFill>
-              <a:srgbClr val="FF0000"/>
-            </a:solidFill>
-          </a:ln>
-          <a:effectLst/>
-          <a:extLst/>
-        </p:spPr>
-        <p:txBody>
-          <a:bodyPr vert="horz" wrap="square" lIns="91440" tIns="45720" rIns="91440" bIns="45720" numCol="1" rtlCol="0" anchor="t" anchorCtr="0" compatLnSpc="1">
-            <a:prstTxWarp prst="textNoShape">
-              <a:avLst/>
-            </a:prstTxWarp>
-          </a:bodyPr>
-          <a:lstStyle/>
-          <a:p>
-            <a:pPr marL="0" marR="0" indent="0" algn="ctr" defTabSz="914400" rtl="0" eaLnBrk="1" fontAlgn="base" latinLnBrk="0" hangingPunct="1">
-              <a:lnSpc>
-                <a:spcPct val="100000"/>
-              </a:lnSpc>
-              <a:spcBef>
-                <a:spcPct val="0"/>
-              </a:spcBef>
-              <a:spcAft>
-                <a:spcPct val="0"/>
-              </a:spcAft>
-              <a:buClrTx/>
-              <a:buSzTx/>
-              <a:buFontTx/>
-              <a:buNone/>
-              <a:tabLst/>
-            </a:pPr>
-            <a:endParaRPr kumimoji="0" lang="en-CA" sz="5600" b="0" i="0" u="none" strike="noStrike" cap="none" normalizeH="0" baseline="0">
-              <a:ln>
-                <a:noFill/>
-              </a:ln>
-              <a:solidFill>
-                <a:srgbClr val="414141"/>
-              </a:solidFill>
-              <a:effectLst/>
-              <a:latin typeface="Open Sans" charset="0"/>
-              <a:ea typeface="ヒラギノ角ゴ ProN W3" charset="0"/>
-              <a:cs typeface="ヒラギノ角ゴ ProN W3" charset="0"/>
-              <a:sym typeface="Open Sans" charset="0"/>
-            </a:endParaRPr>
-          </a:p>
-        </p:txBody>
-      </p:sp>
-      <p:cxnSp>
-        <p:nvCxnSpPr>
-          <p:cNvPr id="11" name="Straight Arrow Connector 10"/>
-          <p:cNvCxnSpPr>
-            <a:stCxn id="14" idx="1"/>
-            <a:endCxn id="7" idx="0"/>
-          </p:cNvCxnSpPr>
-          <p:nvPr/>
-        </p:nvCxnSpPr>
-        <p:spPr bwMode="auto">
-          <a:xfrm flipH="1">
-            <a:off x="5651500" y="5303054"/>
-            <a:ext cx="5612253" cy="894546"/>
-          </a:xfrm>
-          <a:prstGeom prst="straightConnector1">
-            <a:avLst/>
-          </a:prstGeom>
-          <a:solidFill>
-            <a:srgbClr val="6C7472"/>
-          </a:solidFill>
-          <a:ln w="88900" cap="flat" cmpd="sng" algn="ctr">
-            <a:solidFill>
-              <a:srgbClr val="FF0000"/>
-            </a:solidFill>
-            <a:prstDash val="solid"/>
-            <a:round/>
-            <a:headEnd type="none" w="med" len="med"/>
-            <a:tailEnd type="arrow" w="med" len="med"/>
-          </a:ln>
-          <a:effectLst/>
-          <a:extLst>
-            <a:ext uri="{AF507438-7753-43E0-B8FC-AC1667EBCBE1}">
-              <a14:hiddenEffects xmlns:a14="http://schemas.microsoft.com/office/drawing/2010/main">
-                <a:effectLst>
-                  <a:outerShdw blurRad="63500" dist="38099" dir="2700000" algn="ctr" rotWithShape="0">
-                    <a:schemeClr val="bg2">
-                      <a:alpha val="74998"/>
-                    </a:schemeClr>
-                  </a:outerShdw>
-                </a:effectLst>
-              </a14:hiddenEffects>
-            </a:ext>
-          </a:extLst>
-        </p:spPr>
-      </p:cxnSp>
-      <p:sp>
-        <p:nvSpPr>
-          <p:cNvPr id="17" name="Rectangle 16"/>
-          <p:cNvSpPr/>
-          <p:nvPr/>
-        </p:nvSpPr>
-        <p:spPr bwMode="auto">
-          <a:xfrm>
-            <a:off x="9723437" y="7357772"/>
-            <a:ext cx="5181600" cy="2133599"/>
-          </a:xfrm>
-          <a:prstGeom prst="rect">
-            <a:avLst/>
-          </a:prstGeom>
-          <a:noFill/>
-          <a:ln w="88900">
-            <a:solidFill>
-              <a:srgbClr val="FF0000"/>
-            </a:solidFill>
-          </a:ln>
-          <a:effectLst/>
-          <a:extLst/>
-        </p:spPr>
-        <p:txBody>
-          <a:bodyPr vert="horz" wrap="square" lIns="91440" tIns="45720" rIns="91440" bIns="45720" numCol="1" rtlCol="0" anchor="t" anchorCtr="0" compatLnSpc="1">
-            <a:prstTxWarp prst="textNoShape">
-              <a:avLst/>
-            </a:prstTxWarp>
-          </a:bodyPr>
-          <a:lstStyle/>
-          <a:p>
-            <a:pPr marL="0" marR="0" indent="0" algn="ctr" defTabSz="914400" rtl="0" eaLnBrk="1" fontAlgn="base" latinLnBrk="0" hangingPunct="1">
-              <a:lnSpc>
-                <a:spcPct val="100000"/>
-              </a:lnSpc>
-              <a:spcBef>
-                <a:spcPct val="0"/>
-              </a:spcBef>
-              <a:spcAft>
-                <a:spcPct val="0"/>
-              </a:spcAft>
-              <a:buClrTx/>
-              <a:buSzTx/>
-              <a:buFontTx/>
-              <a:buNone/>
-              <a:tabLst/>
-            </a:pPr>
-            <a:endParaRPr kumimoji="0" lang="en-CA" sz="5600" b="0" i="0" u="none" strike="noStrike" cap="none" normalizeH="0" baseline="0">
-              <a:ln>
-                <a:noFill/>
-              </a:ln>
-              <a:solidFill>
-                <a:srgbClr val="414141"/>
-              </a:solidFill>
-              <a:effectLst/>
-              <a:latin typeface="Open Sans" charset="0"/>
-              <a:ea typeface="ヒラギノ角ゴ ProN W3" charset="0"/>
-              <a:cs typeface="ヒラギノ角ゴ ProN W3" charset="0"/>
-              <a:sym typeface="Open Sans" charset="0"/>
-            </a:endParaRPr>
-          </a:p>
-        </p:txBody>
-      </p:sp>
-      <p:cxnSp>
-        <p:nvCxnSpPr>
-          <p:cNvPr id="19" name="Straight Arrow Connector 18"/>
-          <p:cNvCxnSpPr>
-            <a:stCxn id="14" idx="2"/>
-            <a:endCxn id="17" idx="0"/>
-          </p:cNvCxnSpPr>
-          <p:nvPr/>
-        </p:nvCxnSpPr>
-        <p:spPr bwMode="auto">
-          <a:xfrm>
-            <a:off x="12253768" y="5780107"/>
-            <a:ext cx="60469" cy="1577665"/>
-          </a:xfrm>
-          <a:prstGeom prst="straightConnector1">
-            <a:avLst/>
-          </a:prstGeom>
-          <a:solidFill>
-            <a:srgbClr val="6C7472"/>
-          </a:solidFill>
-          <a:ln w="88900" cap="flat" cmpd="sng" algn="ctr">
-            <a:solidFill>
-              <a:srgbClr val="FF0000"/>
-            </a:solidFill>
-            <a:prstDash val="solid"/>
-            <a:round/>
-            <a:headEnd type="none" w="med" len="med"/>
-            <a:tailEnd type="arrow" w="med" len="med"/>
-          </a:ln>
-          <a:effectLst/>
-          <a:extLst>
-            <a:ext uri="{AF507438-7753-43E0-B8FC-AC1667EBCBE1}">
-              <a14:hiddenEffects xmlns:a14="http://schemas.microsoft.com/office/drawing/2010/main">
-                <a:effectLst>
-                  <a:outerShdw blurRad="63500" dist="38099" dir="2700000" algn="ctr" rotWithShape="0">
-                    <a:schemeClr val="bg2">
-                      <a:alpha val="74998"/>
-                    </a:schemeClr>
-                  </a:outerShdw>
-                </a:effectLst>
-              </a14:hiddenEffects>
-            </a:ext>
-          </a:extLst>
-        </p:spPr>
-      </p:cxnSp>
-      <p:sp>
-        <p:nvSpPr>
-          <p:cNvPr id="14" name="TextBox 13"/>
-          <p:cNvSpPr txBox="1"/>
-          <p:nvPr/>
-        </p:nvSpPr>
-        <p:spPr>
-          <a:xfrm>
-            <a:off x="11263753" y="4826000"/>
-            <a:ext cx="1980029" cy="954107"/>
-          </a:xfrm>
-          <a:prstGeom prst="rect">
-            <a:avLst/>
-          </a:prstGeom>
-          <a:noFill/>
-        </p:spPr>
-        <p:txBody>
-          <a:bodyPr wrap="none" rtlCol="0">
-            <a:spAutoFit/>
-          </a:bodyPr>
-          <a:lstStyle/>
-          <a:p>
-            <a:r>
-              <a:rPr lang="en-CA" dirty="0" smtClean="0"/>
-              <a:t>Mean</a:t>
-            </a:r>
-            <a:endParaRPr lang="en-CA" dirty="0"/>
-          </a:p>
-        </p:txBody>
-      </p:sp>
-      <p:pic>
-        <p:nvPicPr>
-          <p:cNvPr id="9" name="Picture 4"/>
-          <p:cNvPicPr>
-            <a:picLocks noChangeAspect="1" noChangeArrowheads="1"/>
-          </p:cNvPicPr>
-          <p:nvPr/>
-        </p:nvPicPr>
-        <p:blipFill>
-          <a:blip r:embed="rId2">
-            <a:extLst>
-              <a:ext uri="{28A0092B-C50C-407E-A947-70E740481C1C}">
-                <a14:useLocalDpi xmlns:a14="http://schemas.microsoft.com/office/drawing/2010/main" val="0"/>
-              </a:ext>
-            </a:extLst>
-          </a:blip>
-          <a:srcRect/>
-          <a:stretch>
-            <a:fillRect/>
-          </a:stretch>
-        </p:blipFill>
-        <p:spPr bwMode="auto">
-          <a:xfrm>
-            <a:off x="9956800" y="7591135"/>
-            <a:ext cx="5019675" cy="1971675"/>
-          </a:xfrm>
-          <a:prstGeom prst="rect">
-            <a:avLst/>
-          </a:prstGeom>
-          <a:noFill/>
-          <a:ln>
-            <a:noFill/>
-          </a:ln>
-          <a:extLst>
-            <a:ext uri="{909E8E84-426E-40DD-AFC4-6F175D3DCCD1}">
-              <a14:hiddenFill xmlns:a14="http://schemas.microsoft.com/office/drawing/2010/main">
-                <a:solidFill>
-                  <a:schemeClr val="accent1"/>
-                </a:solidFill>
-              </a14:hiddenFill>
-            </a:ext>
-            <a:ext uri="{91240B29-F687-4F45-9708-019B960494DF}">
-              <a14:hiddenLine xmlns:a14="http://schemas.microsoft.com/office/drawing/2010/main" w="9525">
-                <a:solidFill>
-                  <a:schemeClr val="tx1"/>
-                </a:solidFill>
-                <a:miter lim="800000"/>
-                <a:headEnd/>
-                <a:tailEnd/>
-              </a14:hiddenLine>
-            </a:ext>
-          </a:extLst>
-        </p:spPr>
-      </p:pic>
-    </p:spTree>
-    <p:extLst>
-      <p:ext uri="{BB962C8B-B14F-4D97-AF65-F5344CB8AC3E}">
-        <p14:creationId xmlns:p14="http://schemas.microsoft.com/office/powerpoint/2010/main" val="3953325579"/>
-      </p:ext>
-    </p:extLst>
-  </p:cSld>
-  <p:clrMapOvr>
-    <a:masterClrMapping/>
-  </p:clrMapOvr>
-  <p:transition/>
-  <p:timing>
-    <p:tnLst>
-      <p:par>
-        <p:cTn id="1" dur="indefinite" restart="never" nodeType="tmRoot"/>
-      </p:par>
-    </p:tnLst>
-  </p:timing>
-</p:sld>
-</file>
-
-<file path=ppt/slides/slide8.xml><?xml version="1.0" encoding="utf-8"?>
-<p:sld xmlns:a="http://schemas.openxmlformats.org/drawingml/2006/main" xmlns:r="http://schemas.openxmlformats.org/officeDocument/2006/relationships" xmlns:p="http://schemas.openxmlformats.org/presentationml/2006/main">
-  <p:cSld>
-    <p:spTree>
-      <p:nvGrpSpPr>
-        <p:cNvPr id="1" name=""/>
-        <p:cNvGrpSpPr/>
-        <p:nvPr/>
-      </p:nvGrpSpPr>
-      <p:grpSpPr>
-        <a:xfrm>
-          <a:off x="0" y="0"/>
-          <a:ext cx="0" cy="0"/>
-          <a:chOff x="0" y="0"/>
-          <a:chExt cx="0" cy="0"/>
-        </a:xfrm>
-      </p:grpSpPr>
-      <p:pic>
-        <p:nvPicPr>
-          <p:cNvPr id="1028" name="Picture 4"/>
-          <p:cNvPicPr>
-            <a:picLocks noChangeAspect="1" noChangeArrowheads="1"/>
-          </p:cNvPicPr>
-          <p:nvPr/>
-        </p:nvPicPr>
-        <p:blipFill>
-          <a:blip r:embed="rId2">
-            <a:extLst>
-              <a:ext uri="{28A0092B-C50C-407E-A947-70E740481C1C}">
-                <a14:useLocalDpi xmlns:a14="http://schemas.microsoft.com/office/drawing/2010/main" val="0"/>
-              </a:ext>
-            </a:extLst>
-          </a:blip>
-          <a:srcRect/>
-          <a:stretch>
-            <a:fillRect/>
-          </a:stretch>
-        </p:blipFill>
-        <p:spPr bwMode="auto">
-          <a:xfrm>
-            <a:off x="9652000" y="7286335"/>
-            <a:ext cx="5019675" cy="1971675"/>
-          </a:xfrm>
-          <a:prstGeom prst="rect">
-            <a:avLst/>
-          </a:prstGeom>
-          <a:noFill/>
-          <a:ln>
-            <a:noFill/>
-          </a:ln>
-          <a:extLst>
-            <a:ext uri="{909E8E84-426E-40DD-AFC4-6F175D3DCCD1}">
-              <a14:hiddenFill xmlns:a14="http://schemas.microsoft.com/office/drawing/2010/main">
-                <a:solidFill>
-                  <a:schemeClr val="accent1"/>
-                </a:solidFill>
-              </a14:hiddenFill>
-            </a:ext>
-            <a:ext uri="{91240B29-F687-4F45-9708-019B960494DF}">
-              <a14:hiddenLine xmlns:a14="http://schemas.microsoft.com/office/drawing/2010/main" w="9525">
-                <a:solidFill>
-                  <a:schemeClr val="tx1"/>
-                </a:solidFill>
-                <a:miter lim="800000"/>
-                <a:headEnd/>
-                <a:tailEnd/>
-              </a14:hiddenLine>
-            </a:ext>
-          </a:extLst>
-        </p:spPr>
-      </p:pic>
-      <p:sp>
-        <p:nvSpPr>
-          <p:cNvPr id="3" name="Title 2"/>
-          <p:cNvSpPr>
-            <a:spLocks noGrp="1"/>
-          </p:cNvSpPr>
-          <p:nvPr>
-            <p:ph type="title"/>
-          </p:nvPr>
-        </p:nvSpPr>
-        <p:spPr/>
-        <p:txBody>
-          <a:bodyPr/>
-          <a:lstStyle/>
-          <a:p>
-            <a:pPr>
-              <a:defRPr/>
-            </a:pPr>
-            <a:r>
-              <a:rPr lang="en-US" dirty="0" smtClean="0"/>
-              <a:t>Nomenclature</a:t>
-            </a:r>
-            <a:endParaRPr lang="en-US" dirty="0"/>
-          </a:p>
-        </p:txBody>
-      </p:sp>
-      <p:pic>
-        <p:nvPicPr>
-          <p:cNvPr id="1026" name="Picture 2"/>
-          <p:cNvPicPr>
-            <a:picLocks noChangeAspect="1" noChangeArrowheads="1"/>
-          </p:cNvPicPr>
-          <p:nvPr/>
-        </p:nvPicPr>
-        <p:blipFill>
-          <a:blip r:embed="rId3">
-            <a:extLst>
-              <a:ext uri="{28A0092B-C50C-407E-A947-70E740481C1C}">
-                <a14:useLocalDpi xmlns:a14="http://schemas.microsoft.com/office/drawing/2010/main" val="0"/>
-              </a:ext>
-            </a:extLst>
-          </a:blip>
-          <a:srcRect/>
-          <a:stretch>
-            <a:fillRect/>
-          </a:stretch>
-        </p:blipFill>
-        <p:spPr bwMode="auto">
-          <a:xfrm>
-            <a:off x="1270000" y="6273800"/>
-            <a:ext cx="6238875" cy="4638675"/>
-          </a:xfrm>
-          <a:prstGeom prst="rect">
-            <a:avLst/>
-          </a:prstGeom>
-          <a:noFill/>
-          <a:ln>
-            <a:noFill/>
-          </a:ln>
-          <a:extLst>
-            <a:ext uri="{909E8E84-426E-40DD-AFC4-6F175D3DCCD1}">
-              <a14:hiddenFill xmlns:a14="http://schemas.microsoft.com/office/drawing/2010/main">
-                <a:solidFill>
-                  <a:schemeClr val="accent1"/>
-                </a:solidFill>
-              </a14:hiddenFill>
-            </a:ext>
-            <a:ext uri="{91240B29-F687-4F45-9708-019B960494DF}">
-              <a14:hiddenLine xmlns:a14="http://schemas.microsoft.com/office/drawing/2010/main" w="9525">
-                <a:solidFill>
-                  <a:schemeClr val="tx1"/>
-                </a:solidFill>
-                <a:miter lim="800000"/>
-                <a:headEnd/>
-                <a:tailEnd/>
-              </a14:hiddenLine>
-            </a:ext>
-          </a:extLst>
-        </p:spPr>
-      </p:pic>
-      <p:sp>
-        <p:nvSpPr>
-          <p:cNvPr id="5" name="TextBox 4"/>
-          <p:cNvSpPr txBox="1"/>
-          <p:nvPr/>
-        </p:nvSpPr>
-        <p:spPr>
-          <a:xfrm>
-            <a:off x="4176719" y="2840634"/>
-            <a:ext cx="2327497" cy="954107"/>
-          </a:xfrm>
-          <a:prstGeom prst="rect">
-            <a:avLst/>
-          </a:prstGeom>
-          <a:noFill/>
-        </p:spPr>
-        <p:txBody>
-          <a:bodyPr wrap="none" rtlCol="0">
-            <a:spAutoFit/>
-          </a:bodyPr>
-          <a:lstStyle/>
-          <a:p>
-            <a:r>
-              <a:rPr lang="en-CA" dirty="0" smtClean="0"/>
-              <a:t>Values</a:t>
-            </a:r>
-          </a:p>
-        </p:txBody>
-      </p:sp>
-      <p:sp>
-        <p:nvSpPr>
-          <p:cNvPr id="6" name="TextBox 5"/>
-          <p:cNvSpPr txBox="1"/>
-          <p:nvPr/>
-        </p:nvSpPr>
-        <p:spPr>
-          <a:xfrm>
-            <a:off x="9495480" y="2840634"/>
-            <a:ext cx="2977097" cy="954107"/>
-          </a:xfrm>
-          <a:prstGeom prst="rect">
-            <a:avLst/>
-          </a:prstGeom>
-          <a:noFill/>
-        </p:spPr>
-        <p:txBody>
-          <a:bodyPr wrap="none" rtlCol="0">
-            <a:spAutoFit/>
-          </a:bodyPr>
-          <a:lstStyle/>
-          <a:p>
-            <a:r>
-              <a:rPr lang="en-CA" dirty="0" smtClean="0"/>
-              <a:t>Measure</a:t>
-            </a:r>
-            <a:endParaRPr lang="en-CA" dirty="0"/>
-          </a:p>
-        </p:txBody>
-      </p:sp>
-      <p:sp>
-        <p:nvSpPr>
-          <p:cNvPr id="7" name="Rectangle 6"/>
-          <p:cNvSpPr/>
-          <p:nvPr/>
-        </p:nvSpPr>
-        <p:spPr bwMode="auto">
-          <a:xfrm>
-            <a:off x="6146800" y="6197600"/>
-            <a:ext cx="1447800" cy="4800600"/>
-          </a:xfrm>
-          <a:prstGeom prst="rect">
-            <a:avLst/>
-          </a:prstGeom>
-          <a:noFill/>
-          <a:ln w="88900">
-            <a:solidFill>
-              <a:srgbClr val="FF0000"/>
-            </a:solidFill>
-          </a:ln>
-          <a:effectLst/>
-          <a:extLst/>
-        </p:spPr>
-        <p:txBody>
-          <a:bodyPr vert="horz" wrap="square" lIns="91440" tIns="45720" rIns="91440" bIns="45720" numCol="1" rtlCol="0" anchor="t" anchorCtr="0" compatLnSpc="1">
-            <a:prstTxWarp prst="textNoShape">
-              <a:avLst/>
-            </a:prstTxWarp>
-          </a:bodyPr>
-          <a:lstStyle/>
-          <a:p>
-            <a:pPr marL="0" marR="0" indent="0" algn="ctr" defTabSz="914400" rtl="0" eaLnBrk="1" fontAlgn="base" latinLnBrk="0" hangingPunct="1">
-              <a:lnSpc>
-                <a:spcPct val="100000"/>
-              </a:lnSpc>
-              <a:spcBef>
-                <a:spcPct val="0"/>
-              </a:spcBef>
-              <a:spcAft>
-                <a:spcPct val="0"/>
-              </a:spcAft>
-              <a:buClrTx/>
-              <a:buSzTx/>
-              <a:buFontTx/>
-              <a:buNone/>
-              <a:tabLst/>
-            </a:pPr>
-            <a:endParaRPr kumimoji="0" lang="en-CA" sz="5600" b="0" i="0" u="none" strike="noStrike" cap="none" normalizeH="0" baseline="0">
-              <a:ln>
-                <a:noFill/>
-              </a:ln>
-              <a:solidFill>
-                <a:srgbClr val="414141"/>
-              </a:solidFill>
-              <a:effectLst/>
-              <a:latin typeface="Open Sans" charset="0"/>
-              <a:ea typeface="ヒラギノ角ゴ ProN W3" charset="0"/>
-              <a:cs typeface="ヒラギノ角ゴ ProN W3" charset="0"/>
-              <a:sym typeface="Open Sans" charset="0"/>
-            </a:endParaRPr>
-          </a:p>
-        </p:txBody>
-      </p:sp>
-      <p:cxnSp>
-        <p:nvCxnSpPr>
-          <p:cNvPr id="11" name="Straight Arrow Connector 10"/>
-          <p:cNvCxnSpPr>
-            <a:stCxn id="14" idx="1"/>
-            <a:endCxn id="7" idx="0"/>
-          </p:cNvCxnSpPr>
-          <p:nvPr/>
-        </p:nvCxnSpPr>
-        <p:spPr bwMode="auto">
-          <a:xfrm flipH="1">
-            <a:off x="6870700" y="5303054"/>
-            <a:ext cx="3900324" cy="894546"/>
-          </a:xfrm>
-          <a:prstGeom prst="straightConnector1">
-            <a:avLst/>
-          </a:prstGeom>
-          <a:solidFill>
-            <a:srgbClr val="6C7472"/>
-          </a:solidFill>
-          <a:ln w="88900" cap="flat" cmpd="sng" algn="ctr">
-            <a:solidFill>
-              <a:srgbClr val="FF0000"/>
-            </a:solidFill>
-            <a:prstDash val="solid"/>
-            <a:round/>
-            <a:headEnd type="none" w="med" len="med"/>
-            <a:tailEnd type="arrow" w="med" len="med"/>
-          </a:ln>
-          <a:effectLst/>
-          <a:extLst>
-            <a:ext uri="{AF507438-7753-43E0-B8FC-AC1667EBCBE1}">
-              <a14:hiddenEffects xmlns:a14="http://schemas.microsoft.com/office/drawing/2010/main">
-                <a:effectLst>
-                  <a:outerShdw blurRad="63500" dist="38099" dir="2700000" algn="ctr" rotWithShape="0">
-                    <a:schemeClr val="bg2">
-                      <a:alpha val="74998"/>
-                    </a:schemeClr>
-                  </a:outerShdw>
-                </a:effectLst>
-              </a14:hiddenEffects>
-            </a:ext>
-          </a:extLst>
-        </p:spPr>
-      </p:cxnSp>
-      <p:sp>
-        <p:nvSpPr>
-          <p:cNvPr id="17" name="Rectangle 16"/>
-          <p:cNvSpPr/>
-          <p:nvPr/>
-        </p:nvSpPr>
-        <p:spPr bwMode="auto">
-          <a:xfrm>
-            <a:off x="9571037" y="7205372"/>
-            <a:ext cx="5181600" cy="2133599"/>
-          </a:xfrm>
-          <a:prstGeom prst="rect">
-            <a:avLst/>
-          </a:prstGeom>
-          <a:noFill/>
-          <a:ln w="88900">
-            <a:solidFill>
-              <a:srgbClr val="FF0000"/>
-            </a:solidFill>
-          </a:ln>
-          <a:effectLst/>
-          <a:extLst/>
-        </p:spPr>
-        <p:txBody>
-          <a:bodyPr vert="horz" wrap="square" lIns="91440" tIns="45720" rIns="91440" bIns="45720" numCol="1" rtlCol="0" anchor="t" anchorCtr="0" compatLnSpc="1">
-            <a:prstTxWarp prst="textNoShape">
-              <a:avLst/>
-            </a:prstTxWarp>
-          </a:bodyPr>
-          <a:lstStyle/>
-          <a:p>
-            <a:pPr marL="0" marR="0" indent="0" algn="ctr" defTabSz="914400" rtl="0" eaLnBrk="1" fontAlgn="base" latinLnBrk="0" hangingPunct="1">
-              <a:lnSpc>
-                <a:spcPct val="100000"/>
-              </a:lnSpc>
-              <a:spcBef>
-                <a:spcPct val="0"/>
-              </a:spcBef>
-              <a:spcAft>
-                <a:spcPct val="0"/>
-              </a:spcAft>
-              <a:buClrTx/>
-              <a:buSzTx/>
-              <a:buFontTx/>
-              <a:buNone/>
-              <a:tabLst/>
-            </a:pPr>
-            <a:endParaRPr kumimoji="0" lang="en-CA" sz="5600" b="0" i="0" u="none" strike="noStrike" cap="none" normalizeH="0" baseline="0">
-              <a:ln>
-                <a:noFill/>
-              </a:ln>
-              <a:solidFill>
-                <a:srgbClr val="414141"/>
-              </a:solidFill>
-              <a:effectLst/>
-              <a:latin typeface="Open Sans" charset="0"/>
-              <a:ea typeface="ヒラギノ角ゴ ProN W3" charset="0"/>
-              <a:cs typeface="ヒラギノ角ゴ ProN W3" charset="0"/>
-              <a:sym typeface="Open Sans" charset="0"/>
-            </a:endParaRPr>
-          </a:p>
-        </p:txBody>
-      </p:sp>
-      <p:cxnSp>
-        <p:nvCxnSpPr>
-          <p:cNvPr id="19" name="Straight Arrow Connector 18"/>
-          <p:cNvCxnSpPr>
-            <a:stCxn id="14" idx="2"/>
-            <a:endCxn id="17" idx="0"/>
-          </p:cNvCxnSpPr>
-          <p:nvPr/>
-        </p:nvCxnSpPr>
-        <p:spPr bwMode="auto">
-          <a:xfrm flipH="1">
-            <a:off x="12161837" y="5780107"/>
-            <a:ext cx="91933" cy="1425265"/>
-          </a:xfrm>
-          <a:prstGeom prst="straightConnector1">
-            <a:avLst/>
-          </a:prstGeom>
-          <a:solidFill>
-            <a:srgbClr val="6C7472"/>
-          </a:solidFill>
-          <a:ln w="88900" cap="flat" cmpd="sng" algn="ctr">
-            <a:solidFill>
-              <a:srgbClr val="FF0000"/>
-            </a:solidFill>
-            <a:prstDash val="solid"/>
-            <a:round/>
-            <a:headEnd type="none" w="med" len="med"/>
-            <a:tailEnd type="arrow" w="med" len="med"/>
-          </a:ln>
-          <a:effectLst/>
-          <a:extLst>
-            <a:ext uri="{AF507438-7753-43E0-B8FC-AC1667EBCBE1}">
-              <a14:hiddenEffects xmlns:a14="http://schemas.microsoft.com/office/drawing/2010/main">
-                <a:effectLst>
-                  <a:outerShdw blurRad="63500" dist="38099" dir="2700000" algn="ctr" rotWithShape="0">
-                    <a:schemeClr val="bg2">
-                      <a:alpha val="74998"/>
-                    </a:schemeClr>
-                  </a:outerShdw>
-                </a:effectLst>
-              </a14:hiddenEffects>
-            </a:ext>
-          </a:extLst>
-        </p:spPr>
-      </p:cxnSp>
-      <p:sp>
-        <p:nvSpPr>
-          <p:cNvPr id="14" name="TextBox 13"/>
-          <p:cNvSpPr txBox="1"/>
-          <p:nvPr/>
-        </p:nvSpPr>
-        <p:spPr>
-          <a:xfrm>
-            <a:off x="10771024" y="4826000"/>
-            <a:ext cx="2965491" cy="954107"/>
-          </a:xfrm>
-          <a:prstGeom prst="rect">
-            <a:avLst/>
-          </a:prstGeom>
-          <a:noFill/>
-        </p:spPr>
-        <p:txBody>
-          <a:bodyPr wrap="none" rtlCol="0">
-            <a:spAutoFit/>
-          </a:bodyPr>
-          <a:lstStyle/>
-          <a:p>
-            <a:r>
-              <a:rPr lang="en-CA" dirty="0" smtClean="0"/>
-              <a:t>Variance</a:t>
-            </a:r>
-            <a:endParaRPr lang="en-CA" dirty="0"/>
-          </a:p>
-        </p:txBody>
-      </p:sp>
-      <p:pic>
-        <p:nvPicPr>
-          <p:cNvPr id="8" name="Picture 4"/>
-          <p:cNvPicPr>
-            <a:picLocks noChangeAspect="1" noChangeArrowheads="1"/>
-          </p:cNvPicPr>
-          <p:nvPr/>
-        </p:nvPicPr>
-        <p:blipFill>
-          <a:blip r:embed="rId2">
-            <a:extLst>
-              <a:ext uri="{28A0092B-C50C-407E-A947-70E740481C1C}">
-                <a14:useLocalDpi xmlns:a14="http://schemas.microsoft.com/office/drawing/2010/main" val="0"/>
-              </a:ext>
-            </a:extLst>
-          </a:blip>
-          <a:srcRect/>
-          <a:stretch>
-            <a:fillRect/>
-          </a:stretch>
-        </p:blipFill>
-        <p:spPr bwMode="auto">
-          <a:xfrm>
-            <a:off x="9804400" y="7438735"/>
-            <a:ext cx="5019675" cy="1971675"/>
-          </a:xfrm>
-          <a:prstGeom prst="rect">
-            <a:avLst/>
-          </a:prstGeom>
-          <a:noFill/>
-          <a:ln>
-            <a:noFill/>
-          </a:ln>
-          <a:extLst>
-            <a:ext uri="{909E8E84-426E-40DD-AFC4-6F175D3DCCD1}">
-              <a14:hiddenFill xmlns:a14="http://schemas.microsoft.com/office/drawing/2010/main">
-                <a:solidFill>
-                  <a:schemeClr val="accent1"/>
-                </a:solidFill>
-              </a14:hiddenFill>
-            </a:ext>
-            <a:ext uri="{91240B29-F687-4F45-9708-019B960494DF}">
-              <a14:hiddenLine xmlns:a14="http://schemas.microsoft.com/office/drawing/2010/main" w="9525">
-                <a:solidFill>
-                  <a:schemeClr val="tx1"/>
-                </a:solidFill>
-                <a:miter lim="800000"/>
-                <a:headEnd/>
-                <a:tailEnd/>
-              </a14:hiddenLine>
-            </a:ext>
-          </a:extLst>
-        </p:spPr>
-      </p:pic>
-      <p:pic>
-        <p:nvPicPr>
-          <p:cNvPr id="9" name="Picture 4"/>
-          <p:cNvPicPr>
-            <a:picLocks noChangeAspect="1" noChangeArrowheads="1"/>
-          </p:cNvPicPr>
-          <p:nvPr/>
-        </p:nvPicPr>
-        <p:blipFill>
-          <a:blip r:embed="rId2">
-            <a:extLst>
-              <a:ext uri="{28A0092B-C50C-407E-A947-70E740481C1C}">
-                <a14:useLocalDpi xmlns:a14="http://schemas.microsoft.com/office/drawing/2010/main" val="0"/>
-              </a:ext>
-            </a:extLst>
-          </a:blip>
-          <a:srcRect/>
-          <a:stretch>
-            <a:fillRect/>
-          </a:stretch>
-        </p:blipFill>
-        <p:spPr bwMode="auto">
-          <a:xfrm>
-            <a:off x="9956800" y="7591135"/>
-            <a:ext cx="5019675" cy="1971675"/>
-          </a:xfrm>
-          <a:prstGeom prst="rect">
-            <a:avLst/>
-          </a:prstGeom>
-          <a:noFill/>
-          <a:ln>
-            <a:noFill/>
-          </a:ln>
-          <a:extLst>
-            <a:ext uri="{909E8E84-426E-40DD-AFC4-6F175D3DCCD1}">
-              <a14:hiddenFill xmlns:a14="http://schemas.microsoft.com/office/drawing/2010/main">
-                <a:solidFill>
-                  <a:schemeClr val="accent1"/>
-                </a:solidFill>
-              </a14:hiddenFill>
-            </a:ext>
-            <a:ext uri="{91240B29-F687-4F45-9708-019B960494DF}">
-              <a14:hiddenLine xmlns:a14="http://schemas.microsoft.com/office/drawing/2010/main" w="9525">
-                <a:solidFill>
-                  <a:schemeClr val="tx1"/>
-                </a:solidFill>
-                <a:miter lim="800000"/>
-                <a:headEnd/>
-                <a:tailEnd/>
-              </a14:hiddenLine>
-            </a:ext>
-          </a:extLst>
-        </p:spPr>
-      </p:pic>
-    </p:spTree>
-    <p:extLst>
-      <p:ext uri="{BB962C8B-B14F-4D97-AF65-F5344CB8AC3E}">
-        <p14:creationId xmlns:p14="http://schemas.microsoft.com/office/powerpoint/2010/main" val="3785237298"/>
-      </p:ext>
-    </p:extLst>
-  </p:cSld>
-  <p:clrMapOvr>
-    <a:masterClrMapping/>
-  </p:clrMapOvr>
-  <p:transition/>
-  <p:timing>
-    <p:tnLst>
-      <p:par>
-        <p:cTn id="1" dur="indefinite" restart="never" nodeType="tmRoot"/>
-      </p:par>
-    </p:tnLst>
-  </p:timing>
-</p:sld>
-</file>
-
-<file path=ppt/slides/slide9.xml><?xml version="1.0" encoding="utf-8"?>
 <p:sld xmlns:a="http://schemas.openxmlformats.org/drawingml/2006/main" xmlns:r="http://schemas.openxmlformats.org/officeDocument/2006/relationships" xmlns:p="http://schemas.openxmlformats.org/presentationml/2006/main">
   <p:cSld>
     <p:spTree>
@@ -21560,8 +20525,8 @@
         </p:nvSpPr>
         <p:spPr>
           <a:xfrm>
-            <a:off x="2893327" y="2840634"/>
-            <a:ext cx="4894289" cy="954107"/>
+            <a:off x="4176719" y="2840634"/>
+            <a:ext cx="2327497" cy="954107"/>
           </a:xfrm>
           <a:prstGeom prst="rect">
             <a:avLst/>
@@ -21576,9 +20541,8 @@
           <a:p>
             <a:r>
               <a:rPr lang="en-CA" dirty="0" smtClean="0"/>
-              <a:t>Candidate Key</a:t>
-            </a:r>
-            <a:endParaRPr lang="en-CA" sz="3600" dirty="0" smtClean="0"/>
+              <a:t>Values</a:t>
+            </a:r>
           </a:p>
         </p:txBody>
       </p:sp>
@@ -21590,8 +20554,8 @@
         </p:nvSpPr>
         <p:spPr>
           <a:xfrm>
-            <a:off x="8956073" y="2840634"/>
-            <a:ext cx="4055919" cy="954107"/>
+            <a:off x="9495480" y="2840634"/>
+            <a:ext cx="2977097" cy="954107"/>
           </a:xfrm>
           <a:prstGeom prst="rect">
             <a:avLst/>
@@ -21606,7 +20570,7 @@
           <a:p>
             <a:r>
               <a:rPr lang="en-CA" dirty="0" smtClean="0"/>
-              <a:t>Coordinates</a:t>
+              <a:t>Measure</a:t>
             </a:r>
             <a:endParaRPr lang="en-CA" dirty="0"/>
           </a:p>
@@ -21620,8 +20584,8 @@
         </p:nvSpPr>
         <p:spPr bwMode="auto">
           <a:xfrm>
-            <a:off x="1209736" y="8916254"/>
-            <a:ext cx="2743200" cy="494156"/>
+            <a:off x="3708400" y="6578600"/>
+            <a:ext cx="1447800" cy="4419600"/>
           </a:xfrm>
           <a:prstGeom prst="rect">
             <a:avLst/>
@@ -21686,8 +20650,8 @@
         </p:nvCxnSpPr>
         <p:spPr bwMode="auto">
           <a:xfrm flipH="1">
-            <a:off x="2581336" y="3794741"/>
-            <a:ext cx="2759136" cy="5121513"/>
+            <a:off x="4432300" y="3794741"/>
+            <a:ext cx="908168" cy="2783859"/>
           </a:xfrm>
           <a:prstGeom prst="straightConnector1">
             <a:avLst/>
@@ -21720,61 +20684,16 @@
           </a:extLst>
         </p:spPr>
       </p:cxnSp>
-      <p:cxnSp>
-        <p:nvCxnSpPr>
-          <p:cNvPr id="19" name="Straight Arrow Connector 18"/>
-          <p:cNvCxnSpPr>
-            <a:stCxn id="6" idx="2"/>
-            <a:endCxn id="23" idx="0"/>
-          </p:cNvCxnSpPr>
-          <p:nvPr/>
-        </p:nvCxnSpPr>
-        <p:spPr bwMode="auto">
-          <a:xfrm>
-            <a:off x="10984033" y="3794741"/>
-            <a:ext cx="2135067" cy="3796973"/>
-          </a:xfrm>
-          <a:prstGeom prst="straightConnector1">
-            <a:avLst/>
-          </a:prstGeom>
-          <a:solidFill>
-            <a:srgbClr val="6C7472"/>
-          </a:solidFill>
-          <a:ln w="88900" cap="flat" cmpd="sng" algn="ctr">
-            <a:solidFill>
-              <a:srgbClr val="FF0000"/>
-            </a:solidFill>
-            <a:prstDash val="solid"/>
-            <a:round/>
-            <a:headEnd type="none" w="med" len="med"/>
-            <a:tailEnd type="arrow" w="med" len="med"/>
-          </a:ln>
-          <a:effectLst/>
-          <a:extLst>
-            <a:ext uri="{AF507438-7753-43E0-B8FC-AC1667EBCBE1}">
-              <a14:hiddenEffects xmlns:a14="http://schemas.microsoft.com/office/drawing/2010/main">
-                <a:effectLst>
-                  <a:outerShdw blurRad="63500" dist="38099" dir="2700000" algn="ctr" rotWithShape="0">
-                    <a:schemeClr val="bg2">
-                      <a:alpha val="74998"/>
-                    </a:schemeClr>
-                  </a:outerShdw>
-                </a:effectLst>
-              </a14:hiddenEffects>
-            </a:ext>
-          </a:extLst>
-        </p:spPr>
-      </p:cxnSp>
       <p:sp>
         <p:nvSpPr>
-          <p:cNvPr id="22" name="Rectangle 21"/>
+          <p:cNvPr id="17" name="Rectangle 16"/>
           <p:cNvSpPr/>
           <p:nvPr/>
         </p:nvSpPr>
         <p:spPr bwMode="auto">
           <a:xfrm>
-            <a:off x="9922123" y="8696876"/>
-            <a:ext cx="1447800" cy="494664"/>
+            <a:off x="11176000" y="7874000"/>
+            <a:ext cx="3886200" cy="1752599"/>
           </a:xfrm>
           <a:prstGeom prst="rect">
             <a:avLst/>
@@ -21828,16 +20747,415 @@
           </a:p>
         </p:txBody>
       </p:sp>
+      <p:cxnSp>
+        <p:nvCxnSpPr>
+          <p:cNvPr id="19" name="Straight Arrow Connector 18"/>
+          <p:cNvCxnSpPr>
+            <a:stCxn id="6" idx="2"/>
+            <a:endCxn id="17" idx="0"/>
+          </p:cNvCxnSpPr>
+          <p:nvPr/>
+        </p:nvCxnSpPr>
+        <p:spPr bwMode="auto">
+          <a:xfrm>
+            <a:off x="10984029" y="3794741"/>
+            <a:ext cx="2135071" cy="4079259"/>
+          </a:xfrm>
+          <a:prstGeom prst="straightConnector1">
+            <a:avLst/>
+          </a:prstGeom>
+          <a:solidFill>
+            <a:srgbClr val="6C7472"/>
+          </a:solidFill>
+          <a:ln w="88900" cap="flat" cmpd="sng" algn="ctr">
+            <a:solidFill>
+              <a:srgbClr val="FF0000"/>
+            </a:solidFill>
+            <a:prstDash val="solid"/>
+            <a:round/>
+            <a:headEnd type="none" w="med" len="med"/>
+            <a:tailEnd type="arrow" w="med" len="med"/>
+          </a:ln>
+          <a:effectLst/>
+          <a:extLst>
+            <a:ext uri="{AF507438-7753-43E0-B8FC-AC1667EBCBE1}">
+              <a14:hiddenEffects xmlns:a14="http://schemas.microsoft.com/office/drawing/2010/main">
+                <a:effectLst>
+                  <a:outerShdw blurRad="63500" dist="38099" dir="2700000" algn="ctr" rotWithShape="0">
+                    <a:schemeClr val="bg2">
+                      <a:alpha val="74998"/>
+                    </a:schemeClr>
+                  </a:outerShdw>
+                </a:effectLst>
+              </a14:hiddenEffects>
+            </a:ext>
+          </a:extLst>
+        </p:spPr>
+      </p:cxnSp>
+    </p:spTree>
+    <p:extLst>
+      <p:ext uri="{BB962C8B-B14F-4D97-AF65-F5344CB8AC3E}">
+        <p14:creationId xmlns:p14="http://schemas.microsoft.com/office/powerpoint/2010/main" val="3446114637"/>
+      </p:ext>
+    </p:extLst>
+  </p:cSld>
+  <p:clrMapOvr>
+    <a:masterClrMapping/>
+  </p:clrMapOvr>
+  <p:transition/>
+  <p:timing>
+    <p:tnLst>
+      <p:par>
+        <p:cTn id="1" dur="indefinite" restart="never" nodeType="tmRoot"/>
+      </p:par>
+    </p:tnLst>
+  </p:timing>
+</p:sld>
+</file>
+
+<file path=ppt/slides/slide8.xml><?xml version="1.0" encoding="utf-8"?>
+<p:sld xmlns:a="http://schemas.openxmlformats.org/drawingml/2006/main" xmlns:r="http://schemas.openxmlformats.org/officeDocument/2006/relationships" xmlns:p="http://schemas.openxmlformats.org/presentationml/2006/main">
+  <p:cSld>
+    <p:spTree>
+      <p:nvGrpSpPr>
+        <p:cNvPr id="1" name=""/>
+        <p:cNvGrpSpPr/>
+        <p:nvPr/>
+      </p:nvGrpSpPr>
+      <p:grpSpPr>
+        <a:xfrm>
+          <a:off x="0" y="0"/>
+          <a:ext cx="0" cy="0"/>
+          <a:chOff x="0" y="0"/>
+          <a:chExt cx="0" cy="0"/>
+        </a:xfrm>
+      </p:grpSpPr>
       <p:sp>
         <p:nvSpPr>
-          <p:cNvPr id="23" name="Rectangle 22"/>
+          <p:cNvPr id="3" name="Title 2"/>
+          <p:cNvSpPr>
+            <a:spLocks noGrp="1"/>
+          </p:cNvSpPr>
+          <p:nvPr>
+            <p:ph type="title"/>
+          </p:nvPr>
+        </p:nvSpPr>
+        <p:spPr/>
+        <p:txBody>
+          <a:bodyPr/>
+          <a:lstStyle/>
+          <a:p>
+            <a:pPr>
+              <a:defRPr/>
+            </a:pPr>
+            <a:r>
+              <a:rPr lang="en-US" dirty="0" smtClean="0"/>
+              <a:t>Nomenclature</a:t>
+            </a:r>
+            <a:endParaRPr lang="en-US" dirty="0"/>
+          </a:p>
+        </p:txBody>
+      </p:sp>
+      <p:pic>
+        <p:nvPicPr>
+          <p:cNvPr id="1026" name="Picture 2"/>
+          <p:cNvPicPr>
+            <a:picLocks noChangeAspect="1" noChangeArrowheads="1"/>
+          </p:cNvPicPr>
+          <p:nvPr/>
+        </p:nvPicPr>
+        <p:blipFill>
+          <a:blip r:embed="rId2">
+            <a:extLst>
+              <a:ext uri="{28A0092B-C50C-407E-A947-70E740481C1C}">
+                <a14:useLocalDpi xmlns:a14="http://schemas.microsoft.com/office/drawing/2010/main" val="0"/>
+              </a:ext>
+            </a:extLst>
+          </a:blip>
+          <a:srcRect/>
+          <a:stretch>
+            <a:fillRect/>
+          </a:stretch>
+        </p:blipFill>
+        <p:spPr bwMode="auto">
+          <a:xfrm>
+            <a:off x="1270000" y="6273800"/>
+            <a:ext cx="6238875" cy="4638675"/>
+          </a:xfrm>
+          <a:prstGeom prst="rect">
+            <a:avLst/>
+          </a:prstGeom>
+          <a:noFill/>
+          <a:ln>
+            <a:noFill/>
+          </a:ln>
+          <a:extLst>
+            <a:ext uri="{909E8E84-426E-40DD-AFC4-6F175D3DCCD1}">
+              <a14:hiddenFill xmlns:a14="http://schemas.microsoft.com/office/drawing/2010/main">
+                <a:solidFill>
+                  <a:schemeClr val="accent1"/>
+                </a:solidFill>
+              </a14:hiddenFill>
+            </a:ext>
+            <a:ext uri="{91240B29-F687-4F45-9708-019B960494DF}">
+              <a14:hiddenLine xmlns:a14="http://schemas.microsoft.com/office/drawing/2010/main" w="9525">
+                <a:solidFill>
+                  <a:schemeClr val="tx1"/>
+                </a:solidFill>
+                <a:miter lim="800000"/>
+                <a:headEnd/>
+                <a:tailEnd/>
+              </a14:hiddenLine>
+            </a:ext>
+          </a:extLst>
+        </p:spPr>
+      </p:pic>
+      <p:grpSp>
+        <p:nvGrpSpPr>
+          <p:cNvPr id="4" name="Group 3"/>
+          <p:cNvGrpSpPr/>
+          <p:nvPr/>
+        </p:nvGrpSpPr>
+        <p:grpSpPr>
+          <a:xfrm>
+            <a:off x="9652000" y="7286335"/>
+            <a:ext cx="5324475" cy="2276475"/>
+            <a:chOff x="9956800" y="7607299"/>
+            <a:chExt cx="5324475" cy="2276475"/>
+          </a:xfrm>
+        </p:grpSpPr>
+        <p:pic>
+          <p:nvPicPr>
+            <p:cNvPr id="1028" name="Picture 4"/>
+            <p:cNvPicPr>
+              <a:picLocks noChangeAspect="1" noChangeArrowheads="1"/>
+            </p:cNvPicPr>
+            <p:nvPr/>
+          </p:nvPicPr>
+          <p:blipFill>
+            <a:blip r:embed="rId3">
+              <a:extLst>
+                <a:ext uri="{28A0092B-C50C-407E-A947-70E740481C1C}">
+                  <a14:useLocalDpi xmlns:a14="http://schemas.microsoft.com/office/drawing/2010/main" val="0"/>
+                </a:ext>
+              </a:extLst>
+            </a:blip>
+            <a:srcRect/>
+            <a:stretch>
+              <a:fillRect/>
+            </a:stretch>
+          </p:blipFill>
+          <p:spPr bwMode="auto">
+            <a:xfrm>
+              <a:off x="9956800" y="7607299"/>
+              <a:ext cx="5019675" cy="1971675"/>
+            </a:xfrm>
+            <a:prstGeom prst="rect">
+              <a:avLst/>
+            </a:prstGeom>
+            <a:noFill/>
+            <a:ln>
+              <a:noFill/>
+            </a:ln>
+            <a:extLst>
+              <a:ext uri="{909E8E84-426E-40DD-AFC4-6F175D3DCCD1}">
+                <a14:hiddenFill xmlns:a14="http://schemas.microsoft.com/office/drawing/2010/main">
+                  <a:solidFill>
+                    <a:schemeClr val="accent1"/>
+                  </a:solidFill>
+                </a14:hiddenFill>
+              </a:ext>
+              <a:ext uri="{91240B29-F687-4F45-9708-019B960494DF}">
+                <a14:hiddenLine xmlns:a14="http://schemas.microsoft.com/office/drawing/2010/main" w="9525">
+                  <a:solidFill>
+                    <a:schemeClr val="tx1"/>
+                  </a:solidFill>
+                  <a:miter lim="800000"/>
+                  <a:headEnd/>
+                  <a:tailEnd/>
+                </a14:hiddenLine>
+              </a:ext>
+            </a:extLst>
+          </p:spPr>
+        </p:pic>
+        <p:pic>
+          <p:nvPicPr>
+            <p:cNvPr id="8" name="Picture 4"/>
+            <p:cNvPicPr>
+              <a:picLocks noChangeAspect="1" noChangeArrowheads="1"/>
+            </p:cNvPicPr>
+            <p:nvPr/>
+          </p:nvPicPr>
+          <p:blipFill>
+            <a:blip r:embed="rId3">
+              <a:extLst>
+                <a:ext uri="{28A0092B-C50C-407E-A947-70E740481C1C}">
+                  <a14:useLocalDpi xmlns:a14="http://schemas.microsoft.com/office/drawing/2010/main" val="0"/>
+                </a:ext>
+              </a:extLst>
+            </a:blip>
+            <a:srcRect/>
+            <a:stretch>
+              <a:fillRect/>
+            </a:stretch>
+          </p:blipFill>
+          <p:spPr bwMode="auto">
+            <a:xfrm>
+              <a:off x="10109200" y="7759699"/>
+              <a:ext cx="5019675" cy="1971675"/>
+            </a:xfrm>
+            <a:prstGeom prst="rect">
+              <a:avLst/>
+            </a:prstGeom>
+            <a:noFill/>
+            <a:ln>
+              <a:noFill/>
+            </a:ln>
+            <a:extLst>
+              <a:ext uri="{909E8E84-426E-40DD-AFC4-6F175D3DCCD1}">
+                <a14:hiddenFill xmlns:a14="http://schemas.microsoft.com/office/drawing/2010/main">
+                  <a:solidFill>
+                    <a:schemeClr val="accent1"/>
+                  </a:solidFill>
+                </a14:hiddenFill>
+              </a:ext>
+              <a:ext uri="{91240B29-F687-4F45-9708-019B960494DF}">
+                <a14:hiddenLine xmlns:a14="http://schemas.microsoft.com/office/drawing/2010/main" w="9525">
+                  <a:solidFill>
+                    <a:schemeClr val="tx1"/>
+                  </a:solidFill>
+                  <a:miter lim="800000"/>
+                  <a:headEnd/>
+                  <a:tailEnd/>
+                </a14:hiddenLine>
+              </a:ext>
+            </a:extLst>
+          </p:spPr>
+        </p:pic>
+        <p:pic>
+          <p:nvPicPr>
+            <p:cNvPr id="9" name="Picture 4"/>
+            <p:cNvPicPr>
+              <a:picLocks noChangeAspect="1" noChangeArrowheads="1"/>
+            </p:cNvPicPr>
+            <p:nvPr/>
+          </p:nvPicPr>
+          <p:blipFill>
+            <a:blip r:embed="rId3">
+              <a:extLst>
+                <a:ext uri="{28A0092B-C50C-407E-A947-70E740481C1C}">
+                  <a14:useLocalDpi xmlns:a14="http://schemas.microsoft.com/office/drawing/2010/main" val="0"/>
+                </a:ext>
+              </a:extLst>
+            </a:blip>
+            <a:srcRect/>
+            <a:stretch>
+              <a:fillRect/>
+            </a:stretch>
+          </p:blipFill>
+          <p:spPr bwMode="auto">
+            <a:xfrm>
+              <a:off x="10261600" y="7912099"/>
+              <a:ext cx="5019675" cy="1971675"/>
+            </a:xfrm>
+            <a:prstGeom prst="rect">
+              <a:avLst/>
+            </a:prstGeom>
+            <a:noFill/>
+            <a:ln>
+              <a:noFill/>
+            </a:ln>
+            <a:extLst>
+              <a:ext uri="{909E8E84-426E-40DD-AFC4-6F175D3DCCD1}">
+                <a14:hiddenFill xmlns:a14="http://schemas.microsoft.com/office/drawing/2010/main">
+                  <a:solidFill>
+                    <a:schemeClr val="accent1"/>
+                  </a:solidFill>
+                </a14:hiddenFill>
+              </a:ext>
+              <a:ext uri="{91240B29-F687-4F45-9708-019B960494DF}">
+                <a14:hiddenLine xmlns:a14="http://schemas.microsoft.com/office/drawing/2010/main" w="9525">
+                  <a:solidFill>
+                    <a:schemeClr val="tx1"/>
+                  </a:solidFill>
+                  <a:miter lim="800000"/>
+                  <a:headEnd/>
+                  <a:tailEnd/>
+                </a14:hiddenLine>
+              </a:ext>
+            </a:extLst>
+          </p:spPr>
+        </p:pic>
+      </p:grpSp>
+      <p:sp>
+        <p:nvSpPr>
+          <p:cNvPr id="5" name="TextBox 4"/>
+          <p:cNvSpPr txBox="1"/>
+          <p:nvPr/>
+        </p:nvSpPr>
+        <p:spPr>
+          <a:xfrm>
+            <a:off x="4176719" y="2840634"/>
+            <a:ext cx="2327497" cy="954107"/>
+          </a:xfrm>
+          <a:prstGeom prst="rect">
+            <a:avLst/>
+          </a:prstGeom>
+          <a:noFill/>
+        </p:spPr>
+        <p:txBody>
+          <a:bodyPr wrap="none" rtlCol="0">
+            <a:spAutoFit/>
+          </a:bodyPr>
+          <a:lstStyle/>
+          <a:p>
+            <a:r>
+              <a:rPr lang="en-CA" dirty="0" smtClean="0"/>
+              <a:t>Values</a:t>
+            </a:r>
+          </a:p>
+        </p:txBody>
+      </p:sp>
+      <p:sp>
+        <p:nvSpPr>
+          <p:cNvPr id="6" name="TextBox 5"/>
+          <p:cNvSpPr txBox="1"/>
+          <p:nvPr/>
+        </p:nvSpPr>
+        <p:spPr>
+          <a:xfrm>
+            <a:off x="9495480" y="2840634"/>
+            <a:ext cx="2977097" cy="954107"/>
+          </a:xfrm>
+          <a:prstGeom prst="rect">
+            <a:avLst/>
+          </a:prstGeom>
+          <a:noFill/>
+        </p:spPr>
+        <p:txBody>
+          <a:bodyPr wrap="none" rtlCol="0">
+            <a:spAutoFit/>
+          </a:bodyPr>
+          <a:lstStyle/>
+          <a:p>
+            <a:r>
+              <a:rPr lang="en-CA" dirty="0" smtClean="0"/>
+              <a:t>Measure</a:t>
+            </a:r>
+            <a:endParaRPr lang="en-CA" dirty="0"/>
+          </a:p>
+        </p:txBody>
+      </p:sp>
+      <p:sp>
+        <p:nvSpPr>
+          <p:cNvPr id="7" name="Rectangle 6"/>
           <p:cNvSpPr/>
           <p:nvPr/>
         </p:nvSpPr>
         <p:spPr bwMode="auto">
           <a:xfrm>
-            <a:off x="12395200" y="7591714"/>
-            <a:ext cx="1447800" cy="494664"/>
+            <a:off x="3708400" y="6197600"/>
+            <a:ext cx="1447800" cy="4800600"/>
           </a:xfrm>
           <a:prstGeom prst="rect">
             <a:avLst/>
@@ -21893,17 +21211,17 @@
       </p:sp>
       <p:cxnSp>
         <p:nvCxnSpPr>
-          <p:cNvPr id="25" name="Straight Arrow Connector 24"/>
+          <p:cNvPr id="11" name="Straight Arrow Connector 10"/>
           <p:cNvCxnSpPr>
-            <a:stCxn id="6" idx="2"/>
-            <a:endCxn id="22" idx="0"/>
+            <a:stCxn id="14" idx="1"/>
+            <a:endCxn id="7" idx="0"/>
           </p:cNvCxnSpPr>
           <p:nvPr/>
         </p:nvCxnSpPr>
         <p:spPr bwMode="auto">
           <a:xfrm flipH="1">
-            <a:off x="10646023" y="3794741"/>
-            <a:ext cx="338010" cy="4902135"/>
+            <a:off x="4432300" y="5303054"/>
+            <a:ext cx="6551728" cy="894546"/>
           </a:xfrm>
           <a:prstGeom prst="straightConnector1">
             <a:avLst/>
@@ -21936,10 +21254,733 @@
           </a:extLst>
         </p:spPr>
       </p:cxnSp>
+      <p:sp>
+        <p:nvSpPr>
+          <p:cNvPr id="17" name="Rectangle 16"/>
+          <p:cNvSpPr/>
+          <p:nvPr/>
+        </p:nvSpPr>
+        <p:spPr bwMode="auto">
+          <a:xfrm>
+            <a:off x="9880600" y="7493000"/>
+            <a:ext cx="5181600" cy="2133599"/>
+          </a:xfrm>
+          <a:prstGeom prst="rect">
+            <a:avLst/>
+          </a:prstGeom>
+          <a:noFill/>
+          <a:ln w="88900">
+            <a:solidFill>
+              <a:srgbClr val="FF0000"/>
+            </a:solidFill>
+          </a:ln>
+          <a:effectLst/>
+          <a:extLst/>
+        </p:spPr>
+        <p:txBody>
+          <a:bodyPr vert="horz" wrap="square" lIns="91440" tIns="45720" rIns="91440" bIns="45720" numCol="1" rtlCol="0" anchor="t" anchorCtr="0" compatLnSpc="1">
+            <a:prstTxWarp prst="textNoShape">
+              <a:avLst/>
+            </a:prstTxWarp>
+          </a:bodyPr>
+          <a:lstStyle/>
+          <a:p>
+            <a:pPr marL="0" marR="0" indent="0" algn="ctr" defTabSz="914400" rtl="0" eaLnBrk="1" fontAlgn="base" latinLnBrk="0" hangingPunct="1">
+              <a:lnSpc>
+                <a:spcPct val="100000"/>
+              </a:lnSpc>
+              <a:spcBef>
+                <a:spcPct val="0"/>
+              </a:spcBef>
+              <a:spcAft>
+                <a:spcPct val="0"/>
+              </a:spcAft>
+              <a:buClrTx/>
+              <a:buSzTx/>
+              <a:buFontTx/>
+              <a:buNone/>
+              <a:tabLst/>
+            </a:pPr>
+            <a:endParaRPr kumimoji="0" lang="en-CA" sz="5600" b="0" i="0" u="none" strike="noStrike" cap="none" normalizeH="0" baseline="0">
+              <a:ln>
+                <a:noFill/>
+              </a:ln>
+              <a:solidFill>
+                <a:srgbClr val="414141"/>
+              </a:solidFill>
+              <a:effectLst/>
+              <a:latin typeface="Open Sans" charset="0"/>
+              <a:ea typeface="ヒラギノ角ゴ ProN W3" charset="0"/>
+              <a:cs typeface="ヒラギノ角ゴ ProN W3" charset="0"/>
+              <a:sym typeface="Open Sans" charset="0"/>
+            </a:endParaRPr>
+          </a:p>
+        </p:txBody>
+      </p:sp>
+      <p:cxnSp>
+        <p:nvCxnSpPr>
+          <p:cNvPr id="19" name="Straight Arrow Connector 18"/>
+          <p:cNvCxnSpPr>
+            <a:stCxn id="14" idx="2"/>
+            <a:endCxn id="17" idx="0"/>
+          </p:cNvCxnSpPr>
+          <p:nvPr/>
+        </p:nvCxnSpPr>
+        <p:spPr bwMode="auto">
+          <a:xfrm>
+            <a:off x="12253767" y="5780107"/>
+            <a:ext cx="217633" cy="1712893"/>
+          </a:xfrm>
+          <a:prstGeom prst="straightConnector1">
+            <a:avLst/>
+          </a:prstGeom>
+          <a:solidFill>
+            <a:srgbClr val="6C7472"/>
+          </a:solidFill>
+          <a:ln w="88900" cap="flat" cmpd="sng" algn="ctr">
+            <a:solidFill>
+              <a:srgbClr val="FF0000"/>
+            </a:solidFill>
+            <a:prstDash val="solid"/>
+            <a:round/>
+            <a:headEnd type="none" w="med" len="med"/>
+            <a:tailEnd type="arrow" w="med" len="med"/>
+          </a:ln>
+          <a:effectLst/>
+          <a:extLst>
+            <a:ext uri="{AF507438-7753-43E0-B8FC-AC1667EBCBE1}">
+              <a14:hiddenEffects xmlns:a14="http://schemas.microsoft.com/office/drawing/2010/main">
+                <a:effectLst>
+                  <a:outerShdw blurRad="63500" dist="38099" dir="2700000" algn="ctr" rotWithShape="0">
+                    <a:schemeClr val="bg2">
+                      <a:alpha val="74998"/>
+                    </a:schemeClr>
+                  </a:outerShdw>
+                </a:effectLst>
+              </a14:hiddenEffects>
+            </a:ext>
+          </a:extLst>
+        </p:spPr>
+      </p:cxnSp>
+      <p:sp>
+        <p:nvSpPr>
+          <p:cNvPr id="14" name="TextBox 13"/>
+          <p:cNvSpPr txBox="1"/>
+          <p:nvPr/>
+        </p:nvSpPr>
+        <p:spPr>
+          <a:xfrm>
+            <a:off x="10984028" y="4826000"/>
+            <a:ext cx="2539478" cy="954107"/>
+          </a:xfrm>
+          <a:prstGeom prst="rect">
+            <a:avLst/>
+          </a:prstGeom>
+          <a:noFill/>
+        </p:spPr>
+        <p:txBody>
+          <a:bodyPr wrap="none" rtlCol="0">
+            <a:spAutoFit/>
+          </a:bodyPr>
+          <a:lstStyle/>
+          <a:p>
+            <a:r>
+              <a:rPr lang="en-CA" dirty="0" smtClean="0"/>
+              <a:t>Median</a:t>
+            </a:r>
+            <a:endParaRPr lang="en-CA" dirty="0"/>
+          </a:p>
+        </p:txBody>
+      </p:sp>
     </p:spTree>
     <p:extLst>
       <p:ext uri="{BB962C8B-B14F-4D97-AF65-F5344CB8AC3E}">
-        <p14:creationId xmlns:p14="http://schemas.microsoft.com/office/powerpoint/2010/main" val="3500576981"/>
+        <p14:creationId xmlns:p14="http://schemas.microsoft.com/office/powerpoint/2010/main" val="3820589124"/>
+      </p:ext>
+    </p:extLst>
+  </p:cSld>
+  <p:clrMapOvr>
+    <a:masterClrMapping/>
+  </p:clrMapOvr>
+  <p:transition/>
+  <p:timing>
+    <p:tnLst>
+      <p:par>
+        <p:cTn id="1" dur="indefinite" restart="never" nodeType="tmRoot"/>
+      </p:par>
+    </p:tnLst>
+  </p:timing>
+</p:sld>
+</file>
+
+<file path=ppt/slides/slide9.xml><?xml version="1.0" encoding="utf-8"?>
+<p:sld xmlns:a="http://schemas.openxmlformats.org/drawingml/2006/main" xmlns:r="http://schemas.openxmlformats.org/officeDocument/2006/relationships" xmlns:p="http://schemas.openxmlformats.org/presentationml/2006/main">
+  <p:cSld>
+    <p:spTree>
+      <p:nvGrpSpPr>
+        <p:cNvPr id="1" name=""/>
+        <p:cNvGrpSpPr/>
+        <p:nvPr/>
+      </p:nvGrpSpPr>
+      <p:grpSpPr>
+        <a:xfrm>
+          <a:off x="0" y="0"/>
+          <a:ext cx="0" cy="0"/>
+          <a:chOff x="0" y="0"/>
+          <a:chExt cx="0" cy="0"/>
+        </a:xfrm>
+      </p:grpSpPr>
+      <p:pic>
+        <p:nvPicPr>
+          <p:cNvPr id="1028" name="Picture 4"/>
+          <p:cNvPicPr>
+            <a:picLocks noChangeAspect="1" noChangeArrowheads="1"/>
+          </p:cNvPicPr>
+          <p:nvPr/>
+        </p:nvPicPr>
+        <p:blipFill>
+          <a:blip r:embed="rId2">
+            <a:extLst>
+              <a:ext uri="{28A0092B-C50C-407E-A947-70E740481C1C}">
+                <a14:useLocalDpi xmlns:a14="http://schemas.microsoft.com/office/drawing/2010/main" val="0"/>
+              </a:ext>
+            </a:extLst>
+          </a:blip>
+          <a:srcRect/>
+          <a:stretch>
+            <a:fillRect/>
+          </a:stretch>
+        </p:blipFill>
+        <p:spPr bwMode="auto">
+          <a:xfrm>
+            <a:off x="9652000" y="7286335"/>
+            <a:ext cx="5019675" cy="1971675"/>
+          </a:xfrm>
+          <a:prstGeom prst="rect">
+            <a:avLst/>
+          </a:prstGeom>
+          <a:noFill/>
+          <a:ln>
+            <a:noFill/>
+          </a:ln>
+          <a:extLst>
+            <a:ext uri="{909E8E84-426E-40DD-AFC4-6F175D3DCCD1}">
+              <a14:hiddenFill xmlns:a14="http://schemas.microsoft.com/office/drawing/2010/main">
+                <a:solidFill>
+                  <a:schemeClr val="accent1"/>
+                </a:solidFill>
+              </a14:hiddenFill>
+            </a:ext>
+            <a:ext uri="{91240B29-F687-4F45-9708-019B960494DF}">
+              <a14:hiddenLine xmlns:a14="http://schemas.microsoft.com/office/drawing/2010/main" w="9525">
+                <a:solidFill>
+                  <a:schemeClr val="tx1"/>
+                </a:solidFill>
+                <a:miter lim="800000"/>
+                <a:headEnd/>
+                <a:tailEnd/>
+              </a14:hiddenLine>
+            </a:ext>
+          </a:extLst>
+        </p:spPr>
+      </p:pic>
+      <p:pic>
+        <p:nvPicPr>
+          <p:cNvPr id="8" name="Picture 4"/>
+          <p:cNvPicPr>
+            <a:picLocks noChangeAspect="1" noChangeArrowheads="1"/>
+          </p:cNvPicPr>
+          <p:nvPr/>
+        </p:nvPicPr>
+        <p:blipFill>
+          <a:blip r:embed="rId2">
+            <a:extLst>
+              <a:ext uri="{28A0092B-C50C-407E-A947-70E740481C1C}">
+                <a14:useLocalDpi xmlns:a14="http://schemas.microsoft.com/office/drawing/2010/main" val="0"/>
+              </a:ext>
+            </a:extLst>
+          </a:blip>
+          <a:srcRect/>
+          <a:stretch>
+            <a:fillRect/>
+          </a:stretch>
+        </p:blipFill>
+        <p:spPr bwMode="auto">
+          <a:xfrm>
+            <a:off x="9804400" y="7438735"/>
+            <a:ext cx="5019675" cy="1971675"/>
+          </a:xfrm>
+          <a:prstGeom prst="rect">
+            <a:avLst/>
+          </a:prstGeom>
+          <a:noFill/>
+          <a:ln>
+            <a:noFill/>
+          </a:ln>
+          <a:extLst>
+            <a:ext uri="{909E8E84-426E-40DD-AFC4-6F175D3DCCD1}">
+              <a14:hiddenFill xmlns:a14="http://schemas.microsoft.com/office/drawing/2010/main">
+                <a:solidFill>
+                  <a:schemeClr val="accent1"/>
+                </a:solidFill>
+              </a14:hiddenFill>
+            </a:ext>
+            <a:ext uri="{91240B29-F687-4F45-9708-019B960494DF}">
+              <a14:hiddenLine xmlns:a14="http://schemas.microsoft.com/office/drawing/2010/main" w="9525">
+                <a:solidFill>
+                  <a:schemeClr val="tx1"/>
+                </a:solidFill>
+                <a:miter lim="800000"/>
+                <a:headEnd/>
+                <a:tailEnd/>
+              </a14:hiddenLine>
+            </a:ext>
+          </a:extLst>
+        </p:spPr>
+      </p:pic>
+      <p:sp>
+        <p:nvSpPr>
+          <p:cNvPr id="3" name="Title 2"/>
+          <p:cNvSpPr>
+            <a:spLocks noGrp="1"/>
+          </p:cNvSpPr>
+          <p:nvPr>
+            <p:ph type="title"/>
+          </p:nvPr>
+        </p:nvSpPr>
+        <p:spPr/>
+        <p:txBody>
+          <a:bodyPr/>
+          <a:lstStyle/>
+          <a:p>
+            <a:pPr>
+              <a:defRPr/>
+            </a:pPr>
+            <a:r>
+              <a:rPr lang="en-US" dirty="0" smtClean="0"/>
+              <a:t>Nomenclature</a:t>
+            </a:r>
+            <a:endParaRPr lang="en-US" dirty="0"/>
+          </a:p>
+        </p:txBody>
+      </p:sp>
+      <p:pic>
+        <p:nvPicPr>
+          <p:cNvPr id="1026" name="Picture 2"/>
+          <p:cNvPicPr>
+            <a:picLocks noChangeAspect="1" noChangeArrowheads="1"/>
+          </p:cNvPicPr>
+          <p:nvPr/>
+        </p:nvPicPr>
+        <p:blipFill>
+          <a:blip r:embed="rId3">
+            <a:extLst>
+              <a:ext uri="{28A0092B-C50C-407E-A947-70E740481C1C}">
+                <a14:useLocalDpi xmlns:a14="http://schemas.microsoft.com/office/drawing/2010/main" val="0"/>
+              </a:ext>
+            </a:extLst>
+          </a:blip>
+          <a:srcRect/>
+          <a:stretch>
+            <a:fillRect/>
+          </a:stretch>
+        </p:blipFill>
+        <p:spPr bwMode="auto">
+          <a:xfrm>
+            <a:off x="1270000" y="6273800"/>
+            <a:ext cx="6238875" cy="4638675"/>
+          </a:xfrm>
+          <a:prstGeom prst="rect">
+            <a:avLst/>
+          </a:prstGeom>
+          <a:noFill/>
+          <a:ln>
+            <a:noFill/>
+          </a:ln>
+          <a:extLst>
+            <a:ext uri="{909E8E84-426E-40DD-AFC4-6F175D3DCCD1}">
+              <a14:hiddenFill xmlns:a14="http://schemas.microsoft.com/office/drawing/2010/main">
+                <a:solidFill>
+                  <a:schemeClr val="accent1"/>
+                </a:solidFill>
+              </a14:hiddenFill>
+            </a:ext>
+            <a:ext uri="{91240B29-F687-4F45-9708-019B960494DF}">
+              <a14:hiddenLine xmlns:a14="http://schemas.microsoft.com/office/drawing/2010/main" w="9525">
+                <a:solidFill>
+                  <a:schemeClr val="tx1"/>
+                </a:solidFill>
+                <a:miter lim="800000"/>
+                <a:headEnd/>
+                <a:tailEnd/>
+              </a14:hiddenLine>
+            </a:ext>
+          </a:extLst>
+        </p:spPr>
+      </p:pic>
+      <p:sp>
+        <p:nvSpPr>
+          <p:cNvPr id="5" name="TextBox 4"/>
+          <p:cNvSpPr txBox="1"/>
+          <p:nvPr/>
+        </p:nvSpPr>
+        <p:spPr>
+          <a:xfrm>
+            <a:off x="4176719" y="2840634"/>
+            <a:ext cx="2327497" cy="954107"/>
+          </a:xfrm>
+          <a:prstGeom prst="rect">
+            <a:avLst/>
+          </a:prstGeom>
+          <a:noFill/>
+        </p:spPr>
+        <p:txBody>
+          <a:bodyPr wrap="none" rtlCol="0">
+            <a:spAutoFit/>
+          </a:bodyPr>
+          <a:lstStyle/>
+          <a:p>
+            <a:r>
+              <a:rPr lang="en-CA" dirty="0" smtClean="0"/>
+              <a:t>Values</a:t>
+            </a:r>
+          </a:p>
+        </p:txBody>
+      </p:sp>
+      <p:sp>
+        <p:nvSpPr>
+          <p:cNvPr id="6" name="TextBox 5"/>
+          <p:cNvSpPr txBox="1"/>
+          <p:nvPr/>
+        </p:nvSpPr>
+        <p:spPr>
+          <a:xfrm>
+            <a:off x="9495480" y="2840634"/>
+            <a:ext cx="2977097" cy="954107"/>
+          </a:xfrm>
+          <a:prstGeom prst="rect">
+            <a:avLst/>
+          </a:prstGeom>
+          <a:noFill/>
+        </p:spPr>
+        <p:txBody>
+          <a:bodyPr wrap="none" rtlCol="0">
+            <a:spAutoFit/>
+          </a:bodyPr>
+          <a:lstStyle/>
+          <a:p>
+            <a:r>
+              <a:rPr lang="en-CA" dirty="0" smtClean="0"/>
+              <a:t>Measure</a:t>
+            </a:r>
+            <a:endParaRPr lang="en-CA" dirty="0"/>
+          </a:p>
+        </p:txBody>
+      </p:sp>
+      <p:sp>
+        <p:nvSpPr>
+          <p:cNvPr id="7" name="Rectangle 6"/>
+          <p:cNvSpPr/>
+          <p:nvPr/>
+        </p:nvSpPr>
+        <p:spPr bwMode="auto">
+          <a:xfrm>
+            <a:off x="4927600" y="6197600"/>
+            <a:ext cx="1447800" cy="4800600"/>
+          </a:xfrm>
+          <a:prstGeom prst="rect">
+            <a:avLst/>
+          </a:prstGeom>
+          <a:noFill/>
+          <a:ln w="88900">
+            <a:solidFill>
+              <a:srgbClr val="FF0000"/>
+            </a:solidFill>
+          </a:ln>
+          <a:effectLst/>
+          <a:extLst/>
+        </p:spPr>
+        <p:txBody>
+          <a:bodyPr vert="horz" wrap="square" lIns="91440" tIns="45720" rIns="91440" bIns="45720" numCol="1" rtlCol="0" anchor="t" anchorCtr="0" compatLnSpc="1">
+            <a:prstTxWarp prst="textNoShape">
+              <a:avLst/>
+            </a:prstTxWarp>
+          </a:bodyPr>
+          <a:lstStyle/>
+          <a:p>
+            <a:pPr marL="0" marR="0" indent="0" algn="ctr" defTabSz="914400" rtl="0" eaLnBrk="1" fontAlgn="base" latinLnBrk="0" hangingPunct="1">
+              <a:lnSpc>
+                <a:spcPct val="100000"/>
+              </a:lnSpc>
+              <a:spcBef>
+                <a:spcPct val="0"/>
+              </a:spcBef>
+              <a:spcAft>
+                <a:spcPct val="0"/>
+              </a:spcAft>
+              <a:buClrTx/>
+              <a:buSzTx/>
+              <a:buFontTx/>
+              <a:buNone/>
+              <a:tabLst/>
+            </a:pPr>
+            <a:endParaRPr kumimoji="0" lang="en-CA" sz="5600" b="0" i="0" u="none" strike="noStrike" cap="none" normalizeH="0" baseline="0">
+              <a:ln>
+                <a:noFill/>
+              </a:ln>
+              <a:solidFill>
+                <a:srgbClr val="414141"/>
+              </a:solidFill>
+              <a:effectLst/>
+              <a:latin typeface="Open Sans" charset="0"/>
+              <a:ea typeface="ヒラギノ角ゴ ProN W3" charset="0"/>
+              <a:cs typeface="ヒラギノ角ゴ ProN W3" charset="0"/>
+              <a:sym typeface="Open Sans" charset="0"/>
+            </a:endParaRPr>
+          </a:p>
+        </p:txBody>
+      </p:sp>
+      <p:cxnSp>
+        <p:nvCxnSpPr>
+          <p:cNvPr id="11" name="Straight Arrow Connector 10"/>
+          <p:cNvCxnSpPr>
+            <a:stCxn id="14" idx="1"/>
+            <a:endCxn id="7" idx="0"/>
+          </p:cNvCxnSpPr>
+          <p:nvPr/>
+        </p:nvCxnSpPr>
+        <p:spPr bwMode="auto">
+          <a:xfrm flipH="1">
+            <a:off x="5651500" y="5303054"/>
+            <a:ext cx="5612253" cy="894546"/>
+          </a:xfrm>
+          <a:prstGeom prst="straightConnector1">
+            <a:avLst/>
+          </a:prstGeom>
+          <a:solidFill>
+            <a:srgbClr val="6C7472"/>
+          </a:solidFill>
+          <a:ln w="88900" cap="flat" cmpd="sng" algn="ctr">
+            <a:solidFill>
+              <a:srgbClr val="FF0000"/>
+            </a:solidFill>
+            <a:prstDash val="solid"/>
+            <a:round/>
+            <a:headEnd type="none" w="med" len="med"/>
+            <a:tailEnd type="arrow" w="med" len="med"/>
+          </a:ln>
+          <a:effectLst/>
+          <a:extLst>
+            <a:ext uri="{AF507438-7753-43E0-B8FC-AC1667EBCBE1}">
+              <a14:hiddenEffects xmlns:a14="http://schemas.microsoft.com/office/drawing/2010/main">
+                <a:effectLst>
+                  <a:outerShdw blurRad="63500" dist="38099" dir="2700000" algn="ctr" rotWithShape="0">
+                    <a:schemeClr val="bg2">
+                      <a:alpha val="74998"/>
+                    </a:schemeClr>
+                  </a:outerShdw>
+                </a:effectLst>
+              </a14:hiddenEffects>
+            </a:ext>
+          </a:extLst>
+        </p:spPr>
+      </p:cxnSp>
+      <p:sp>
+        <p:nvSpPr>
+          <p:cNvPr id="17" name="Rectangle 16"/>
+          <p:cNvSpPr/>
+          <p:nvPr/>
+        </p:nvSpPr>
+        <p:spPr bwMode="auto">
+          <a:xfrm>
+            <a:off x="9723437" y="7357772"/>
+            <a:ext cx="5181600" cy="2133599"/>
+          </a:xfrm>
+          <a:prstGeom prst="rect">
+            <a:avLst/>
+          </a:prstGeom>
+          <a:noFill/>
+          <a:ln w="88900">
+            <a:solidFill>
+              <a:srgbClr val="FF0000"/>
+            </a:solidFill>
+          </a:ln>
+          <a:effectLst/>
+          <a:extLst/>
+        </p:spPr>
+        <p:txBody>
+          <a:bodyPr vert="horz" wrap="square" lIns="91440" tIns="45720" rIns="91440" bIns="45720" numCol="1" rtlCol="0" anchor="t" anchorCtr="0" compatLnSpc="1">
+            <a:prstTxWarp prst="textNoShape">
+              <a:avLst/>
+            </a:prstTxWarp>
+          </a:bodyPr>
+          <a:lstStyle/>
+          <a:p>
+            <a:pPr marL="0" marR="0" indent="0" algn="ctr" defTabSz="914400" rtl="0" eaLnBrk="1" fontAlgn="base" latinLnBrk="0" hangingPunct="1">
+              <a:lnSpc>
+                <a:spcPct val="100000"/>
+              </a:lnSpc>
+              <a:spcBef>
+                <a:spcPct val="0"/>
+              </a:spcBef>
+              <a:spcAft>
+                <a:spcPct val="0"/>
+              </a:spcAft>
+              <a:buClrTx/>
+              <a:buSzTx/>
+              <a:buFontTx/>
+              <a:buNone/>
+              <a:tabLst/>
+            </a:pPr>
+            <a:endParaRPr kumimoji="0" lang="en-CA" sz="5600" b="0" i="0" u="none" strike="noStrike" cap="none" normalizeH="0" baseline="0">
+              <a:ln>
+                <a:noFill/>
+              </a:ln>
+              <a:solidFill>
+                <a:srgbClr val="414141"/>
+              </a:solidFill>
+              <a:effectLst/>
+              <a:latin typeface="Open Sans" charset="0"/>
+              <a:ea typeface="ヒラギノ角ゴ ProN W3" charset="0"/>
+              <a:cs typeface="ヒラギノ角ゴ ProN W3" charset="0"/>
+              <a:sym typeface="Open Sans" charset="0"/>
+            </a:endParaRPr>
+          </a:p>
+        </p:txBody>
+      </p:sp>
+      <p:cxnSp>
+        <p:nvCxnSpPr>
+          <p:cNvPr id="19" name="Straight Arrow Connector 18"/>
+          <p:cNvCxnSpPr>
+            <a:stCxn id="14" idx="2"/>
+            <a:endCxn id="17" idx="0"/>
+          </p:cNvCxnSpPr>
+          <p:nvPr/>
+        </p:nvCxnSpPr>
+        <p:spPr bwMode="auto">
+          <a:xfrm>
+            <a:off x="12253768" y="5780107"/>
+            <a:ext cx="60469" cy="1577665"/>
+          </a:xfrm>
+          <a:prstGeom prst="straightConnector1">
+            <a:avLst/>
+          </a:prstGeom>
+          <a:solidFill>
+            <a:srgbClr val="6C7472"/>
+          </a:solidFill>
+          <a:ln w="88900" cap="flat" cmpd="sng" algn="ctr">
+            <a:solidFill>
+              <a:srgbClr val="FF0000"/>
+            </a:solidFill>
+            <a:prstDash val="solid"/>
+            <a:round/>
+            <a:headEnd type="none" w="med" len="med"/>
+            <a:tailEnd type="arrow" w="med" len="med"/>
+          </a:ln>
+          <a:effectLst/>
+          <a:extLst>
+            <a:ext uri="{AF507438-7753-43E0-B8FC-AC1667EBCBE1}">
+              <a14:hiddenEffects xmlns:a14="http://schemas.microsoft.com/office/drawing/2010/main">
+                <a:effectLst>
+                  <a:outerShdw blurRad="63500" dist="38099" dir="2700000" algn="ctr" rotWithShape="0">
+                    <a:schemeClr val="bg2">
+                      <a:alpha val="74998"/>
+                    </a:schemeClr>
+                  </a:outerShdw>
+                </a:effectLst>
+              </a14:hiddenEffects>
+            </a:ext>
+          </a:extLst>
+        </p:spPr>
+      </p:cxnSp>
+      <p:sp>
+        <p:nvSpPr>
+          <p:cNvPr id="14" name="TextBox 13"/>
+          <p:cNvSpPr txBox="1"/>
+          <p:nvPr/>
+        </p:nvSpPr>
+        <p:spPr>
+          <a:xfrm>
+            <a:off x="11263753" y="4826000"/>
+            <a:ext cx="1980029" cy="954107"/>
+          </a:xfrm>
+          <a:prstGeom prst="rect">
+            <a:avLst/>
+          </a:prstGeom>
+          <a:noFill/>
+        </p:spPr>
+        <p:txBody>
+          <a:bodyPr wrap="none" rtlCol="0">
+            <a:spAutoFit/>
+          </a:bodyPr>
+          <a:lstStyle/>
+          <a:p>
+            <a:r>
+              <a:rPr lang="en-CA" dirty="0" smtClean="0"/>
+              <a:t>Mean</a:t>
+            </a:r>
+            <a:endParaRPr lang="en-CA" dirty="0"/>
+          </a:p>
+        </p:txBody>
+      </p:sp>
+      <p:pic>
+        <p:nvPicPr>
+          <p:cNvPr id="9" name="Picture 4"/>
+          <p:cNvPicPr>
+            <a:picLocks noChangeAspect="1" noChangeArrowheads="1"/>
+          </p:cNvPicPr>
+          <p:nvPr/>
+        </p:nvPicPr>
+        <p:blipFill>
+          <a:blip r:embed="rId2">
+            <a:extLst>
+              <a:ext uri="{28A0092B-C50C-407E-A947-70E740481C1C}">
+                <a14:useLocalDpi xmlns:a14="http://schemas.microsoft.com/office/drawing/2010/main" val="0"/>
+              </a:ext>
+            </a:extLst>
+          </a:blip>
+          <a:srcRect/>
+          <a:stretch>
+            <a:fillRect/>
+          </a:stretch>
+        </p:blipFill>
+        <p:spPr bwMode="auto">
+          <a:xfrm>
+            <a:off x="9956800" y="7591135"/>
+            <a:ext cx="5019675" cy="1971675"/>
+          </a:xfrm>
+          <a:prstGeom prst="rect">
+            <a:avLst/>
+          </a:prstGeom>
+          <a:noFill/>
+          <a:ln>
+            <a:noFill/>
+          </a:ln>
+          <a:extLst>
+            <a:ext uri="{909E8E84-426E-40DD-AFC4-6F175D3DCCD1}">
+              <a14:hiddenFill xmlns:a14="http://schemas.microsoft.com/office/drawing/2010/main">
+                <a:solidFill>
+                  <a:schemeClr val="accent1"/>
+                </a:solidFill>
+              </a14:hiddenFill>
+            </a:ext>
+            <a:ext uri="{91240B29-F687-4F45-9708-019B960494DF}">
+              <a14:hiddenLine xmlns:a14="http://schemas.microsoft.com/office/drawing/2010/main" w="9525">
+                <a:solidFill>
+                  <a:schemeClr val="tx1"/>
+                </a:solidFill>
+                <a:miter lim="800000"/>
+                <a:headEnd/>
+                <a:tailEnd/>
+              </a14:hiddenLine>
+            </a:ext>
+          </a:extLst>
+        </p:spPr>
+      </p:pic>
+    </p:spTree>
+    <p:extLst>
+      <p:ext uri="{BB962C8B-B14F-4D97-AF65-F5344CB8AC3E}">
+        <p14:creationId xmlns:p14="http://schemas.microsoft.com/office/powerpoint/2010/main" val="3953325579"/>
       </p:ext>
     </p:extLst>
   </p:cSld>
